--- a/development_docs/Docs_Basic.pptx
+++ b/development_docs/Docs_Basic.pptx
@@ -8,9 +8,14 @@
   <p:sldIdLst>
     <p:sldId id="256" r:id="rId4"/>
     <p:sldId id="257" r:id="rId5"/>
+    <p:sldId id="258" r:id="rId6"/>
+    <p:sldId id="259" r:id="rId7"/>
+    <p:sldId id="260" r:id="rId8"/>
+    <p:sldId id="261" r:id="rId9"/>
+    <p:sldId id="262" r:id="rId10"/>
   </p:sldIdLst>
   <p:sldSz cx="10080625" cy="7559675"/>
-  <p:notesSz cx="7559675" cy="10691812"/>
+  <p:notesSz cx="7772400" cy="10058400"/>
 </p:presentation>
 </file>
 
@@ -55,7 +60,7 @@
       </p:grpSpPr>
       <p:sp>
         <p:nvSpPr>
-          <p:cNvPr id="30" name="PlaceHolder 1"/>
+          <p:cNvPr id="24" name="PlaceHolder 1"/>
           <p:cNvSpPr>
             <a:spLocks noGrp="1"/>
           </p:cNvSpPr>
@@ -66,27 +71,25 @@
         <p:spPr>
           <a:xfrm>
             <a:off x="360000" y="360000"/>
-            <a:ext cx="9360000" cy="900000"/>
-          </a:xfrm>
-          <a:prstGeom prst="rect">
-            <a:avLst/>
-          </a:prstGeom>
-        </p:spPr>
-        <p:txBody>
-          <a:bodyPr lIns="0" rIns="0" tIns="0" bIns="0" anchor="b"/>
-          <a:p>
-            <a:endParaRPr b="1" lang="en-US" sz="3200" spc="-1" strike="noStrike">
-              <a:solidFill>
-                <a:srgbClr val="ffffff"/>
-              </a:solidFill>
-              <a:latin typeface="Source Sans Pro Black"/>
-            </a:endParaRPr>
-          </a:p>
-        </p:txBody>
-      </p:sp>
-      <p:sp>
-        <p:nvSpPr>
-          <p:cNvPr id="31" name="PlaceHolder 2"/>
+            <a:ext cx="9359640" cy="899640"/>
+          </a:xfrm>
+          <a:prstGeom prst="rect">
+            <a:avLst/>
+          </a:prstGeom>
+        </p:spPr>
+        <p:txBody>
+          <a:bodyPr lIns="0" rIns="0" tIns="0" bIns="0" anchor="ctr"/>
+          <a:p>
+            <a:pPr algn="ctr"/>
+            <a:endParaRPr b="0" lang="en-US" sz="4400" spc="-1" strike="noStrike">
+              <a:latin typeface="Arial"/>
+            </a:endParaRPr>
+          </a:p>
+        </p:txBody>
+      </p:sp>
+      <p:sp>
+        <p:nvSpPr>
+          <p:cNvPr id="25" name="PlaceHolder 2"/>
           <p:cNvSpPr>
             <a:spLocks noGrp="1"/>
           </p:cNvSpPr>
@@ -97,7 +100,7 @@
         <p:spPr>
           <a:xfrm>
             <a:off x="360000" y="1980000"/>
-            <a:ext cx="9180000" cy="2232000"/>
+            <a:ext cx="9179640" cy="2232000"/>
           </a:xfrm>
           <a:prstGeom prst="rect">
             <a:avLst/>
@@ -108,18 +111,15 @@
             <a:normAutofit/>
           </a:bodyPr>
           <a:p>
-            <a:endParaRPr b="1" lang="en-US" sz="2600" spc="-1" strike="noStrike">
-              <a:solidFill>
-                <a:srgbClr val="1c1c1c"/>
-              </a:solidFill>
-              <a:latin typeface="Source Sans Pro Semibold"/>
-            </a:endParaRPr>
-          </a:p>
-        </p:txBody>
-      </p:sp>
-      <p:sp>
-        <p:nvSpPr>
-          <p:cNvPr id="32" name="PlaceHolder 3"/>
+            <a:endParaRPr b="0" lang="en-US" sz="3200" spc="-1" strike="noStrike">
+              <a:latin typeface="Arial"/>
+            </a:endParaRPr>
+          </a:p>
+        </p:txBody>
+      </p:sp>
+      <p:sp>
+        <p:nvSpPr>
+          <p:cNvPr id="26" name="PlaceHolder 3"/>
           <p:cNvSpPr>
             <a:spLocks noGrp="1"/>
           </p:cNvSpPr>
@@ -130,7 +130,7 @@
         <p:spPr>
           <a:xfrm>
             <a:off x="360000" y="4424400"/>
-            <a:ext cx="9180000" cy="2232000"/>
+            <a:ext cx="9179640" cy="2232000"/>
           </a:xfrm>
           <a:prstGeom prst="rect">
             <a:avLst/>
@@ -141,11 +141,8 @@
             <a:normAutofit/>
           </a:bodyPr>
           <a:p>
-            <a:endParaRPr b="1" lang="en-US" sz="2600" spc="-1" strike="noStrike">
-              <a:solidFill>
-                <a:srgbClr val="1c1c1c"/>
-              </a:solidFill>
-              <a:latin typeface="Source Sans Pro Semibold"/>
+            <a:endParaRPr b="0" lang="en-US" sz="3200" spc="-1" strike="noStrike">
+              <a:latin typeface="Arial"/>
             </a:endParaRPr>
           </a:p>
         </p:txBody>
@@ -174,7 +171,7 @@
       </p:grpSpPr>
       <p:sp>
         <p:nvSpPr>
-          <p:cNvPr id="33" name="PlaceHolder 1"/>
+          <p:cNvPr id="27" name="PlaceHolder 1"/>
           <p:cNvSpPr>
             <a:spLocks noGrp="1"/>
           </p:cNvSpPr>
@@ -185,27 +182,25 @@
         <p:spPr>
           <a:xfrm>
             <a:off x="360000" y="360000"/>
-            <a:ext cx="9360000" cy="900000"/>
-          </a:xfrm>
-          <a:prstGeom prst="rect">
-            <a:avLst/>
-          </a:prstGeom>
-        </p:spPr>
-        <p:txBody>
-          <a:bodyPr lIns="0" rIns="0" tIns="0" bIns="0" anchor="b"/>
-          <a:p>
-            <a:endParaRPr b="1" lang="en-US" sz="3200" spc="-1" strike="noStrike">
-              <a:solidFill>
-                <a:srgbClr val="ffffff"/>
-              </a:solidFill>
-              <a:latin typeface="Source Sans Pro Black"/>
-            </a:endParaRPr>
-          </a:p>
-        </p:txBody>
-      </p:sp>
-      <p:sp>
-        <p:nvSpPr>
-          <p:cNvPr id="34" name="PlaceHolder 2"/>
+            <a:ext cx="9359640" cy="899640"/>
+          </a:xfrm>
+          <a:prstGeom prst="rect">
+            <a:avLst/>
+          </a:prstGeom>
+        </p:spPr>
+        <p:txBody>
+          <a:bodyPr lIns="0" rIns="0" tIns="0" bIns="0" anchor="ctr"/>
+          <a:p>
+            <a:pPr algn="ctr"/>
+            <a:endParaRPr b="0" lang="en-US" sz="4400" spc="-1" strike="noStrike">
+              <a:latin typeface="Arial"/>
+            </a:endParaRPr>
+          </a:p>
+        </p:txBody>
+      </p:sp>
+      <p:sp>
+        <p:nvSpPr>
+          <p:cNvPr id="28" name="PlaceHolder 2"/>
           <p:cNvSpPr>
             <a:spLocks noGrp="1"/>
           </p:cNvSpPr>
@@ -227,18 +222,15 @@
             <a:normAutofit/>
           </a:bodyPr>
           <a:p>
-            <a:endParaRPr b="1" lang="en-US" sz="2600" spc="-1" strike="noStrike">
-              <a:solidFill>
-                <a:srgbClr val="1c1c1c"/>
-              </a:solidFill>
-              <a:latin typeface="Source Sans Pro Semibold"/>
-            </a:endParaRPr>
-          </a:p>
-        </p:txBody>
-      </p:sp>
-      <p:sp>
-        <p:nvSpPr>
-          <p:cNvPr id="35" name="PlaceHolder 3"/>
+            <a:endParaRPr b="0" lang="en-US" sz="3200" spc="-1" strike="noStrike">
+              <a:latin typeface="Arial"/>
+            </a:endParaRPr>
+          </a:p>
+        </p:txBody>
+      </p:sp>
+      <p:sp>
+        <p:nvSpPr>
+          <p:cNvPr id="29" name="PlaceHolder 3"/>
           <p:cNvSpPr>
             <a:spLocks noGrp="1"/>
           </p:cNvSpPr>
@@ -260,18 +252,15 @@
             <a:normAutofit/>
           </a:bodyPr>
           <a:p>
-            <a:endParaRPr b="1" lang="en-US" sz="2600" spc="-1" strike="noStrike">
-              <a:solidFill>
-                <a:srgbClr val="1c1c1c"/>
-              </a:solidFill>
-              <a:latin typeface="Source Sans Pro Semibold"/>
-            </a:endParaRPr>
-          </a:p>
-        </p:txBody>
-      </p:sp>
-      <p:sp>
-        <p:nvSpPr>
-          <p:cNvPr id="36" name="PlaceHolder 4"/>
+            <a:endParaRPr b="0" lang="en-US" sz="3200" spc="-1" strike="noStrike">
+              <a:latin typeface="Arial"/>
+            </a:endParaRPr>
+          </a:p>
+        </p:txBody>
+      </p:sp>
+      <p:sp>
+        <p:nvSpPr>
+          <p:cNvPr id="30" name="PlaceHolder 4"/>
           <p:cNvSpPr>
             <a:spLocks noGrp="1"/>
           </p:cNvSpPr>
@@ -293,18 +282,15 @@
             <a:normAutofit/>
           </a:bodyPr>
           <a:p>
-            <a:endParaRPr b="1" lang="en-US" sz="2600" spc="-1" strike="noStrike">
-              <a:solidFill>
-                <a:srgbClr val="1c1c1c"/>
-              </a:solidFill>
-              <a:latin typeface="Source Sans Pro Semibold"/>
-            </a:endParaRPr>
-          </a:p>
-        </p:txBody>
-      </p:sp>
-      <p:sp>
-        <p:nvSpPr>
-          <p:cNvPr id="37" name="PlaceHolder 5"/>
+            <a:endParaRPr b="0" lang="en-US" sz="3200" spc="-1" strike="noStrike">
+              <a:latin typeface="Arial"/>
+            </a:endParaRPr>
+          </a:p>
+        </p:txBody>
+      </p:sp>
+      <p:sp>
+        <p:nvSpPr>
+          <p:cNvPr id="31" name="PlaceHolder 5"/>
           <p:cNvSpPr>
             <a:spLocks noGrp="1"/>
           </p:cNvSpPr>
@@ -326,11 +312,8 @@
             <a:normAutofit/>
           </a:bodyPr>
           <a:p>
-            <a:endParaRPr b="1" lang="en-US" sz="2600" spc="-1" strike="noStrike">
-              <a:solidFill>
-                <a:srgbClr val="1c1c1c"/>
-              </a:solidFill>
-              <a:latin typeface="Source Sans Pro Semibold"/>
+            <a:endParaRPr b="0" lang="en-US" sz="3200" spc="-1" strike="noStrike">
+              <a:latin typeface="Arial"/>
             </a:endParaRPr>
           </a:p>
         </p:txBody>
@@ -359,7 +342,7 @@
       </p:grpSpPr>
       <p:sp>
         <p:nvSpPr>
-          <p:cNvPr id="38" name="PlaceHolder 1"/>
+          <p:cNvPr id="32" name="PlaceHolder 1"/>
           <p:cNvSpPr>
             <a:spLocks noGrp="1"/>
           </p:cNvSpPr>
@@ -370,27 +353,25 @@
         <p:spPr>
           <a:xfrm>
             <a:off x="360000" y="360000"/>
-            <a:ext cx="9360000" cy="900000"/>
-          </a:xfrm>
-          <a:prstGeom prst="rect">
-            <a:avLst/>
-          </a:prstGeom>
-        </p:spPr>
-        <p:txBody>
-          <a:bodyPr lIns="0" rIns="0" tIns="0" bIns="0" anchor="b"/>
-          <a:p>
-            <a:endParaRPr b="1" lang="en-US" sz="3200" spc="-1" strike="noStrike">
-              <a:solidFill>
-                <a:srgbClr val="ffffff"/>
-              </a:solidFill>
-              <a:latin typeface="Source Sans Pro Black"/>
-            </a:endParaRPr>
-          </a:p>
-        </p:txBody>
-      </p:sp>
-      <p:sp>
-        <p:nvSpPr>
-          <p:cNvPr id="39" name="PlaceHolder 2"/>
+            <a:ext cx="9359640" cy="899640"/>
+          </a:xfrm>
+          <a:prstGeom prst="rect">
+            <a:avLst/>
+          </a:prstGeom>
+        </p:spPr>
+        <p:txBody>
+          <a:bodyPr lIns="0" rIns="0" tIns="0" bIns="0" anchor="ctr"/>
+          <a:p>
+            <a:pPr algn="ctr"/>
+            <a:endParaRPr b="0" lang="en-US" sz="4400" spc="-1" strike="noStrike">
+              <a:latin typeface="Arial"/>
+            </a:endParaRPr>
+          </a:p>
+        </p:txBody>
+      </p:sp>
+      <p:sp>
+        <p:nvSpPr>
+          <p:cNvPr id="33" name="PlaceHolder 2"/>
           <p:cNvSpPr>
             <a:spLocks noGrp="1"/>
           </p:cNvSpPr>
@@ -412,18 +393,15 @@
             <a:normAutofit/>
           </a:bodyPr>
           <a:p>
-            <a:endParaRPr b="1" lang="en-US" sz="2600" spc="-1" strike="noStrike">
-              <a:solidFill>
-                <a:srgbClr val="1c1c1c"/>
-              </a:solidFill>
-              <a:latin typeface="Source Sans Pro Semibold"/>
-            </a:endParaRPr>
-          </a:p>
-        </p:txBody>
-      </p:sp>
-      <p:sp>
-        <p:nvSpPr>
-          <p:cNvPr id="40" name="PlaceHolder 3"/>
+            <a:endParaRPr b="0" lang="en-US" sz="3200" spc="-1" strike="noStrike">
+              <a:latin typeface="Arial"/>
+            </a:endParaRPr>
+          </a:p>
+        </p:txBody>
+      </p:sp>
+      <p:sp>
+        <p:nvSpPr>
+          <p:cNvPr id="34" name="PlaceHolder 3"/>
           <p:cNvSpPr>
             <a:spLocks noGrp="1"/>
           </p:cNvSpPr>
@@ -445,18 +423,15 @@
             <a:normAutofit/>
           </a:bodyPr>
           <a:p>
-            <a:endParaRPr b="1" lang="en-US" sz="2600" spc="-1" strike="noStrike">
-              <a:solidFill>
-                <a:srgbClr val="1c1c1c"/>
-              </a:solidFill>
-              <a:latin typeface="Source Sans Pro Semibold"/>
-            </a:endParaRPr>
-          </a:p>
-        </p:txBody>
-      </p:sp>
-      <p:sp>
-        <p:nvSpPr>
-          <p:cNvPr id="41" name="PlaceHolder 4"/>
+            <a:endParaRPr b="0" lang="en-US" sz="3200" spc="-1" strike="noStrike">
+              <a:latin typeface="Arial"/>
+            </a:endParaRPr>
+          </a:p>
+        </p:txBody>
+      </p:sp>
+      <p:sp>
+        <p:nvSpPr>
+          <p:cNvPr id="35" name="PlaceHolder 4"/>
           <p:cNvSpPr>
             <a:spLocks noGrp="1"/>
           </p:cNvSpPr>
@@ -478,18 +453,15 @@
             <a:normAutofit/>
           </a:bodyPr>
           <a:p>
-            <a:endParaRPr b="1" lang="en-US" sz="2600" spc="-1" strike="noStrike">
-              <a:solidFill>
-                <a:srgbClr val="1c1c1c"/>
-              </a:solidFill>
-              <a:latin typeface="Source Sans Pro Semibold"/>
-            </a:endParaRPr>
-          </a:p>
-        </p:txBody>
-      </p:sp>
-      <p:sp>
-        <p:nvSpPr>
-          <p:cNvPr id="42" name="PlaceHolder 5"/>
+            <a:endParaRPr b="0" lang="en-US" sz="3200" spc="-1" strike="noStrike">
+              <a:latin typeface="Arial"/>
+            </a:endParaRPr>
+          </a:p>
+        </p:txBody>
+      </p:sp>
+      <p:sp>
+        <p:nvSpPr>
+          <p:cNvPr id="36" name="PlaceHolder 5"/>
           <p:cNvSpPr>
             <a:spLocks noGrp="1"/>
           </p:cNvSpPr>
@@ -511,18 +483,15 @@
             <a:normAutofit/>
           </a:bodyPr>
           <a:p>
-            <a:endParaRPr b="1" lang="en-US" sz="2600" spc="-1" strike="noStrike">
-              <a:solidFill>
-                <a:srgbClr val="1c1c1c"/>
-              </a:solidFill>
-              <a:latin typeface="Source Sans Pro Semibold"/>
-            </a:endParaRPr>
-          </a:p>
-        </p:txBody>
-      </p:sp>
-      <p:sp>
-        <p:nvSpPr>
-          <p:cNvPr id="43" name="PlaceHolder 6"/>
+            <a:endParaRPr b="0" lang="en-US" sz="3200" spc="-1" strike="noStrike">
+              <a:latin typeface="Arial"/>
+            </a:endParaRPr>
+          </a:p>
+        </p:txBody>
+      </p:sp>
+      <p:sp>
+        <p:nvSpPr>
+          <p:cNvPr id="37" name="PlaceHolder 6"/>
           <p:cNvSpPr>
             <a:spLocks noGrp="1"/>
           </p:cNvSpPr>
@@ -544,18 +513,15 @@
             <a:normAutofit/>
           </a:bodyPr>
           <a:p>
-            <a:endParaRPr b="1" lang="en-US" sz="2600" spc="-1" strike="noStrike">
-              <a:solidFill>
-                <a:srgbClr val="1c1c1c"/>
-              </a:solidFill>
-              <a:latin typeface="Source Sans Pro Semibold"/>
-            </a:endParaRPr>
-          </a:p>
-        </p:txBody>
-      </p:sp>
-      <p:sp>
-        <p:nvSpPr>
-          <p:cNvPr id="44" name="PlaceHolder 7"/>
+            <a:endParaRPr b="0" lang="en-US" sz="3200" spc="-1" strike="noStrike">
+              <a:latin typeface="Arial"/>
+            </a:endParaRPr>
+          </a:p>
+        </p:txBody>
+      </p:sp>
+      <p:sp>
+        <p:nvSpPr>
+          <p:cNvPr id="38" name="PlaceHolder 7"/>
           <p:cNvSpPr>
             <a:spLocks noGrp="1"/>
           </p:cNvSpPr>
@@ -577,11 +543,8 @@
             <a:normAutofit/>
           </a:bodyPr>
           <a:p>
-            <a:endParaRPr b="1" lang="en-US" sz="2600" spc="-1" strike="noStrike">
-              <a:solidFill>
-                <a:srgbClr val="1c1c1c"/>
-              </a:solidFill>
-              <a:latin typeface="Source Sans Pro Semibold"/>
+            <a:endParaRPr b="0" lang="en-US" sz="3200" spc="-1" strike="noStrike">
+              <a:latin typeface="Arial"/>
             </a:endParaRPr>
           </a:p>
         </p:txBody>
@@ -632,7 +595,7 @@
       </p:grpSpPr>
       <p:sp>
         <p:nvSpPr>
-          <p:cNvPr id="51" name="PlaceHolder 1"/>
+          <p:cNvPr id="45" name="PlaceHolder 1"/>
           <p:cNvSpPr>
             <a:spLocks noGrp="1"/>
           </p:cNvSpPr>
@@ -643,27 +606,25 @@
         <p:spPr>
           <a:xfrm>
             <a:off x="360000" y="360000"/>
-            <a:ext cx="9360000" cy="900000"/>
-          </a:xfrm>
-          <a:prstGeom prst="rect">
-            <a:avLst/>
-          </a:prstGeom>
-        </p:spPr>
-        <p:txBody>
-          <a:bodyPr lIns="0" rIns="0" tIns="0" bIns="0" anchor="b"/>
-          <a:p>
-            <a:endParaRPr b="1" lang="en-US" sz="3200" spc="-1" strike="noStrike">
-              <a:solidFill>
-                <a:srgbClr val="ffffff"/>
-              </a:solidFill>
-              <a:latin typeface="Source Sans Pro Black"/>
-            </a:endParaRPr>
-          </a:p>
-        </p:txBody>
-      </p:sp>
-      <p:sp>
-        <p:nvSpPr>
-          <p:cNvPr id="52" name="PlaceHolder 2"/>
+            <a:ext cx="9359640" cy="899640"/>
+          </a:xfrm>
+          <a:prstGeom prst="rect">
+            <a:avLst/>
+          </a:prstGeom>
+        </p:spPr>
+        <p:txBody>
+          <a:bodyPr lIns="0" rIns="0" tIns="0" bIns="0" anchor="ctr"/>
+          <a:p>
+            <a:pPr algn="ctr"/>
+            <a:endParaRPr b="0" lang="en-US" sz="4400" spc="-1" strike="noStrike">
+              <a:latin typeface="Arial"/>
+            </a:endParaRPr>
+          </a:p>
+        </p:txBody>
+      </p:sp>
+      <p:sp>
+        <p:nvSpPr>
+          <p:cNvPr id="46" name="PlaceHolder 2"/>
           <p:cNvSpPr>
             <a:spLocks noGrp="1"/>
           </p:cNvSpPr>
@@ -674,20 +635,18 @@
         <p:spPr>
           <a:xfrm>
             <a:off x="360000" y="1980000"/>
-            <a:ext cx="9180000" cy="4680000"/>
-          </a:xfrm>
-          <a:prstGeom prst="rect">
-            <a:avLst/>
-          </a:prstGeom>
-        </p:spPr>
-        <p:txBody>
-          <a:bodyPr lIns="0" rIns="0" tIns="0" bIns="0"/>
-          <a:p>
-            <a:endParaRPr b="0" lang="en-US" sz="2600" spc="-1" strike="noStrike">
-              <a:solidFill>
-                <a:srgbClr val="1c1c1c"/>
-              </a:solidFill>
-              <a:latin typeface="Source Sans Pro Light"/>
+            <a:ext cx="9179640" cy="4679640"/>
+          </a:xfrm>
+          <a:prstGeom prst="rect">
+            <a:avLst/>
+          </a:prstGeom>
+        </p:spPr>
+        <p:txBody>
+          <a:bodyPr lIns="0" rIns="0" tIns="0" bIns="0" anchor="ctr"/>
+          <a:p>
+            <a:pPr algn="ctr"/>
+            <a:endParaRPr b="0" lang="en-US" sz="3200" spc="-1" strike="noStrike">
+              <a:latin typeface="Arial"/>
             </a:endParaRPr>
           </a:p>
         </p:txBody>
@@ -716,7 +675,7 @@
       </p:grpSpPr>
       <p:sp>
         <p:nvSpPr>
-          <p:cNvPr id="53" name="PlaceHolder 1"/>
+          <p:cNvPr id="47" name="PlaceHolder 1"/>
           <p:cNvSpPr>
             <a:spLocks noGrp="1"/>
           </p:cNvSpPr>
@@ -727,27 +686,25 @@
         <p:spPr>
           <a:xfrm>
             <a:off x="360000" y="360000"/>
-            <a:ext cx="9360000" cy="900000"/>
-          </a:xfrm>
-          <a:prstGeom prst="rect">
-            <a:avLst/>
-          </a:prstGeom>
-        </p:spPr>
-        <p:txBody>
-          <a:bodyPr lIns="0" rIns="0" tIns="0" bIns="0" anchor="b"/>
-          <a:p>
-            <a:endParaRPr b="1" lang="en-US" sz="3200" spc="-1" strike="noStrike">
-              <a:solidFill>
-                <a:srgbClr val="ffffff"/>
-              </a:solidFill>
-              <a:latin typeface="Source Sans Pro Black"/>
-            </a:endParaRPr>
-          </a:p>
-        </p:txBody>
-      </p:sp>
-      <p:sp>
-        <p:nvSpPr>
-          <p:cNvPr id="54" name="PlaceHolder 2"/>
+            <a:ext cx="9359640" cy="899640"/>
+          </a:xfrm>
+          <a:prstGeom prst="rect">
+            <a:avLst/>
+          </a:prstGeom>
+        </p:spPr>
+        <p:txBody>
+          <a:bodyPr lIns="0" rIns="0" tIns="0" bIns="0" anchor="ctr"/>
+          <a:p>
+            <a:pPr algn="ctr"/>
+            <a:endParaRPr b="0" lang="en-US" sz="4400" spc="-1" strike="noStrike">
+              <a:latin typeface="Arial"/>
+            </a:endParaRPr>
+          </a:p>
+        </p:txBody>
+      </p:sp>
+      <p:sp>
+        <p:nvSpPr>
+          <p:cNvPr id="48" name="PlaceHolder 2"/>
           <p:cNvSpPr>
             <a:spLocks noGrp="1"/>
           </p:cNvSpPr>
@@ -758,7 +715,7 @@
         <p:spPr>
           <a:xfrm>
             <a:off x="360000" y="1980000"/>
-            <a:ext cx="9180000" cy="4680000"/>
+            <a:ext cx="9179640" cy="4679640"/>
           </a:xfrm>
           <a:prstGeom prst="rect">
             <a:avLst/>
@@ -769,11 +726,8 @@
             <a:normAutofit/>
           </a:bodyPr>
           <a:p>
-            <a:endParaRPr b="1" lang="en-US" sz="2600" spc="-1" strike="noStrike">
-              <a:solidFill>
-                <a:srgbClr val="1c1c1c"/>
-              </a:solidFill>
-              <a:latin typeface="Source Sans Pro Semibold"/>
+            <a:endParaRPr b="0" lang="en-US" sz="3200" spc="-1" strike="noStrike">
+              <a:latin typeface="Arial"/>
             </a:endParaRPr>
           </a:p>
         </p:txBody>
@@ -802,7 +756,7 @@
       </p:grpSpPr>
       <p:sp>
         <p:nvSpPr>
-          <p:cNvPr id="55" name="PlaceHolder 1"/>
+          <p:cNvPr id="49" name="PlaceHolder 1"/>
           <p:cNvSpPr>
             <a:spLocks noGrp="1"/>
           </p:cNvSpPr>
@@ -813,27 +767,25 @@
         <p:spPr>
           <a:xfrm>
             <a:off x="360000" y="360000"/>
-            <a:ext cx="9360000" cy="900000"/>
-          </a:xfrm>
-          <a:prstGeom prst="rect">
-            <a:avLst/>
-          </a:prstGeom>
-        </p:spPr>
-        <p:txBody>
-          <a:bodyPr lIns="0" rIns="0" tIns="0" bIns="0" anchor="b"/>
-          <a:p>
-            <a:endParaRPr b="1" lang="en-US" sz="3200" spc="-1" strike="noStrike">
-              <a:solidFill>
-                <a:srgbClr val="ffffff"/>
-              </a:solidFill>
-              <a:latin typeface="Source Sans Pro Black"/>
-            </a:endParaRPr>
-          </a:p>
-        </p:txBody>
-      </p:sp>
-      <p:sp>
-        <p:nvSpPr>
-          <p:cNvPr id="56" name="PlaceHolder 2"/>
+            <a:ext cx="9359640" cy="899640"/>
+          </a:xfrm>
+          <a:prstGeom prst="rect">
+            <a:avLst/>
+          </a:prstGeom>
+        </p:spPr>
+        <p:txBody>
+          <a:bodyPr lIns="0" rIns="0" tIns="0" bIns="0" anchor="ctr"/>
+          <a:p>
+            <a:pPr algn="ctr"/>
+            <a:endParaRPr b="0" lang="en-US" sz="4400" spc="-1" strike="noStrike">
+              <a:latin typeface="Arial"/>
+            </a:endParaRPr>
+          </a:p>
+        </p:txBody>
+      </p:sp>
+      <p:sp>
+        <p:nvSpPr>
+          <p:cNvPr id="50" name="PlaceHolder 2"/>
           <p:cNvSpPr>
             <a:spLocks noGrp="1"/>
           </p:cNvSpPr>
@@ -844,7 +796,7 @@
         <p:spPr>
           <a:xfrm>
             <a:off x="360000" y="1980000"/>
-            <a:ext cx="4479480" cy="4680000"/>
+            <a:ext cx="4479480" cy="4679640"/>
           </a:xfrm>
           <a:prstGeom prst="rect">
             <a:avLst/>
@@ -855,18 +807,15 @@
             <a:normAutofit/>
           </a:bodyPr>
           <a:p>
-            <a:endParaRPr b="1" lang="en-US" sz="2600" spc="-1" strike="noStrike">
-              <a:solidFill>
-                <a:srgbClr val="1c1c1c"/>
-              </a:solidFill>
-              <a:latin typeface="Source Sans Pro Semibold"/>
-            </a:endParaRPr>
-          </a:p>
-        </p:txBody>
-      </p:sp>
-      <p:sp>
-        <p:nvSpPr>
-          <p:cNvPr id="57" name="PlaceHolder 3"/>
+            <a:endParaRPr b="0" lang="en-US" sz="3200" spc="-1" strike="noStrike">
+              <a:latin typeface="Arial"/>
+            </a:endParaRPr>
+          </a:p>
+        </p:txBody>
+      </p:sp>
+      <p:sp>
+        <p:nvSpPr>
+          <p:cNvPr id="51" name="PlaceHolder 3"/>
           <p:cNvSpPr>
             <a:spLocks noGrp="1"/>
           </p:cNvSpPr>
@@ -877,7 +826,7 @@
         <p:spPr>
           <a:xfrm>
             <a:off x="5063760" y="1980000"/>
-            <a:ext cx="4479480" cy="4680000"/>
+            <a:ext cx="4479480" cy="4679640"/>
           </a:xfrm>
           <a:prstGeom prst="rect">
             <a:avLst/>
@@ -888,11 +837,8 @@
             <a:normAutofit/>
           </a:bodyPr>
           <a:p>
-            <a:endParaRPr b="1" lang="en-US" sz="2600" spc="-1" strike="noStrike">
-              <a:solidFill>
-                <a:srgbClr val="1c1c1c"/>
-              </a:solidFill>
-              <a:latin typeface="Source Sans Pro Semibold"/>
+            <a:endParaRPr b="0" lang="en-US" sz="3200" spc="-1" strike="noStrike">
+              <a:latin typeface="Arial"/>
             </a:endParaRPr>
           </a:p>
         </p:txBody>
@@ -921,7 +867,7 @@
       </p:grpSpPr>
       <p:sp>
         <p:nvSpPr>
-          <p:cNvPr id="58" name="PlaceHolder 1"/>
+          <p:cNvPr id="52" name="PlaceHolder 1"/>
           <p:cNvSpPr>
             <a:spLocks noGrp="1"/>
           </p:cNvSpPr>
@@ -932,20 +878,18 @@
         <p:spPr>
           <a:xfrm>
             <a:off x="360000" y="360000"/>
-            <a:ext cx="9360000" cy="900000"/>
-          </a:xfrm>
-          <a:prstGeom prst="rect">
-            <a:avLst/>
-          </a:prstGeom>
-        </p:spPr>
-        <p:txBody>
-          <a:bodyPr lIns="0" rIns="0" tIns="0" bIns="0" anchor="b"/>
-          <a:p>
-            <a:endParaRPr b="1" lang="en-US" sz="3200" spc="-1" strike="noStrike">
-              <a:solidFill>
-                <a:srgbClr val="ffffff"/>
-              </a:solidFill>
-              <a:latin typeface="Source Sans Pro Black"/>
+            <a:ext cx="9359640" cy="899640"/>
+          </a:xfrm>
+          <a:prstGeom prst="rect">
+            <a:avLst/>
+          </a:prstGeom>
+        </p:spPr>
+        <p:txBody>
+          <a:bodyPr lIns="0" rIns="0" tIns="0" bIns="0" anchor="ctr"/>
+          <a:p>
+            <a:pPr algn="ctr"/>
+            <a:endParaRPr b="0" lang="en-US" sz="4400" spc="-1" strike="noStrike">
+              <a:latin typeface="Arial"/>
             </a:endParaRPr>
           </a:p>
         </p:txBody>
@@ -974,7 +918,7 @@
       </p:grpSpPr>
       <p:sp>
         <p:nvSpPr>
-          <p:cNvPr id="59" name="PlaceHolder 1"/>
+          <p:cNvPr id="53" name="PlaceHolder 1"/>
           <p:cNvSpPr>
             <a:spLocks noGrp="1"/>
           </p:cNvSpPr>
@@ -985,20 +929,18 @@
         <p:spPr>
           <a:xfrm>
             <a:off x="360000" y="360000"/>
-            <a:ext cx="9360000" cy="4173120"/>
-          </a:xfrm>
-          <a:prstGeom prst="rect">
-            <a:avLst/>
-          </a:prstGeom>
-        </p:spPr>
-        <p:txBody>
-          <a:bodyPr lIns="0" rIns="0" tIns="0" bIns="0"/>
-          <a:p>
-            <a:endParaRPr b="0" lang="en-US" sz="2600" spc="-1" strike="noStrike">
-              <a:solidFill>
-                <a:srgbClr val="1c1c1c"/>
-              </a:solidFill>
-              <a:latin typeface="Source Sans Pro Light"/>
+            <a:ext cx="9359640" cy="4171680"/>
+          </a:xfrm>
+          <a:prstGeom prst="rect">
+            <a:avLst/>
+          </a:prstGeom>
+        </p:spPr>
+        <p:txBody>
+          <a:bodyPr lIns="0" rIns="0" tIns="0" bIns="0" anchor="ctr"/>
+          <a:p>
+            <a:pPr algn="ctr"/>
+            <a:endParaRPr b="0" lang="en-US" sz="3200" spc="-1" strike="noStrike">
+              <a:latin typeface="Arial"/>
             </a:endParaRPr>
           </a:p>
         </p:txBody>
@@ -1027,7 +969,7 @@
       </p:grpSpPr>
       <p:sp>
         <p:nvSpPr>
-          <p:cNvPr id="60" name="PlaceHolder 1"/>
+          <p:cNvPr id="54" name="PlaceHolder 1"/>
           <p:cNvSpPr>
             <a:spLocks noGrp="1"/>
           </p:cNvSpPr>
@@ -1038,27 +980,25 @@
         <p:spPr>
           <a:xfrm>
             <a:off x="360000" y="360000"/>
-            <a:ext cx="9360000" cy="900000"/>
-          </a:xfrm>
-          <a:prstGeom prst="rect">
-            <a:avLst/>
-          </a:prstGeom>
-        </p:spPr>
-        <p:txBody>
-          <a:bodyPr lIns="0" rIns="0" tIns="0" bIns="0" anchor="b"/>
-          <a:p>
-            <a:endParaRPr b="1" lang="en-US" sz="3200" spc="-1" strike="noStrike">
-              <a:solidFill>
-                <a:srgbClr val="ffffff"/>
-              </a:solidFill>
-              <a:latin typeface="Source Sans Pro Black"/>
-            </a:endParaRPr>
-          </a:p>
-        </p:txBody>
-      </p:sp>
-      <p:sp>
-        <p:nvSpPr>
-          <p:cNvPr id="61" name="PlaceHolder 2"/>
+            <a:ext cx="9359640" cy="899640"/>
+          </a:xfrm>
+          <a:prstGeom prst="rect">
+            <a:avLst/>
+          </a:prstGeom>
+        </p:spPr>
+        <p:txBody>
+          <a:bodyPr lIns="0" rIns="0" tIns="0" bIns="0" anchor="ctr"/>
+          <a:p>
+            <a:pPr algn="ctr"/>
+            <a:endParaRPr b="0" lang="en-US" sz="4400" spc="-1" strike="noStrike">
+              <a:latin typeface="Arial"/>
+            </a:endParaRPr>
+          </a:p>
+        </p:txBody>
+      </p:sp>
+      <p:sp>
+        <p:nvSpPr>
+          <p:cNvPr id="55" name="PlaceHolder 2"/>
           <p:cNvSpPr>
             <a:spLocks noGrp="1"/>
           </p:cNvSpPr>
@@ -1080,18 +1020,15 @@
             <a:normAutofit/>
           </a:bodyPr>
           <a:p>
-            <a:endParaRPr b="1" lang="en-US" sz="2600" spc="-1" strike="noStrike">
-              <a:solidFill>
-                <a:srgbClr val="1c1c1c"/>
-              </a:solidFill>
-              <a:latin typeface="Source Sans Pro Semibold"/>
-            </a:endParaRPr>
-          </a:p>
-        </p:txBody>
-      </p:sp>
-      <p:sp>
-        <p:nvSpPr>
-          <p:cNvPr id="62" name="PlaceHolder 3"/>
+            <a:endParaRPr b="0" lang="en-US" sz="3200" spc="-1" strike="noStrike">
+              <a:latin typeface="Arial"/>
+            </a:endParaRPr>
+          </a:p>
+        </p:txBody>
+      </p:sp>
+      <p:sp>
+        <p:nvSpPr>
+          <p:cNvPr id="56" name="PlaceHolder 3"/>
           <p:cNvSpPr>
             <a:spLocks noGrp="1"/>
           </p:cNvSpPr>
@@ -1113,18 +1050,15 @@
             <a:normAutofit/>
           </a:bodyPr>
           <a:p>
-            <a:endParaRPr b="1" lang="en-US" sz="2600" spc="-1" strike="noStrike">
-              <a:solidFill>
-                <a:srgbClr val="1c1c1c"/>
-              </a:solidFill>
-              <a:latin typeface="Source Sans Pro Semibold"/>
-            </a:endParaRPr>
-          </a:p>
-        </p:txBody>
-      </p:sp>
-      <p:sp>
-        <p:nvSpPr>
-          <p:cNvPr id="63" name="PlaceHolder 4"/>
+            <a:endParaRPr b="0" lang="en-US" sz="3200" spc="-1" strike="noStrike">
+              <a:latin typeface="Arial"/>
+            </a:endParaRPr>
+          </a:p>
+        </p:txBody>
+      </p:sp>
+      <p:sp>
+        <p:nvSpPr>
+          <p:cNvPr id="57" name="PlaceHolder 4"/>
           <p:cNvSpPr>
             <a:spLocks noGrp="1"/>
           </p:cNvSpPr>
@@ -1135,7 +1069,7 @@
         <p:spPr>
           <a:xfrm>
             <a:off x="5063760" y="1980000"/>
-            <a:ext cx="4479480" cy="4680000"/>
+            <a:ext cx="4479480" cy="4679640"/>
           </a:xfrm>
           <a:prstGeom prst="rect">
             <a:avLst/>
@@ -1146,11 +1080,8 @@
             <a:normAutofit/>
           </a:bodyPr>
           <a:p>
-            <a:endParaRPr b="1" lang="en-US" sz="2600" spc="-1" strike="noStrike">
-              <a:solidFill>
-                <a:srgbClr val="1c1c1c"/>
-              </a:solidFill>
-              <a:latin typeface="Source Sans Pro Semibold"/>
+            <a:endParaRPr b="0" lang="en-US" sz="3200" spc="-1" strike="noStrike">
+              <a:latin typeface="Arial"/>
             </a:endParaRPr>
           </a:p>
         </p:txBody>
@@ -1179,7 +1110,7 @@
       </p:grpSpPr>
       <p:sp>
         <p:nvSpPr>
-          <p:cNvPr id="9" name="PlaceHolder 1"/>
+          <p:cNvPr id="3" name="PlaceHolder 1"/>
           <p:cNvSpPr>
             <a:spLocks noGrp="1"/>
           </p:cNvSpPr>
@@ -1190,27 +1121,25 @@
         <p:spPr>
           <a:xfrm>
             <a:off x="360000" y="360000"/>
-            <a:ext cx="9360000" cy="900000"/>
-          </a:xfrm>
-          <a:prstGeom prst="rect">
-            <a:avLst/>
-          </a:prstGeom>
-        </p:spPr>
-        <p:txBody>
-          <a:bodyPr lIns="0" rIns="0" tIns="0" bIns="0" anchor="b"/>
-          <a:p>
-            <a:endParaRPr b="1" lang="en-US" sz="3200" spc="-1" strike="noStrike">
-              <a:solidFill>
-                <a:srgbClr val="ffffff"/>
-              </a:solidFill>
-              <a:latin typeface="Source Sans Pro Black"/>
-            </a:endParaRPr>
-          </a:p>
-        </p:txBody>
-      </p:sp>
-      <p:sp>
-        <p:nvSpPr>
-          <p:cNvPr id="10" name="PlaceHolder 2"/>
+            <a:ext cx="9359640" cy="899640"/>
+          </a:xfrm>
+          <a:prstGeom prst="rect">
+            <a:avLst/>
+          </a:prstGeom>
+        </p:spPr>
+        <p:txBody>
+          <a:bodyPr lIns="0" rIns="0" tIns="0" bIns="0" anchor="ctr"/>
+          <a:p>
+            <a:pPr algn="ctr"/>
+            <a:endParaRPr b="0" lang="en-US" sz="4400" spc="-1" strike="noStrike">
+              <a:latin typeface="Arial"/>
+            </a:endParaRPr>
+          </a:p>
+        </p:txBody>
+      </p:sp>
+      <p:sp>
+        <p:nvSpPr>
+          <p:cNvPr id="4" name="PlaceHolder 2"/>
           <p:cNvSpPr>
             <a:spLocks noGrp="1"/>
           </p:cNvSpPr>
@@ -1221,20 +1150,18 @@
         <p:spPr>
           <a:xfrm>
             <a:off x="360000" y="1980000"/>
-            <a:ext cx="9180000" cy="4680000"/>
-          </a:xfrm>
-          <a:prstGeom prst="rect">
-            <a:avLst/>
-          </a:prstGeom>
-        </p:spPr>
-        <p:txBody>
-          <a:bodyPr lIns="0" rIns="0" tIns="0" bIns="0"/>
-          <a:p>
-            <a:endParaRPr b="0" lang="en-US" sz="2600" spc="-1" strike="noStrike">
-              <a:solidFill>
-                <a:srgbClr val="1c1c1c"/>
-              </a:solidFill>
-              <a:latin typeface="Source Sans Pro Light"/>
+            <a:ext cx="9179640" cy="4679640"/>
+          </a:xfrm>
+          <a:prstGeom prst="rect">
+            <a:avLst/>
+          </a:prstGeom>
+        </p:spPr>
+        <p:txBody>
+          <a:bodyPr lIns="0" rIns="0" tIns="0" bIns="0" anchor="ctr"/>
+          <a:p>
+            <a:pPr algn="ctr"/>
+            <a:endParaRPr b="0" lang="en-US" sz="3200" spc="-1" strike="noStrike">
+              <a:latin typeface="Arial"/>
             </a:endParaRPr>
           </a:p>
         </p:txBody>
@@ -1263,7 +1190,7 @@
       </p:grpSpPr>
       <p:sp>
         <p:nvSpPr>
-          <p:cNvPr id="64" name="PlaceHolder 1"/>
+          <p:cNvPr id="58" name="PlaceHolder 1"/>
           <p:cNvSpPr>
             <a:spLocks noGrp="1"/>
           </p:cNvSpPr>
@@ -1274,27 +1201,25 @@
         <p:spPr>
           <a:xfrm>
             <a:off x="360000" y="360000"/>
-            <a:ext cx="9360000" cy="900000"/>
-          </a:xfrm>
-          <a:prstGeom prst="rect">
-            <a:avLst/>
-          </a:prstGeom>
-        </p:spPr>
-        <p:txBody>
-          <a:bodyPr lIns="0" rIns="0" tIns="0" bIns="0" anchor="b"/>
-          <a:p>
-            <a:endParaRPr b="1" lang="en-US" sz="3200" spc="-1" strike="noStrike">
-              <a:solidFill>
-                <a:srgbClr val="ffffff"/>
-              </a:solidFill>
-              <a:latin typeface="Source Sans Pro Black"/>
-            </a:endParaRPr>
-          </a:p>
-        </p:txBody>
-      </p:sp>
-      <p:sp>
-        <p:nvSpPr>
-          <p:cNvPr id="65" name="PlaceHolder 2"/>
+            <a:ext cx="9359640" cy="899640"/>
+          </a:xfrm>
+          <a:prstGeom prst="rect">
+            <a:avLst/>
+          </a:prstGeom>
+        </p:spPr>
+        <p:txBody>
+          <a:bodyPr lIns="0" rIns="0" tIns="0" bIns="0" anchor="ctr"/>
+          <a:p>
+            <a:pPr algn="ctr"/>
+            <a:endParaRPr b="0" lang="en-US" sz="4400" spc="-1" strike="noStrike">
+              <a:latin typeface="Arial"/>
+            </a:endParaRPr>
+          </a:p>
+        </p:txBody>
+      </p:sp>
+      <p:sp>
+        <p:nvSpPr>
+          <p:cNvPr id="59" name="PlaceHolder 2"/>
           <p:cNvSpPr>
             <a:spLocks noGrp="1"/>
           </p:cNvSpPr>
@@ -1305,7 +1230,7 @@
         <p:spPr>
           <a:xfrm>
             <a:off x="360000" y="1980000"/>
-            <a:ext cx="4479480" cy="4680000"/>
+            <a:ext cx="4479480" cy="4679640"/>
           </a:xfrm>
           <a:prstGeom prst="rect">
             <a:avLst/>
@@ -1316,18 +1241,15 @@
             <a:normAutofit/>
           </a:bodyPr>
           <a:p>
-            <a:endParaRPr b="1" lang="en-US" sz="2600" spc="-1" strike="noStrike">
-              <a:solidFill>
-                <a:srgbClr val="1c1c1c"/>
-              </a:solidFill>
-              <a:latin typeface="Source Sans Pro Semibold"/>
-            </a:endParaRPr>
-          </a:p>
-        </p:txBody>
-      </p:sp>
-      <p:sp>
-        <p:nvSpPr>
-          <p:cNvPr id="66" name="PlaceHolder 3"/>
+            <a:endParaRPr b="0" lang="en-US" sz="3200" spc="-1" strike="noStrike">
+              <a:latin typeface="Arial"/>
+            </a:endParaRPr>
+          </a:p>
+        </p:txBody>
+      </p:sp>
+      <p:sp>
+        <p:nvSpPr>
+          <p:cNvPr id="60" name="PlaceHolder 3"/>
           <p:cNvSpPr>
             <a:spLocks noGrp="1"/>
           </p:cNvSpPr>
@@ -1349,18 +1271,15 @@
             <a:normAutofit/>
           </a:bodyPr>
           <a:p>
-            <a:endParaRPr b="1" lang="en-US" sz="2600" spc="-1" strike="noStrike">
-              <a:solidFill>
-                <a:srgbClr val="1c1c1c"/>
-              </a:solidFill>
-              <a:latin typeface="Source Sans Pro Semibold"/>
-            </a:endParaRPr>
-          </a:p>
-        </p:txBody>
-      </p:sp>
-      <p:sp>
-        <p:nvSpPr>
-          <p:cNvPr id="67" name="PlaceHolder 4"/>
+            <a:endParaRPr b="0" lang="en-US" sz="3200" spc="-1" strike="noStrike">
+              <a:latin typeface="Arial"/>
+            </a:endParaRPr>
+          </a:p>
+        </p:txBody>
+      </p:sp>
+      <p:sp>
+        <p:nvSpPr>
+          <p:cNvPr id="61" name="PlaceHolder 4"/>
           <p:cNvSpPr>
             <a:spLocks noGrp="1"/>
           </p:cNvSpPr>
@@ -1382,11 +1301,8 @@
             <a:normAutofit/>
           </a:bodyPr>
           <a:p>
-            <a:endParaRPr b="1" lang="en-US" sz="2600" spc="-1" strike="noStrike">
-              <a:solidFill>
-                <a:srgbClr val="1c1c1c"/>
-              </a:solidFill>
-              <a:latin typeface="Source Sans Pro Semibold"/>
+            <a:endParaRPr b="0" lang="en-US" sz="3200" spc="-1" strike="noStrike">
+              <a:latin typeface="Arial"/>
             </a:endParaRPr>
           </a:p>
         </p:txBody>
@@ -1415,7 +1331,7 @@
       </p:grpSpPr>
       <p:sp>
         <p:nvSpPr>
-          <p:cNvPr id="68" name="PlaceHolder 1"/>
+          <p:cNvPr id="62" name="PlaceHolder 1"/>
           <p:cNvSpPr>
             <a:spLocks noGrp="1"/>
           </p:cNvSpPr>
@@ -1426,27 +1342,25 @@
         <p:spPr>
           <a:xfrm>
             <a:off x="360000" y="360000"/>
-            <a:ext cx="9360000" cy="900000"/>
-          </a:xfrm>
-          <a:prstGeom prst="rect">
-            <a:avLst/>
-          </a:prstGeom>
-        </p:spPr>
-        <p:txBody>
-          <a:bodyPr lIns="0" rIns="0" tIns="0" bIns="0" anchor="b"/>
-          <a:p>
-            <a:endParaRPr b="1" lang="en-US" sz="3200" spc="-1" strike="noStrike">
-              <a:solidFill>
-                <a:srgbClr val="ffffff"/>
-              </a:solidFill>
-              <a:latin typeface="Source Sans Pro Black"/>
-            </a:endParaRPr>
-          </a:p>
-        </p:txBody>
-      </p:sp>
-      <p:sp>
-        <p:nvSpPr>
-          <p:cNvPr id="69" name="PlaceHolder 2"/>
+            <a:ext cx="9359640" cy="899640"/>
+          </a:xfrm>
+          <a:prstGeom prst="rect">
+            <a:avLst/>
+          </a:prstGeom>
+        </p:spPr>
+        <p:txBody>
+          <a:bodyPr lIns="0" rIns="0" tIns="0" bIns="0" anchor="ctr"/>
+          <a:p>
+            <a:pPr algn="ctr"/>
+            <a:endParaRPr b="0" lang="en-US" sz="4400" spc="-1" strike="noStrike">
+              <a:latin typeface="Arial"/>
+            </a:endParaRPr>
+          </a:p>
+        </p:txBody>
+      </p:sp>
+      <p:sp>
+        <p:nvSpPr>
+          <p:cNvPr id="63" name="PlaceHolder 2"/>
           <p:cNvSpPr>
             <a:spLocks noGrp="1"/>
           </p:cNvSpPr>
@@ -1468,18 +1382,15 @@
             <a:normAutofit/>
           </a:bodyPr>
           <a:p>
-            <a:endParaRPr b="1" lang="en-US" sz="2600" spc="-1" strike="noStrike">
-              <a:solidFill>
-                <a:srgbClr val="1c1c1c"/>
-              </a:solidFill>
-              <a:latin typeface="Source Sans Pro Semibold"/>
-            </a:endParaRPr>
-          </a:p>
-        </p:txBody>
-      </p:sp>
-      <p:sp>
-        <p:nvSpPr>
-          <p:cNvPr id="70" name="PlaceHolder 3"/>
+            <a:endParaRPr b="0" lang="en-US" sz="3200" spc="-1" strike="noStrike">
+              <a:latin typeface="Arial"/>
+            </a:endParaRPr>
+          </a:p>
+        </p:txBody>
+      </p:sp>
+      <p:sp>
+        <p:nvSpPr>
+          <p:cNvPr id="64" name="PlaceHolder 3"/>
           <p:cNvSpPr>
             <a:spLocks noGrp="1"/>
           </p:cNvSpPr>
@@ -1501,18 +1412,15 @@
             <a:normAutofit/>
           </a:bodyPr>
           <a:p>
-            <a:endParaRPr b="1" lang="en-US" sz="2600" spc="-1" strike="noStrike">
-              <a:solidFill>
-                <a:srgbClr val="1c1c1c"/>
-              </a:solidFill>
-              <a:latin typeface="Source Sans Pro Semibold"/>
-            </a:endParaRPr>
-          </a:p>
-        </p:txBody>
-      </p:sp>
-      <p:sp>
-        <p:nvSpPr>
-          <p:cNvPr id="71" name="PlaceHolder 4"/>
+            <a:endParaRPr b="0" lang="en-US" sz="3200" spc="-1" strike="noStrike">
+              <a:latin typeface="Arial"/>
+            </a:endParaRPr>
+          </a:p>
+        </p:txBody>
+      </p:sp>
+      <p:sp>
+        <p:nvSpPr>
+          <p:cNvPr id="65" name="PlaceHolder 4"/>
           <p:cNvSpPr>
             <a:spLocks noGrp="1"/>
           </p:cNvSpPr>
@@ -1523,7 +1431,7 @@
         <p:spPr>
           <a:xfrm>
             <a:off x="360000" y="4424400"/>
-            <a:ext cx="9180000" cy="2232000"/>
+            <a:ext cx="9179640" cy="2232000"/>
           </a:xfrm>
           <a:prstGeom prst="rect">
             <a:avLst/>
@@ -1534,11 +1442,8 @@
             <a:normAutofit/>
           </a:bodyPr>
           <a:p>
-            <a:endParaRPr b="1" lang="en-US" sz="2600" spc="-1" strike="noStrike">
-              <a:solidFill>
-                <a:srgbClr val="1c1c1c"/>
-              </a:solidFill>
-              <a:latin typeface="Source Sans Pro Semibold"/>
+            <a:endParaRPr b="0" lang="en-US" sz="3200" spc="-1" strike="noStrike">
+              <a:latin typeface="Arial"/>
             </a:endParaRPr>
           </a:p>
         </p:txBody>
@@ -1567,7 +1472,7 @@
       </p:grpSpPr>
       <p:sp>
         <p:nvSpPr>
-          <p:cNvPr id="72" name="PlaceHolder 1"/>
+          <p:cNvPr id="66" name="PlaceHolder 1"/>
           <p:cNvSpPr>
             <a:spLocks noGrp="1"/>
           </p:cNvSpPr>
@@ -1578,27 +1483,25 @@
         <p:spPr>
           <a:xfrm>
             <a:off x="360000" y="360000"/>
-            <a:ext cx="9360000" cy="900000"/>
-          </a:xfrm>
-          <a:prstGeom prst="rect">
-            <a:avLst/>
-          </a:prstGeom>
-        </p:spPr>
-        <p:txBody>
-          <a:bodyPr lIns="0" rIns="0" tIns="0" bIns="0" anchor="b"/>
-          <a:p>
-            <a:endParaRPr b="1" lang="en-US" sz="3200" spc="-1" strike="noStrike">
-              <a:solidFill>
-                <a:srgbClr val="ffffff"/>
-              </a:solidFill>
-              <a:latin typeface="Source Sans Pro Black"/>
-            </a:endParaRPr>
-          </a:p>
-        </p:txBody>
-      </p:sp>
-      <p:sp>
-        <p:nvSpPr>
-          <p:cNvPr id="73" name="PlaceHolder 2"/>
+            <a:ext cx="9359640" cy="899640"/>
+          </a:xfrm>
+          <a:prstGeom prst="rect">
+            <a:avLst/>
+          </a:prstGeom>
+        </p:spPr>
+        <p:txBody>
+          <a:bodyPr lIns="0" rIns="0" tIns="0" bIns="0" anchor="ctr"/>
+          <a:p>
+            <a:pPr algn="ctr"/>
+            <a:endParaRPr b="0" lang="en-US" sz="4400" spc="-1" strike="noStrike">
+              <a:latin typeface="Arial"/>
+            </a:endParaRPr>
+          </a:p>
+        </p:txBody>
+      </p:sp>
+      <p:sp>
+        <p:nvSpPr>
+          <p:cNvPr id="67" name="PlaceHolder 2"/>
           <p:cNvSpPr>
             <a:spLocks noGrp="1"/>
           </p:cNvSpPr>
@@ -1609,7 +1512,7 @@
         <p:spPr>
           <a:xfrm>
             <a:off x="360000" y="1980000"/>
-            <a:ext cx="9180000" cy="2232000"/>
+            <a:ext cx="9179640" cy="2232000"/>
           </a:xfrm>
           <a:prstGeom prst="rect">
             <a:avLst/>
@@ -1620,18 +1523,15 @@
             <a:normAutofit/>
           </a:bodyPr>
           <a:p>
-            <a:endParaRPr b="1" lang="en-US" sz="2600" spc="-1" strike="noStrike">
-              <a:solidFill>
-                <a:srgbClr val="1c1c1c"/>
-              </a:solidFill>
-              <a:latin typeface="Source Sans Pro Semibold"/>
-            </a:endParaRPr>
-          </a:p>
-        </p:txBody>
-      </p:sp>
-      <p:sp>
-        <p:nvSpPr>
-          <p:cNvPr id="74" name="PlaceHolder 3"/>
+            <a:endParaRPr b="0" lang="en-US" sz="3200" spc="-1" strike="noStrike">
+              <a:latin typeface="Arial"/>
+            </a:endParaRPr>
+          </a:p>
+        </p:txBody>
+      </p:sp>
+      <p:sp>
+        <p:nvSpPr>
+          <p:cNvPr id="68" name="PlaceHolder 3"/>
           <p:cNvSpPr>
             <a:spLocks noGrp="1"/>
           </p:cNvSpPr>
@@ -1642,7 +1542,7 @@
         <p:spPr>
           <a:xfrm>
             <a:off x="360000" y="4424400"/>
-            <a:ext cx="9180000" cy="2232000"/>
+            <a:ext cx="9179640" cy="2232000"/>
           </a:xfrm>
           <a:prstGeom prst="rect">
             <a:avLst/>
@@ -1653,11 +1553,8 @@
             <a:normAutofit/>
           </a:bodyPr>
           <a:p>
-            <a:endParaRPr b="1" lang="en-US" sz="2600" spc="-1" strike="noStrike">
-              <a:solidFill>
-                <a:srgbClr val="1c1c1c"/>
-              </a:solidFill>
-              <a:latin typeface="Source Sans Pro Semibold"/>
+            <a:endParaRPr b="0" lang="en-US" sz="3200" spc="-1" strike="noStrike">
+              <a:latin typeface="Arial"/>
             </a:endParaRPr>
           </a:p>
         </p:txBody>
@@ -1686,7 +1583,7 @@
       </p:grpSpPr>
       <p:sp>
         <p:nvSpPr>
-          <p:cNvPr id="75" name="PlaceHolder 1"/>
+          <p:cNvPr id="69" name="PlaceHolder 1"/>
           <p:cNvSpPr>
             <a:spLocks noGrp="1"/>
           </p:cNvSpPr>
@@ -1697,27 +1594,25 @@
         <p:spPr>
           <a:xfrm>
             <a:off x="360000" y="360000"/>
-            <a:ext cx="9360000" cy="900000"/>
-          </a:xfrm>
-          <a:prstGeom prst="rect">
-            <a:avLst/>
-          </a:prstGeom>
-        </p:spPr>
-        <p:txBody>
-          <a:bodyPr lIns="0" rIns="0" tIns="0" bIns="0" anchor="b"/>
-          <a:p>
-            <a:endParaRPr b="1" lang="en-US" sz="3200" spc="-1" strike="noStrike">
-              <a:solidFill>
-                <a:srgbClr val="ffffff"/>
-              </a:solidFill>
-              <a:latin typeface="Source Sans Pro Black"/>
-            </a:endParaRPr>
-          </a:p>
-        </p:txBody>
-      </p:sp>
-      <p:sp>
-        <p:nvSpPr>
-          <p:cNvPr id="76" name="PlaceHolder 2"/>
+            <a:ext cx="9359640" cy="899640"/>
+          </a:xfrm>
+          <a:prstGeom prst="rect">
+            <a:avLst/>
+          </a:prstGeom>
+        </p:spPr>
+        <p:txBody>
+          <a:bodyPr lIns="0" rIns="0" tIns="0" bIns="0" anchor="ctr"/>
+          <a:p>
+            <a:pPr algn="ctr"/>
+            <a:endParaRPr b="0" lang="en-US" sz="4400" spc="-1" strike="noStrike">
+              <a:latin typeface="Arial"/>
+            </a:endParaRPr>
+          </a:p>
+        </p:txBody>
+      </p:sp>
+      <p:sp>
+        <p:nvSpPr>
+          <p:cNvPr id="70" name="PlaceHolder 2"/>
           <p:cNvSpPr>
             <a:spLocks noGrp="1"/>
           </p:cNvSpPr>
@@ -1739,18 +1634,15 @@
             <a:normAutofit/>
           </a:bodyPr>
           <a:p>
-            <a:endParaRPr b="1" lang="en-US" sz="2600" spc="-1" strike="noStrike">
-              <a:solidFill>
-                <a:srgbClr val="1c1c1c"/>
-              </a:solidFill>
-              <a:latin typeface="Source Sans Pro Semibold"/>
-            </a:endParaRPr>
-          </a:p>
-        </p:txBody>
-      </p:sp>
-      <p:sp>
-        <p:nvSpPr>
-          <p:cNvPr id="77" name="PlaceHolder 3"/>
+            <a:endParaRPr b="0" lang="en-US" sz="3200" spc="-1" strike="noStrike">
+              <a:latin typeface="Arial"/>
+            </a:endParaRPr>
+          </a:p>
+        </p:txBody>
+      </p:sp>
+      <p:sp>
+        <p:nvSpPr>
+          <p:cNvPr id="71" name="PlaceHolder 3"/>
           <p:cNvSpPr>
             <a:spLocks noGrp="1"/>
           </p:cNvSpPr>
@@ -1772,18 +1664,15 @@
             <a:normAutofit/>
           </a:bodyPr>
           <a:p>
-            <a:endParaRPr b="1" lang="en-US" sz="2600" spc="-1" strike="noStrike">
-              <a:solidFill>
-                <a:srgbClr val="1c1c1c"/>
-              </a:solidFill>
-              <a:latin typeface="Source Sans Pro Semibold"/>
-            </a:endParaRPr>
-          </a:p>
-        </p:txBody>
-      </p:sp>
-      <p:sp>
-        <p:nvSpPr>
-          <p:cNvPr id="78" name="PlaceHolder 4"/>
+            <a:endParaRPr b="0" lang="en-US" sz="3200" spc="-1" strike="noStrike">
+              <a:latin typeface="Arial"/>
+            </a:endParaRPr>
+          </a:p>
+        </p:txBody>
+      </p:sp>
+      <p:sp>
+        <p:nvSpPr>
+          <p:cNvPr id="72" name="PlaceHolder 4"/>
           <p:cNvSpPr>
             <a:spLocks noGrp="1"/>
           </p:cNvSpPr>
@@ -1805,18 +1694,15 @@
             <a:normAutofit/>
           </a:bodyPr>
           <a:p>
-            <a:endParaRPr b="1" lang="en-US" sz="2600" spc="-1" strike="noStrike">
-              <a:solidFill>
-                <a:srgbClr val="1c1c1c"/>
-              </a:solidFill>
-              <a:latin typeface="Source Sans Pro Semibold"/>
-            </a:endParaRPr>
-          </a:p>
-        </p:txBody>
-      </p:sp>
-      <p:sp>
-        <p:nvSpPr>
-          <p:cNvPr id="79" name="PlaceHolder 5"/>
+            <a:endParaRPr b="0" lang="en-US" sz="3200" spc="-1" strike="noStrike">
+              <a:latin typeface="Arial"/>
+            </a:endParaRPr>
+          </a:p>
+        </p:txBody>
+      </p:sp>
+      <p:sp>
+        <p:nvSpPr>
+          <p:cNvPr id="73" name="PlaceHolder 5"/>
           <p:cNvSpPr>
             <a:spLocks noGrp="1"/>
           </p:cNvSpPr>
@@ -1838,11 +1724,8 @@
             <a:normAutofit/>
           </a:bodyPr>
           <a:p>
-            <a:endParaRPr b="1" lang="en-US" sz="2600" spc="-1" strike="noStrike">
-              <a:solidFill>
-                <a:srgbClr val="1c1c1c"/>
-              </a:solidFill>
-              <a:latin typeface="Source Sans Pro Semibold"/>
+            <a:endParaRPr b="0" lang="en-US" sz="3200" spc="-1" strike="noStrike">
+              <a:latin typeface="Arial"/>
             </a:endParaRPr>
           </a:p>
         </p:txBody>
@@ -1871,7 +1754,7 @@
       </p:grpSpPr>
       <p:sp>
         <p:nvSpPr>
-          <p:cNvPr id="80" name="PlaceHolder 1"/>
+          <p:cNvPr id="74" name="PlaceHolder 1"/>
           <p:cNvSpPr>
             <a:spLocks noGrp="1"/>
           </p:cNvSpPr>
@@ -1882,27 +1765,25 @@
         <p:spPr>
           <a:xfrm>
             <a:off x="360000" y="360000"/>
-            <a:ext cx="9360000" cy="900000"/>
-          </a:xfrm>
-          <a:prstGeom prst="rect">
-            <a:avLst/>
-          </a:prstGeom>
-        </p:spPr>
-        <p:txBody>
-          <a:bodyPr lIns="0" rIns="0" tIns="0" bIns="0" anchor="b"/>
-          <a:p>
-            <a:endParaRPr b="1" lang="en-US" sz="3200" spc="-1" strike="noStrike">
-              <a:solidFill>
-                <a:srgbClr val="ffffff"/>
-              </a:solidFill>
-              <a:latin typeface="Source Sans Pro Black"/>
-            </a:endParaRPr>
-          </a:p>
-        </p:txBody>
-      </p:sp>
-      <p:sp>
-        <p:nvSpPr>
-          <p:cNvPr id="81" name="PlaceHolder 2"/>
+            <a:ext cx="9359640" cy="899640"/>
+          </a:xfrm>
+          <a:prstGeom prst="rect">
+            <a:avLst/>
+          </a:prstGeom>
+        </p:spPr>
+        <p:txBody>
+          <a:bodyPr lIns="0" rIns="0" tIns="0" bIns="0" anchor="ctr"/>
+          <a:p>
+            <a:pPr algn="ctr"/>
+            <a:endParaRPr b="0" lang="en-US" sz="4400" spc="-1" strike="noStrike">
+              <a:latin typeface="Arial"/>
+            </a:endParaRPr>
+          </a:p>
+        </p:txBody>
+      </p:sp>
+      <p:sp>
+        <p:nvSpPr>
+          <p:cNvPr id="75" name="PlaceHolder 2"/>
           <p:cNvSpPr>
             <a:spLocks noGrp="1"/>
           </p:cNvSpPr>
@@ -1924,18 +1805,15 @@
             <a:normAutofit/>
           </a:bodyPr>
           <a:p>
-            <a:endParaRPr b="1" lang="en-US" sz="2600" spc="-1" strike="noStrike">
-              <a:solidFill>
-                <a:srgbClr val="1c1c1c"/>
-              </a:solidFill>
-              <a:latin typeface="Source Sans Pro Semibold"/>
-            </a:endParaRPr>
-          </a:p>
-        </p:txBody>
-      </p:sp>
-      <p:sp>
-        <p:nvSpPr>
-          <p:cNvPr id="82" name="PlaceHolder 3"/>
+            <a:endParaRPr b="0" lang="en-US" sz="3200" spc="-1" strike="noStrike">
+              <a:latin typeface="Arial"/>
+            </a:endParaRPr>
+          </a:p>
+        </p:txBody>
+      </p:sp>
+      <p:sp>
+        <p:nvSpPr>
+          <p:cNvPr id="76" name="PlaceHolder 3"/>
           <p:cNvSpPr>
             <a:spLocks noGrp="1"/>
           </p:cNvSpPr>
@@ -1957,18 +1835,15 @@
             <a:normAutofit/>
           </a:bodyPr>
           <a:p>
-            <a:endParaRPr b="1" lang="en-US" sz="2600" spc="-1" strike="noStrike">
-              <a:solidFill>
-                <a:srgbClr val="1c1c1c"/>
-              </a:solidFill>
-              <a:latin typeface="Source Sans Pro Semibold"/>
-            </a:endParaRPr>
-          </a:p>
-        </p:txBody>
-      </p:sp>
-      <p:sp>
-        <p:nvSpPr>
-          <p:cNvPr id="83" name="PlaceHolder 4"/>
+            <a:endParaRPr b="0" lang="en-US" sz="3200" spc="-1" strike="noStrike">
+              <a:latin typeface="Arial"/>
+            </a:endParaRPr>
+          </a:p>
+        </p:txBody>
+      </p:sp>
+      <p:sp>
+        <p:nvSpPr>
+          <p:cNvPr id="77" name="PlaceHolder 4"/>
           <p:cNvSpPr>
             <a:spLocks noGrp="1"/>
           </p:cNvSpPr>
@@ -1990,18 +1865,15 @@
             <a:normAutofit/>
           </a:bodyPr>
           <a:p>
-            <a:endParaRPr b="1" lang="en-US" sz="2600" spc="-1" strike="noStrike">
-              <a:solidFill>
-                <a:srgbClr val="1c1c1c"/>
-              </a:solidFill>
-              <a:latin typeface="Source Sans Pro Semibold"/>
-            </a:endParaRPr>
-          </a:p>
-        </p:txBody>
-      </p:sp>
-      <p:sp>
-        <p:nvSpPr>
-          <p:cNvPr id="84" name="PlaceHolder 5"/>
+            <a:endParaRPr b="0" lang="en-US" sz="3200" spc="-1" strike="noStrike">
+              <a:latin typeface="Arial"/>
+            </a:endParaRPr>
+          </a:p>
+        </p:txBody>
+      </p:sp>
+      <p:sp>
+        <p:nvSpPr>
+          <p:cNvPr id="78" name="PlaceHolder 5"/>
           <p:cNvSpPr>
             <a:spLocks noGrp="1"/>
           </p:cNvSpPr>
@@ -2023,18 +1895,15 @@
             <a:normAutofit/>
           </a:bodyPr>
           <a:p>
-            <a:endParaRPr b="1" lang="en-US" sz="2600" spc="-1" strike="noStrike">
-              <a:solidFill>
-                <a:srgbClr val="1c1c1c"/>
-              </a:solidFill>
-              <a:latin typeface="Source Sans Pro Semibold"/>
-            </a:endParaRPr>
-          </a:p>
-        </p:txBody>
-      </p:sp>
-      <p:sp>
-        <p:nvSpPr>
-          <p:cNvPr id="85" name="PlaceHolder 6"/>
+            <a:endParaRPr b="0" lang="en-US" sz="3200" spc="-1" strike="noStrike">
+              <a:latin typeface="Arial"/>
+            </a:endParaRPr>
+          </a:p>
+        </p:txBody>
+      </p:sp>
+      <p:sp>
+        <p:nvSpPr>
+          <p:cNvPr id="79" name="PlaceHolder 6"/>
           <p:cNvSpPr>
             <a:spLocks noGrp="1"/>
           </p:cNvSpPr>
@@ -2056,18 +1925,15 @@
             <a:normAutofit/>
           </a:bodyPr>
           <a:p>
-            <a:endParaRPr b="1" lang="en-US" sz="2600" spc="-1" strike="noStrike">
-              <a:solidFill>
-                <a:srgbClr val="1c1c1c"/>
-              </a:solidFill>
-              <a:latin typeface="Source Sans Pro Semibold"/>
-            </a:endParaRPr>
-          </a:p>
-        </p:txBody>
-      </p:sp>
-      <p:sp>
-        <p:nvSpPr>
-          <p:cNvPr id="86" name="PlaceHolder 7"/>
+            <a:endParaRPr b="0" lang="en-US" sz="3200" spc="-1" strike="noStrike">
+              <a:latin typeface="Arial"/>
+            </a:endParaRPr>
+          </a:p>
+        </p:txBody>
+      </p:sp>
+      <p:sp>
+        <p:nvSpPr>
+          <p:cNvPr id="80" name="PlaceHolder 7"/>
           <p:cNvSpPr>
             <a:spLocks noGrp="1"/>
           </p:cNvSpPr>
@@ -2089,11 +1955,8 @@
             <a:normAutofit/>
           </a:bodyPr>
           <a:p>
-            <a:endParaRPr b="1" lang="en-US" sz="2600" spc="-1" strike="noStrike">
-              <a:solidFill>
-                <a:srgbClr val="1c1c1c"/>
-              </a:solidFill>
-              <a:latin typeface="Source Sans Pro Semibold"/>
+            <a:endParaRPr b="0" lang="en-US" sz="3200" spc="-1" strike="noStrike">
+              <a:latin typeface="Arial"/>
             </a:endParaRPr>
           </a:p>
         </p:txBody>
@@ -2122,7 +1985,7 @@
       </p:grpSpPr>
       <p:sp>
         <p:nvSpPr>
-          <p:cNvPr id="11" name="PlaceHolder 1"/>
+          <p:cNvPr id="5" name="PlaceHolder 1"/>
           <p:cNvSpPr>
             <a:spLocks noGrp="1"/>
           </p:cNvSpPr>
@@ -2133,27 +1996,25 @@
         <p:spPr>
           <a:xfrm>
             <a:off x="360000" y="360000"/>
-            <a:ext cx="9360000" cy="900000"/>
-          </a:xfrm>
-          <a:prstGeom prst="rect">
-            <a:avLst/>
-          </a:prstGeom>
-        </p:spPr>
-        <p:txBody>
-          <a:bodyPr lIns="0" rIns="0" tIns="0" bIns="0" anchor="b"/>
-          <a:p>
-            <a:endParaRPr b="1" lang="en-US" sz="3200" spc="-1" strike="noStrike">
-              <a:solidFill>
-                <a:srgbClr val="ffffff"/>
-              </a:solidFill>
-              <a:latin typeface="Source Sans Pro Black"/>
-            </a:endParaRPr>
-          </a:p>
-        </p:txBody>
-      </p:sp>
-      <p:sp>
-        <p:nvSpPr>
-          <p:cNvPr id="12" name="PlaceHolder 2"/>
+            <a:ext cx="9359640" cy="899640"/>
+          </a:xfrm>
+          <a:prstGeom prst="rect">
+            <a:avLst/>
+          </a:prstGeom>
+        </p:spPr>
+        <p:txBody>
+          <a:bodyPr lIns="0" rIns="0" tIns="0" bIns="0" anchor="ctr"/>
+          <a:p>
+            <a:pPr algn="ctr"/>
+            <a:endParaRPr b="0" lang="en-US" sz="4400" spc="-1" strike="noStrike">
+              <a:latin typeface="Arial"/>
+            </a:endParaRPr>
+          </a:p>
+        </p:txBody>
+      </p:sp>
+      <p:sp>
+        <p:nvSpPr>
+          <p:cNvPr id="6" name="PlaceHolder 2"/>
           <p:cNvSpPr>
             <a:spLocks noGrp="1"/>
           </p:cNvSpPr>
@@ -2164,7 +2025,7 @@
         <p:spPr>
           <a:xfrm>
             <a:off x="360000" y="1980000"/>
-            <a:ext cx="9180000" cy="4680000"/>
+            <a:ext cx="9179640" cy="4679640"/>
           </a:xfrm>
           <a:prstGeom prst="rect">
             <a:avLst/>
@@ -2175,11 +2036,8 @@
             <a:normAutofit/>
           </a:bodyPr>
           <a:p>
-            <a:endParaRPr b="1" lang="en-US" sz="2600" spc="-1" strike="noStrike">
-              <a:solidFill>
-                <a:srgbClr val="1c1c1c"/>
-              </a:solidFill>
-              <a:latin typeface="Source Sans Pro Semibold"/>
+            <a:endParaRPr b="0" lang="en-US" sz="3200" spc="-1" strike="noStrike">
+              <a:latin typeface="Arial"/>
             </a:endParaRPr>
           </a:p>
         </p:txBody>
@@ -2208,7 +2066,7 @@
       </p:grpSpPr>
       <p:sp>
         <p:nvSpPr>
-          <p:cNvPr id="13" name="PlaceHolder 1"/>
+          <p:cNvPr id="7" name="PlaceHolder 1"/>
           <p:cNvSpPr>
             <a:spLocks noGrp="1"/>
           </p:cNvSpPr>
@@ -2219,27 +2077,25 @@
         <p:spPr>
           <a:xfrm>
             <a:off x="360000" y="360000"/>
-            <a:ext cx="9360000" cy="900000"/>
-          </a:xfrm>
-          <a:prstGeom prst="rect">
-            <a:avLst/>
-          </a:prstGeom>
-        </p:spPr>
-        <p:txBody>
-          <a:bodyPr lIns="0" rIns="0" tIns="0" bIns="0" anchor="b"/>
-          <a:p>
-            <a:endParaRPr b="1" lang="en-US" sz="3200" spc="-1" strike="noStrike">
-              <a:solidFill>
-                <a:srgbClr val="ffffff"/>
-              </a:solidFill>
-              <a:latin typeface="Source Sans Pro Black"/>
-            </a:endParaRPr>
-          </a:p>
-        </p:txBody>
-      </p:sp>
-      <p:sp>
-        <p:nvSpPr>
-          <p:cNvPr id="14" name="PlaceHolder 2"/>
+            <a:ext cx="9359640" cy="899640"/>
+          </a:xfrm>
+          <a:prstGeom prst="rect">
+            <a:avLst/>
+          </a:prstGeom>
+        </p:spPr>
+        <p:txBody>
+          <a:bodyPr lIns="0" rIns="0" tIns="0" bIns="0" anchor="ctr"/>
+          <a:p>
+            <a:pPr algn="ctr"/>
+            <a:endParaRPr b="0" lang="en-US" sz="4400" spc="-1" strike="noStrike">
+              <a:latin typeface="Arial"/>
+            </a:endParaRPr>
+          </a:p>
+        </p:txBody>
+      </p:sp>
+      <p:sp>
+        <p:nvSpPr>
+          <p:cNvPr id="8" name="PlaceHolder 2"/>
           <p:cNvSpPr>
             <a:spLocks noGrp="1"/>
           </p:cNvSpPr>
@@ -2250,7 +2106,7 @@
         <p:spPr>
           <a:xfrm>
             <a:off x="360000" y="1980000"/>
-            <a:ext cx="4479480" cy="4680000"/>
+            <a:ext cx="4479480" cy="4679640"/>
           </a:xfrm>
           <a:prstGeom prst="rect">
             <a:avLst/>
@@ -2261,18 +2117,15 @@
             <a:normAutofit/>
           </a:bodyPr>
           <a:p>
-            <a:endParaRPr b="1" lang="en-US" sz="2600" spc="-1" strike="noStrike">
-              <a:solidFill>
-                <a:srgbClr val="1c1c1c"/>
-              </a:solidFill>
-              <a:latin typeface="Source Sans Pro Semibold"/>
-            </a:endParaRPr>
-          </a:p>
-        </p:txBody>
-      </p:sp>
-      <p:sp>
-        <p:nvSpPr>
-          <p:cNvPr id="15" name="PlaceHolder 3"/>
+            <a:endParaRPr b="0" lang="en-US" sz="3200" spc="-1" strike="noStrike">
+              <a:latin typeface="Arial"/>
+            </a:endParaRPr>
+          </a:p>
+        </p:txBody>
+      </p:sp>
+      <p:sp>
+        <p:nvSpPr>
+          <p:cNvPr id="9" name="PlaceHolder 3"/>
           <p:cNvSpPr>
             <a:spLocks noGrp="1"/>
           </p:cNvSpPr>
@@ -2283,7 +2136,7 @@
         <p:spPr>
           <a:xfrm>
             <a:off x="5063760" y="1980000"/>
-            <a:ext cx="4479480" cy="4680000"/>
+            <a:ext cx="4479480" cy="4679640"/>
           </a:xfrm>
           <a:prstGeom prst="rect">
             <a:avLst/>
@@ -2294,11 +2147,8 @@
             <a:normAutofit/>
           </a:bodyPr>
           <a:p>
-            <a:endParaRPr b="1" lang="en-US" sz="2600" spc="-1" strike="noStrike">
-              <a:solidFill>
-                <a:srgbClr val="1c1c1c"/>
-              </a:solidFill>
-              <a:latin typeface="Source Sans Pro Semibold"/>
+            <a:endParaRPr b="0" lang="en-US" sz="3200" spc="-1" strike="noStrike">
+              <a:latin typeface="Arial"/>
             </a:endParaRPr>
           </a:p>
         </p:txBody>
@@ -2327,7 +2177,7 @@
       </p:grpSpPr>
       <p:sp>
         <p:nvSpPr>
-          <p:cNvPr id="16" name="PlaceHolder 1"/>
+          <p:cNvPr id="10" name="PlaceHolder 1"/>
           <p:cNvSpPr>
             <a:spLocks noGrp="1"/>
           </p:cNvSpPr>
@@ -2338,20 +2188,18 @@
         <p:spPr>
           <a:xfrm>
             <a:off x="360000" y="360000"/>
-            <a:ext cx="9360000" cy="900000"/>
-          </a:xfrm>
-          <a:prstGeom prst="rect">
-            <a:avLst/>
-          </a:prstGeom>
-        </p:spPr>
-        <p:txBody>
-          <a:bodyPr lIns="0" rIns="0" tIns="0" bIns="0" anchor="b"/>
-          <a:p>
-            <a:endParaRPr b="1" lang="en-US" sz="3200" spc="-1" strike="noStrike">
-              <a:solidFill>
-                <a:srgbClr val="ffffff"/>
-              </a:solidFill>
-              <a:latin typeface="Source Sans Pro Black"/>
+            <a:ext cx="9359640" cy="899640"/>
+          </a:xfrm>
+          <a:prstGeom prst="rect">
+            <a:avLst/>
+          </a:prstGeom>
+        </p:spPr>
+        <p:txBody>
+          <a:bodyPr lIns="0" rIns="0" tIns="0" bIns="0" anchor="ctr"/>
+          <a:p>
+            <a:pPr algn="ctr"/>
+            <a:endParaRPr b="0" lang="en-US" sz="4400" spc="-1" strike="noStrike">
+              <a:latin typeface="Arial"/>
             </a:endParaRPr>
           </a:p>
         </p:txBody>
@@ -2380,7 +2228,7 @@
       </p:grpSpPr>
       <p:sp>
         <p:nvSpPr>
-          <p:cNvPr id="17" name="PlaceHolder 1"/>
+          <p:cNvPr id="11" name="PlaceHolder 1"/>
           <p:cNvSpPr>
             <a:spLocks noGrp="1"/>
           </p:cNvSpPr>
@@ -2391,20 +2239,18 @@
         <p:spPr>
           <a:xfrm>
             <a:off x="360000" y="360000"/>
-            <a:ext cx="9360000" cy="4173120"/>
-          </a:xfrm>
-          <a:prstGeom prst="rect">
-            <a:avLst/>
-          </a:prstGeom>
-        </p:spPr>
-        <p:txBody>
-          <a:bodyPr lIns="0" rIns="0" tIns="0" bIns="0"/>
-          <a:p>
-            <a:endParaRPr b="0" lang="en-US" sz="2600" spc="-1" strike="noStrike">
-              <a:solidFill>
-                <a:srgbClr val="1c1c1c"/>
-              </a:solidFill>
-              <a:latin typeface="Source Sans Pro Light"/>
+            <a:ext cx="9359640" cy="4171680"/>
+          </a:xfrm>
+          <a:prstGeom prst="rect">
+            <a:avLst/>
+          </a:prstGeom>
+        </p:spPr>
+        <p:txBody>
+          <a:bodyPr lIns="0" rIns="0" tIns="0" bIns="0" anchor="ctr"/>
+          <a:p>
+            <a:pPr algn="ctr"/>
+            <a:endParaRPr b="0" lang="en-US" sz="3200" spc="-1" strike="noStrike">
+              <a:latin typeface="Arial"/>
             </a:endParaRPr>
           </a:p>
         </p:txBody>
@@ -2433,7 +2279,7 @@
       </p:grpSpPr>
       <p:sp>
         <p:nvSpPr>
-          <p:cNvPr id="18" name="PlaceHolder 1"/>
+          <p:cNvPr id="12" name="PlaceHolder 1"/>
           <p:cNvSpPr>
             <a:spLocks noGrp="1"/>
           </p:cNvSpPr>
@@ -2444,27 +2290,25 @@
         <p:spPr>
           <a:xfrm>
             <a:off x="360000" y="360000"/>
-            <a:ext cx="9360000" cy="900000"/>
-          </a:xfrm>
-          <a:prstGeom prst="rect">
-            <a:avLst/>
-          </a:prstGeom>
-        </p:spPr>
-        <p:txBody>
-          <a:bodyPr lIns="0" rIns="0" tIns="0" bIns="0" anchor="b"/>
-          <a:p>
-            <a:endParaRPr b="1" lang="en-US" sz="3200" spc="-1" strike="noStrike">
-              <a:solidFill>
-                <a:srgbClr val="ffffff"/>
-              </a:solidFill>
-              <a:latin typeface="Source Sans Pro Black"/>
-            </a:endParaRPr>
-          </a:p>
-        </p:txBody>
-      </p:sp>
-      <p:sp>
-        <p:nvSpPr>
-          <p:cNvPr id="19" name="PlaceHolder 2"/>
+            <a:ext cx="9359640" cy="899640"/>
+          </a:xfrm>
+          <a:prstGeom prst="rect">
+            <a:avLst/>
+          </a:prstGeom>
+        </p:spPr>
+        <p:txBody>
+          <a:bodyPr lIns="0" rIns="0" tIns="0" bIns="0" anchor="ctr"/>
+          <a:p>
+            <a:pPr algn="ctr"/>
+            <a:endParaRPr b="0" lang="en-US" sz="4400" spc="-1" strike="noStrike">
+              <a:latin typeface="Arial"/>
+            </a:endParaRPr>
+          </a:p>
+        </p:txBody>
+      </p:sp>
+      <p:sp>
+        <p:nvSpPr>
+          <p:cNvPr id="13" name="PlaceHolder 2"/>
           <p:cNvSpPr>
             <a:spLocks noGrp="1"/>
           </p:cNvSpPr>
@@ -2486,18 +2330,15 @@
             <a:normAutofit/>
           </a:bodyPr>
           <a:p>
-            <a:endParaRPr b="1" lang="en-US" sz="2600" spc="-1" strike="noStrike">
-              <a:solidFill>
-                <a:srgbClr val="1c1c1c"/>
-              </a:solidFill>
-              <a:latin typeface="Source Sans Pro Semibold"/>
-            </a:endParaRPr>
-          </a:p>
-        </p:txBody>
-      </p:sp>
-      <p:sp>
-        <p:nvSpPr>
-          <p:cNvPr id="20" name="PlaceHolder 3"/>
+            <a:endParaRPr b="0" lang="en-US" sz="3200" spc="-1" strike="noStrike">
+              <a:latin typeface="Arial"/>
+            </a:endParaRPr>
+          </a:p>
+        </p:txBody>
+      </p:sp>
+      <p:sp>
+        <p:nvSpPr>
+          <p:cNvPr id="14" name="PlaceHolder 3"/>
           <p:cNvSpPr>
             <a:spLocks noGrp="1"/>
           </p:cNvSpPr>
@@ -2519,18 +2360,15 @@
             <a:normAutofit/>
           </a:bodyPr>
           <a:p>
-            <a:endParaRPr b="1" lang="en-US" sz="2600" spc="-1" strike="noStrike">
-              <a:solidFill>
-                <a:srgbClr val="1c1c1c"/>
-              </a:solidFill>
-              <a:latin typeface="Source Sans Pro Semibold"/>
-            </a:endParaRPr>
-          </a:p>
-        </p:txBody>
-      </p:sp>
-      <p:sp>
-        <p:nvSpPr>
-          <p:cNvPr id="21" name="PlaceHolder 4"/>
+            <a:endParaRPr b="0" lang="en-US" sz="3200" spc="-1" strike="noStrike">
+              <a:latin typeface="Arial"/>
+            </a:endParaRPr>
+          </a:p>
+        </p:txBody>
+      </p:sp>
+      <p:sp>
+        <p:nvSpPr>
+          <p:cNvPr id="15" name="PlaceHolder 4"/>
           <p:cNvSpPr>
             <a:spLocks noGrp="1"/>
           </p:cNvSpPr>
@@ -2541,7 +2379,7 @@
         <p:spPr>
           <a:xfrm>
             <a:off x="5063760" y="1980000"/>
-            <a:ext cx="4479480" cy="4680000"/>
+            <a:ext cx="4479480" cy="4679640"/>
           </a:xfrm>
           <a:prstGeom prst="rect">
             <a:avLst/>
@@ -2552,11 +2390,8 @@
             <a:normAutofit/>
           </a:bodyPr>
           <a:p>
-            <a:endParaRPr b="1" lang="en-US" sz="2600" spc="-1" strike="noStrike">
-              <a:solidFill>
-                <a:srgbClr val="1c1c1c"/>
-              </a:solidFill>
-              <a:latin typeface="Source Sans Pro Semibold"/>
+            <a:endParaRPr b="0" lang="en-US" sz="3200" spc="-1" strike="noStrike">
+              <a:latin typeface="Arial"/>
             </a:endParaRPr>
           </a:p>
         </p:txBody>
@@ -2585,7 +2420,7 @@
       </p:grpSpPr>
       <p:sp>
         <p:nvSpPr>
-          <p:cNvPr id="22" name="PlaceHolder 1"/>
+          <p:cNvPr id="16" name="PlaceHolder 1"/>
           <p:cNvSpPr>
             <a:spLocks noGrp="1"/>
           </p:cNvSpPr>
@@ -2596,27 +2431,25 @@
         <p:spPr>
           <a:xfrm>
             <a:off x="360000" y="360000"/>
-            <a:ext cx="9360000" cy="900000"/>
-          </a:xfrm>
-          <a:prstGeom prst="rect">
-            <a:avLst/>
-          </a:prstGeom>
-        </p:spPr>
-        <p:txBody>
-          <a:bodyPr lIns="0" rIns="0" tIns="0" bIns="0" anchor="b"/>
-          <a:p>
-            <a:endParaRPr b="1" lang="en-US" sz="3200" spc="-1" strike="noStrike">
-              <a:solidFill>
-                <a:srgbClr val="ffffff"/>
-              </a:solidFill>
-              <a:latin typeface="Source Sans Pro Black"/>
-            </a:endParaRPr>
-          </a:p>
-        </p:txBody>
-      </p:sp>
-      <p:sp>
-        <p:nvSpPr>
-          <p:cNvPr id="23" name="PlaceHolder 2"/>
+            <a:ext cx="9359640" cy="899640"/>
+          </a:xfrm>
+          <a:prstGeom prst="rect">
+            <a:avLst/>
+          </a:prstGeom>
+        </p:spPr>
+        <p:txBody>
+          <a:bodyPr lIns="0" rIns="0" tIns="0" bIns="0" anchor="ctr"/>
+          <a:p>
+            <a:pPr algn="ctr"/>
+            <a:endParaRPr b="0" lang="en-US" sz="4400" spc="-1" strike="noStrike">
+              <a:latin typeface="Arial"/>
+            </a:endParaRPr>
+          </a:p>
+        </p:txBody>
+      </p:sp>
+      <p:sp>
+        <p:nvSpPr>
+          <p:cNvPr id="17" name="PlaceHolder 2"/>
           <p:cNvSpPr>
             <a:spLocks noGrp="1"/>
           </p:cNvSpPr>
@@ -2627,7 +2460,7 @@
         <p:spPr>
           <a:xfrm>
             <a:off x="360000" y="1980000"/>
-            <a:ext cx="4479480" cy="4680000"/>
+            <a:ext cx="4479480" cy="4679640"/>
           </a:xfrm>
           <a:prstGeom prst="rect">
             <a:avLst/>
@@ -2638,18 +2471,15 @@
             <a:normAutofit/>
           </a:bodyPr>
           <a:p>
-            <a:endParaRPr b="1" lang="en-US" sz="2600" spc="-1" strike="noStrike">
-              <a:solidFill>
-                <a:srgbClr val="1c1c1c"/>
-              </a:solidFill>
-              <a:latin typeface="Source Sans Pro Semibold"/>
-            </a:endParaRPr>
-          </a:p>
-        </p:txBody>
-      </p:sp>
-      <p:sp>
-        <p:nvSpPr>
-          <p:cNvPr id="24" name="PlaceHolder 3"/>
+            <a:endParaRPr b="0" lang="en-US" sz="3200" spc="-1" strike="noStrike">
+              <a:latin typeface="Arial"/>
+            </a:endParaRPr>
+          </a:p>
+        </p:txBody>
+      </p:sp>
+      <p:sp>
+        <p:nvSpPr>
+          <p:cNvPr id="18" name="PlaceHolder 3"/>
           <p:cNvSpPr>
             <a:spLocks noGrp="1"/>
           </p:cNvSpPr>
@@ -2671,18 +2501,15 @@
             <a:normAutofit/>
           </a:bodyPr>
           <a:p>
-            <a:endParaRPr b="1" lang="en-US" sz="2600" spc="-1" strike="noStrike">
-              <a:solidFill>
-                <a:srgbClr val="1c1c1c"/>
-              </a:solidFill>
-              <a:latin typeface="Source Sans Pro Semibold"/>
-            </a:endParaRPr>
-          </a:p>
-        </p:txBody>
-      </p:sp>
-      <p:sp>
-        <p:nvSpPr>
-          <p:cNvPr id="25" name="PlaceHolder 4"/>
+            <a:endParaRPr b="0" lang="en-US" sz="3200" spc="-1" strike="noStrike">
+              <a:latin typeface="Arial"/>
+            </a:endParaRPr>
+          </a:p>
+        </p:txBody>
+      </p:sp>
+      <p:sp>
+        <p:nvSpPr>
+          <p:cNvPr id="19" name="PlaceHolder 4"/>
           <p:cNvSpPr>
             <a:spLocks noGrp="1"/>
           </p:cNvSpPr>
@@ -2704,11 +2531,8 @@
             <a:normAutofit/>
           </a:bodyPr>
           <a:p>
-            <a:endParaRPr b="1" lang="en-US" sz="2600" spc="-1" strike="noStrike">
-              <a:solidFill>
-                <a:srgbClr val="1c1c1c"/>
-              </a:solidFill>
-              <a:latin typeface="Source Sans Pro Semibold"/>
+            <a:endParaRPr b="0" lang="en-US" sz="3200" spc="-1" strike="noStrike">
+              <a:latin typeface="Arial"/>
             </a:endParaRPr>
           </a:p>
         </p:txBody>
@@ -2737,7 +2561,7 @@
       </p:grpSpPr>
       <p:sp>
         <p:nvSpPr>
-          <p:cNvPr id="26" name="PlaceHolder 1"/>
+          <p:cNvPr id="20" name="PlaceHolder 1"/>
           <p:cNvSpPr>
             <a:spLocks noGrp="1"/>
           </p:cNvSpPr>
@@ -2748,27 +2572,25 @@
         <p:spPr>
           <a:xfrm>
             <a:off x="360000" y="360000"/>
-            <a:ext cx="9360000" cy="900000"/>
-          </a:xfrm>
-          <a:prstGeom prst="rect">
-            <a:avLst/>
-          </a:prstGeom>
-        </p:spPr>
-        <p:txBody>
-          <a:bodyPr lIns="0" rIns="0" tIns="0" bIns="0" anchor="b"/>
-          <a:p>
-            <a:endParaRPr b="1" lang="en-US" sz="3200" spc="-1" strike="noStrike">
-              <a:solidFill>
-                <a:srgbClr val="ffffff"/>
-              </a:solidFill>
-              <a:latin typeface="Source Sans Pro Black"/>
-            </a:endParaRPr>
-          </a:p>
-        </p:txBody>
-      </p:sp>
-      <p:sp>
-        <p:nvSpPr>
-          <p:cNvPr id="27" name="PlaceHolder 2"/>
+            <a:ext cx="9359640" cy="899640"/>
+          </a:xfrm>
+          <a:prstGeom prst="rect">
+            <a:avLst/>
+          </a:prstGeom>
+        </p:spPr>
+        <p:txBody>
+          <a:bodyPr lIns="0" rIns="0" tIns="0" bIns="0" anchor="ctr"/>
+          <a:p>
+            <a:pPr algn="ctr"/>
+            <a:endParaRPr b="0" lang="en-US" sz="4400" spc="-1" strike="noStrike">
+              <a:latin typeface="Arial"/>
+            </a:endParaRPr>
+          </a:p>
+        </p:txBody>
+      </p:sp>
+      <p:sp>
+        <p:nvSpPr>
+          <p:cNvPr id="21" name="PlaceHolder 2"/>
           <p:cNvSpPr>
             <a:spLocks noGrp="1"/>
           </p:cNvSpPr>
@@ -2790,18 +2612,15 @@
             <a:normAutofit/>
           </a:bodyPr>
           <a:p>
-            <a:endParaRPr b="1" lang="en-US" sz="2600" spc="-1" strike="noStrike">
-              <a:solidFill>
-                <a:srgbClr val="1c1c1c"/>
-              </a:solidFill>
-              <a:latin typeface="Source Sans Pro Semibold"/>
-            </a:endParaRPr>
-          </a:p>
-        </p:txBody>
-      </p:sp>
-      <p:sp>
-        <p:nvSpPr>
-          <p:cNvPr id="28" name="PlaceHolder 3"/>
+            <a:endParaRPr b="0" lang="en-US" sz="3200" spc="-1" strike="noStrike">
+              <a:latin typeface="Arial"/>
+            </a:endParaRPr>
+          </a:p>
+        </p:txBody>
+      </p:sp>
+      <p:sp>
+        <p:nvSpPr>
+          <p:cNvPr id="22" name="PlaceHolder 3"/>
           <p:cNvSpPr>
             <a:spLocks noGrp="1"/>
           </p:cNvSpPr>
@@ -2823,18 +2642,15 @@
             <a:normAutofit/>
           </a:bodyPr>
           <a:p>
-            <a:endParaRPr b="1" lang="en-US" sz="2600" spc="-1" strike="noStrike">
-              <a:solidFill>
-                <a:srgbClr val="1c1c1c"/>
-              </a:solidFill>
-              <a:latin typeface="Source Sans Pro Semibold"/>
-            </a:endParaRPr>
-          </a:p>
-        </p:txBody>
-      </p:sp>
-      <p:sp>
-        <p:nvSpPr>
-          <p:cNvPr id="29" name="PlaceHolder 4"/>
+            <a:endParaRPr b="0" lang="en-US" sz="3200" spc="-1" strike="noStrike">
+              <a:latin typeface="Arial"/>
+            </a:endParaRPr>
+          </a:p>
+        </p:txBody>
+      </p:sp>
+      <p:sp>
+        <p:nvSpPr>
+          <p:cNvPr id="23" name="PlaceHolder 4"/>
           <p:cNvSpPr>
             <a:spLocks noGrp="1"/>
           </p:cNvSpPr>
@@ -2845,7 +2661,7 @@
         <p:spPr>
           <a:xfrm>
             <a:off x="360000" y="4424400"/>
-            <a:ext cx="9180000" cy="2232000"/>
+            <a:ext cx="9179640" cy="2232000"/>
           </a:xfrm>
           <a:prstGeom prst="rect">
             <a:avLst/>
@@ -2856,11 +2672,8 @@
             <a:normAutofit/>
           </a:bodyPr>
           <a:p>
-            <a:endParaRPr b="1" lang="en-US" sz="2600" spc="-1" strike="noStrike">
-              <a:solidFill>
-                <a:srgbClr val="1c1c1c"/>
-              </a:solidFill>
-              <a:latin typeface="Source Sans Pro Semibold"/>
+            <a:endParaRPr b="0" lang="en-US" sz="3200" spc="-1" strike="noStrike">
+              <a:latin typeface="Arial"/>
             </a:endParaRPr>
           </a:p>
         </p:txBody>
@@ -2895,8 +2708,8 @@
         </p:nvSpPr>
         <p:spPr>
           <a:xfrm>
-            <a:off x="0" y="180000"/>
-            <a:ext cx="9720000" cy="1260000"/>
+            <a:off x="0" y="3150000"/>
+            <a:ext cx="9719640" cy="1259640"/>
           </a:xfrm>
           <a:prstGeom prst="rect">
             <a:avLst/>
@@ -2904,7 +2717,7 @@
           <a:solidFill>
             <a:srgbClr val="e74c3c"/>
           </a:solidFill>
-          <a:ln w="72000">
+          <a:ln>
             <a:noFill/>
           </a:ln>
         </p:spPr>
@@ -2917,89 +2730,7 @@
       </p:sp>
       <p:sp>
         <p:nvSpPr>
-          <p:cNvPr id="1" name="CustomShape 2"/>
-          <p:cNvSpPr/>
-          <p:nvPr/>
-        </p:nvSpPr>
-        <p:spPr>
-          <a:xfrm>
-            <a:off x="7560000" y="6840000"/>
-            <a:ext cx="2520000" cy="540000"/>
-          </a:xfrm>
-          <a:prstGeom prst="rect">
-            <a:avLst/>
-          </a:prstGeom>
-          <a:solidFill>
-            <a:srgbClr val="e74c3c"/>
-          </a:solidFill>
-          <a:ln w="72000">
-            <a:noFill/>
-          </a:ln>
-        </p:spPr>
-        <p:style>
-          <a:lnRef idx="0"/>
-          <a:fillRef idx="0"/>
-          <a:effectRef idx="0"/>
-          <a:fontRef idx="minor"/>
-        </p:style>
-      </p:sp>
-      <p:sp>
-        <p:nvSpPr>
-          <p:cNvPr id="2" name="CustomShape 3"/>
-          <p:cNvSpPr/>
-          <p:nvPr/>
-        </p:nvSpPr>
-        <p:spPr>
-          <a:xfrm>
-            <a:off x="900000" y="6840000"/>
-            <a:ext cx="6480000" cy="540000"/>
-          </a:xfrm>
-          <a:prstGeom prst="rect">
-            <a:avLst/>
-          </a:prstGeom>
-          <a:solidFill>
-            <a:srgbClr val="bdc3c7"/>
-          </a:solidFill>
-          <a:ln w="72000">
-            <a:noFill/>
-          </a:ln>
-        </p:spPr>
-        <p:style>
-          <a:lnRef idx="0"/>
-          <a:fillRef idx="0"/>
-          <a:effectRef idx="0"/>
-          <a:fontRef idx="minor"/>
-        </p:style>
-      </p:sp>
-      <p:sp>
-        <p:nvSpPr>
-          <p:cNvPr id="3" name="CustomShape 4"/>
-          <p:cNvSpPr/>
-          <p:nvPr/>
-        </p:nvSpPr>
-        <p:spPr>
-          <a:xfrm>
-            <a:off x="180000" y="6840000"/>
-            <a:ext cx="540000" cy="540000"/>
-          </a:xfrm>
-          <a:prstGeom prst="rect">
-            <a:avLst/>
-          </a:prstGeom>
-          <a:noFill/>
-          <a:ln w="72000">
-            <a:noFill/>
-          </a:ln>
-        </p:spPr>
-        <p:style>
-          <a:lnRef idx="0"/>
-          <a:fillRef idx="0"/>
-          <a:effectRef idx="0"/>
-          <a:fontRef idx="minor"/>
-        </p:style>
-      </p:sp>
-      <p:sp>
-        <p:nvSpPr>
-          <p:cNvPr id="4" name="PlaceHolder 5"/>
+          <p:cNvPr id="1" name="PlaceHolder 2"/>
           <p:cNvSpPr>
             <a:spLocks noGrp="1"/>
           </p:cNvSpPr>
@@ -3010,7 +2741,7 @@
         <p:spPr>
           <a:xfrm>
             <a:off x="360000" y="360000"/>
-            <a:ext cx="9360000" cy="900000"/>
+            <a:ext cx="9359640" cy="899640"/>
           </a:xfrm>
           <a:prstGeom prst="rect">
             <a:avLst/>
@@ -3020,26 +2751,20 @@
           <a:bodyPr lIns="0" rIns="0" tIns="0" bIns="0" anchor="b"/>
           <a:p>
             <a:r>
-              <a:rPr b="1" lang="en-US" sz="3200" spc="-1" strike="noStrike">
-                <a:solidFill>
-                  <a:srgbClr val="ffffff"/>
-                </a:solidFill>
-                <a:latin typeface="Source Sans Pro Black"/>
+              <a:rPr b="0" lang="en-US" sz="1800" spc="-1" strike="noStrike">
+                <a:latin typeface="Arial"/>
               </a:rPr>
               <a:t>Click to edit the title text format</a:t>
             </a:r>
-            <a:endParaRPr b="1" lang="en-US" sz="3200" spc="-1" strike="noStrike">
-              <a:solidFill>
-                <a:srgbClr val="ffffff"/>
-              </a:solidFill>
-              <a:latin typeface="Source Sans Pro Black"/>
-            </a:endParaRPr>
-          </a:p>
-        </p:txBody>
-      </p:sp>
-      <p:sp>
-        <p:nvSpPr>
-          <p:cNvPr id="5" name="PlaceHolder 6"/>
+            <a:endParaRPr b="0" lang="en-US" sz="1800" spc="-1" strike="noStrike">
+              <a:latin typeface="Arial"/>
+            </a:endParaRPr>
+          </a:p>
+        </p:txBody>
+      </p:sp>
+      <p:sp>
+        <p:nvSpPr>
+          <p:cNvPr id="2" name="PlaceHolder 3"/>
           <p:cNvSpPr>
             <a:spLocks noGrp="1"/>
           </p:cNvSpPr>
@@ -3049,8 +2774,8 @@
         </p:nvSpPr>
         <p:spPr>
           <a:xfrm>
-            <a:off x="360000" y="1980000"/>
-            <a:ext cx="9180000" cy="4680000"/>
+            <a:off x="504000" y="1768680"/>
+            <a:ext cx="9072000" cy="4384080"/>
           </a:xfrm>
           <a:prstGeom prst="rect">
             <a:avLst/>
@@ -3061,280 +2786,157 @@
             <a:normAutofit/>
           </a:bodyPr>
           <a:p>
-            <a:pPr>
-              <a:spcAft>
-                <a:spcPts val="1142"/>
-              </a:spcAft>
+            <a:pPr marL="432000" indent="-324000">
+              <a:spcBef>
+                <a:spcPts val="1417"/>
+              </a:spcBef>
+              <a:buClr>
+                <a:srgbClr val="000000"/>
+              </a:buClr>
+              <a:buSzPct val="45000"/>
+              <a:buFont typeface="Wingdings" charset="2"/>
+              <a:buChar char=""/>
             </a:pPr>
             <a:r>
-              <a:rPr b="1" lang="en-US" sz="2600" spc="-1" strike="noStrike">
-                <a:solidFill>
-                  <a:srgbClr val="1c1c1c"/>
-                </a:solidFill>
-                <a:latin typeface="Source Sans Pro Semibold"/>
+              <a:rPr b="0" lang="en-US" sz="3200" spc="-1" strike="noStrike">
+                <a:latin typeface="Arial"/>
               </a:rPr>
               <a:t>Click to edit the outline text format</a:t>
             </a:r>
-            <a:endParaRPr b="1" lang="en-US" sz="2600" spc="-1" strike="noStrike">
-              <a:solidFill>
-                <a:srgbClr val="1c1c1c"/>
-              </a:solidFill>
-              <a:latin typeface="Source Sans Pro Semibold"/>
-            </a:endParaRPr>
-          </a:p>
-          <a:p>
-            <a:pPr lvl="1" marL="288000">
-              <a:spcAft>
+            <a:endParaRPr b="0" lang="en-US" sz="3200" spc="-1" strike="noStrike">
+              <a:latin typeface="Arial"/>
+            </a:endParaRPr>
+          </a:p>
+          <a:p>
+            <a:pPr lvl="1" marL="864000" indent="-324000">
+              <a:spcBef>
                 <a:spcPts val="1134"/>
-              </a:spcAft>
+              </a:spcBef>
+              <a:buClr>
+                <a:srgbClr val="000000"/>
+              </a:buClr>
+              <a:buSzPct val="75000"/>
+              <a:buFont typeface="Symbol" charset="2"/>
+              <a:buChar char=""/>
             </a:pPr>
             <a:r>
-              <a:rPr b="0" lang="en-US" sz="2200" spc="-1" strike="noStrike">
-                <a:solidFill>
-                  <a:srgbClr val="1c1c1c"/>
-                </a:solidFill>
-                <a:latin typeface="Source Sans Pro Light"/>
+              <a:rPr b="0" lang="en-US" sz="2800" spc="-1" strike="noStrike">
+                <a:latin typeface="Arial"/>
               </a:rPr>
               <a:t>Second Outline Level</a:t>
             </a:r>
-            <a:endParaRPr b="0" lang="en-US" sz="2200" spc="-1" strike="noStrike">
-              <a:solidFill>
-                <a:srgbClr val="1c1c1c"/>
-              </a:solidFill>
-              <a:latin typeface="Source Sans Pro Light"/>
-            </a:endParaRPr>
-          </a:p>
-          <a:p>
-            <a:pPr lvl="2" marL="576000">
-              <a:spcAft>
+            <a:endParaRPr b="0" lang="en-US" sz="2800" spc="-1" strike="noStrike">
+              <a:latin typeface="Arial"/>
+            </a:endParaRPr>
+          </a:p>
+          <a:p>
+            <a:pPr lvl="2" marL="1296000" indent="-288000">
+              <a:spcBef>
                 <a:spcPts val="850"/>
-              </a:spcAft>
+              </a:spcBef>
+              <a:buClr>
+                <a:srgbClr val="000000"/>
+              </a:buClr>
+              <a:buSzPct val="45000"/>
+              <a:buFont typeface="Wingdings" charset="2"/>
+              <a:buChar char=""/>
             </a:pPr>
             <a:r>
-              <a:rPr b="0" lang="en-US" sz="1800" spc="-1" strike="noStrike">
-                <a:solidFill>
-                  <a:srgbClr val="1c1c1c"/>
-                </a:solidFill>
-                <a:latin typeface="Source Sans Pro Light"/>
+              <a:rPr b="0" lang="en-US" sz="2400" spc="-1" strike="noStrike">
+                <a:latin typeface="Arial"/>
               </a:rPr>
               <a:t>Third Outline Level</a:t>
             </a:r>
-            <a:endParaRPr b="0" lang="en-US" sz="1800" spc="-1" strike="noStrike">
-              <a:solidFill>
-                <a:srgbClr val="1c1c1c"/>
-              </a:solidFill>
-              <a:latin typeface="Source Sans Pro Light"/>
-            </a:endParaRPr>
-          </a:p>
-          <a:p>
-            <a:pPr lvl="3" marL="864000">
-              <a:spcAft>
+            <a:endParaRPr b="0" lang="en-US" sz="2400" spc="-1" strike="noStrike">
+              <a:latin typeface="Arial"/>
+            </a:endParaRPr>
+          </a:p>
+          <a:p>
+            <a:pPr lvl="3" marL="1728000" indent="-216000">
+              <a:spcBef>
                 <a:spcPts val="567"/>
-              </a:spcAft>
+              </a:spcBef>
+              <a:buClr>
+                <a:srgbClr val="000000"/>
+              </a:buClr>
+              <a:buSzPct val="75000"/>
+              <a:buFont typeface="Symbol" charset="2"/>
+              <a:buChar char=""/>
             </a:pPr>
             <a:r>
-              <a:rPr b="0" lang="en-US" sz="1600" spc="-1" strike="noStrike">
-                <a:solidFill>
-                  <a:srgbClr val="1c1c1c"/>
-                </a:solidFill>
-                <a:latin typeface="Source Sans Pro Light"/>
+              <a:rPr b="0" lang="en-US" sz="2000" spc="-1" strike="noStrike">
+                <a:latin typeface="Arial"/>
               </a:rPr>
               <a:t>Fourth Outline Level</a:t>
             </a:r>
-            <a:endParaRPr b="0" lang="en-US" sz="1600" spc="-1" strike="noStrike">
-              <a:solidFill>
-                <a:srgbClr val="1c1c1c"/>
-              </a:solidFill>
-              <a:latin typeface="Source Sans Pro Light"/>
-            </a:endParaRPr>
-          </a:p>
-          <a:p>
-            <a:pPr lvl="4" marL="1152000">
-              <a:spcAft>
+            <a:endParaRPr b="0" lang="en-US" sz="2000" spc="-1" strike="noStrike">
+              <a:latin typeface="Arial"/>
+            </a:endParaRPr>
+          </a:p>
+          <a:p>
+            <a:pPr lvl="4" marL="2160000" indent="-216000">
+              <a:spcBef>
                 <a:spcPts val="283"/>
-              </a:spcAft>
+              </a:spcBef>
+              <a:buClr>
+                <a:srgbClr val="000000"/>
+              </a:buClr>
+              <a:buSzPct val="45000"/>
+              <a:buFont typeface="Wingdings" charset="2"/>
+              <a:buChar char=""/>
             </a:pPr>
             <a:r>
-              <a:rPr b="0" lang="en-US" sz="1600" spc="-1" strike="noStrike">
-                <a:solidFill>
-                  <a:srgbClr val="1c1c1c"/>
-                </a:solidFill>
-                <a:latin typeface="Source Sans Pro Light"/>
+              <a:rPr b="0" lang="en-US" sz="2000" spc="-1" strike="noStrike">
+                <a:latin typeface="Arial"/>
               </a:rPr>
               <a:t>Fifth Outline Level</a:t>
             </a:r>
-            <a:endParaRPr b="0" lang="en-US" sz="1600" spc="-1" strike="noStrike">
-              <a:solidFill>
-                <a:srgbClr val="1c1c1c"/>
-              </a:solidFill>
-              <a:latin typeface="Source Sans Pro Light"/>
-            </a:endParaRPr>
-          </a:p>
-          <a:p>
-            <a:pPr lvl="5" marL="1440000">
-              <a:spcAft>
+            <a:endParaRPr b="0" lang="en-US" sz="2000" spc="-1" strike="noStrike">
+              <a:latin typeface="Arial"/>
+            </a:endParaRPr>
+          </a:p>
+          <a:p>
+            <a:pPr lvl="5" marL="2592000" indent="-216000">
+              <a:spcBef>
                 <a:spcPts val="283"/>
-              </a:spcAft>
+              </a:spcBef>
+              <a:buClr>
+                <a:srgbClr val="000000"/>
+              </a:buClr>
+              <a:buSzPct val="45000"/>
+              <a:buFont typeface="Wingdings" charset="2"/>
+              <a:buChar char=""/>
             </a:pPr>
             <a:r>
-              <a:rPr b="0" lang="en-US" sz="1600" spc="-1" strike="noStrike">
-                <a:solidFill>
-                  <a:srgbClr val="1c1c1c"/>
-                </a:solidFill>
-                <a:latin typeface="Source Sans Pro Light"/>
+              <a:rPr b="0" lang="en-US" sz="2000" spc="-1" strike="noStrike">
+                <a:latin typeface="Arial"/>
               </a:rPr>
               <a:t>Sixth Outline Level</a:t>
             </a:r>
-            <a:endParaRPr b="0" lang="en-US" sz="1600" spc="-1" strike="noStrike">
-              <a:solidFill>
-                <a:srgbClr val="1c1c1c"/>
-              </a:solidFill>
-              <a:latin typeface="Source Sans Pro Light"/>
-            </a:endParaRPr>
-          </a:p>
-          <a:p>
-            <a:pPr lvl="6" marL="1728000">
-              <a:spcAft>
+            <a:endParaRPr b="0" lang="en-US" sz="2000" spc="-1" strike="noStrike">
+              <a:latin typeface="Arial"/>
+            </a:endParaRPr>
+          </a:p>
+          <a:p>
+            <a:pPr lvl="6" marL="3024000" indent="-216000">
+              <a:spcBef>
                 <a:spcPts val="283"/>
-              </a:spcAft>
+              </a:spcBef>
+              <a:buClr>
+                <a:srgbClr val="000000"/>
+              </a:buClr>
+              <a:buSzPct val="45000"/>
+              <a:buFont typeface="Wingdings" charset="2"/>
+              <a:buChar char=""/>
             </a:pPr>
             <a:r>
-              <a:rPr b="0" lang="en-US" sz="1600" spc="-1" strike="noStrike">
-                <a:solidFill>
-                  <a:srgbClr val="1c1c1c"/>
-                </a:solidFill>
-                <a:latin typeface="Source Sans Pro Light"/>
+              <a:rPr b="0" lang="en-US" sz="2000" spc="-1" strike="noStrike">
+                <a:latin typeface="Arial"/>
               </a:rPr>
               <a:t>Seventh Outline Level</a:t>
             </a:r>
-            <a:endParaRPr b="0" lang="en-US" sz="1600" spc="-1" strike="noStrike">
-              <a:solidFill>
-                <a:srgbClr val="1c1c1c"/>
-              </a:solidFill>
-              <a:latin typeface="Source Sans Pro Light"/>
-            </a:endParaRPr>
-          </a:p>
-        </p:txBody>
-      </p:sp>
-      <p:sp>
-        <p:nvSpPr>
-          <p:cNvPr id="6" name="PlaceHolder 7"/>
-          <p:cNvSpPr>
-            <a:spLocks noGrp="1"/>
-          </p:cNvSpPr>
-          <p:nvPr>
-            <p:ph type="dt"/>
-          </p:nvPr>
-        </p:nvSpPr>
-        <p:spPr>
-          <a:xfrm>
-            <a:off x="7560000" y="6840000"/>
-            <a:ext cx="2340000" cy="521640"/>
-          </a:xfrm>
-          <a:prstGeom prst="rect">
-            <a:avLst/>
-          </a:prstGeom>
-        </p:spPr>
-        <p:txBody>
-          <a:bodyPr lIns="0" rIns="0" tIns="0" bIns="0" anchor="ctr"/>
-          <a:p>
-            <a:pPr algn="r"/>
-            <a:r>
-              <a:rPr b="1" lang="en-US" sz="1800" spc="-1" strike="noStrike">
-                <a:solidFill>
-                  <a:srgbClr val="ffffff"/>
-                </a:solidFill>
-                <a:latin typeface="Source Sans Pro Black"/>
-              </a:rPr>
-              <a:t>&lt;date/time&gt;</a:t>
-            </a:r>
-            <a:endParaRPr b="1" lang="en-US" sz="1800" spc="-1" strike="noStrike">
-              <a:solidFill>
-                <a:srgbClr val="ffffff"/>
-              </a:solidFill>
-              <a:latin typeface="Source Sans Pro Black"/>
-            </a:endParaRPr>
-          </a:p>
-        </p:txBody>
-      </p:sp>
-      <p:sp>
-        <p:nvSpPr>
-          <p:cNvPr id="7" name="PlaceHolder 8"/>
-          <p:cNvSpPr>
-            <a:spLocks noGrp="1"/>
-          </p:cNvSpPr>
-          <p:nvPr>
-            <p:ph type="ftr"/>
-          </p:nvPr>
-        </p:nvSpPr>
-        <p:spPr>
-          <a:xfrm>
-            <a:off x="1080000" y="6840000"/>
-            <a:ext cx="3240000" cy="540000"/>
-          </a:xfrm>
-          <a:prstGeom prst="rect">
-            <a:avLst/>
-          </a:prstGeom>
-        </p:spPr>
-        <p:txBody>
-          <a:bodyPr lIns="0" rIns="0" tIns="0" bIns="0" anchor="ctr"/>
-          <a:p>
-            <a:pPr algn="ctr"/>
-            <a:r>
-              <a:rPr b="1" lang="en-US" sz="1800" spc="-1" strike="noStrike">
-                <a:solidFill>
-                  <a:srgbClr val="ffffff"/>
-                </a:solidFill>
-                <a:latin typeface="Source Sans Pro Black"/>
-              </a:rPr>
-              <a:t>&lt;footer&gt;</a:t>
-            </a:r>
-            <a:endParaRPr b="1" lang="en-US" sz="1800" spc="-1" strike="noStrike">
-              <a:solidFill>
-                <a:srgbClr val="ffffff"/>
-              </a:solidFill>
-              <a:latin typeface="Source Sans Pro Black"/>
-            </a:endParaRPr>
-          </a:p>
-        </p:txBody>
-      </p:sp>
-      <p:sp>
-        <p:nvSpPr>
-          <p:cNvPr id="8" name="PlaceHolder 9"/>
-          <p:cNvSpPr>
-            <a:spLocks noGrp="1"/>
-          </p:cNvSpPr>
-          <p:nvPr>
-            <p:ph type="sldNum"/>
-          </p:nvPr>
-        </p:nvSpPr>
-        <p:spPr>
-          <a:xfrm>
-            <a:off x="180000" y="6840000"/>
-            <a:ext cx="540000" cy="540000"/>
-          </a:xfrm>
-          <a:prstGeom prst="rect">
-            <a:avLst/>
-          </a:prstGeom>
-        </p:spPr>
-        <p:txBody>
-          <a:bodyPr lIns="0" rIns="0" tIns="0" bIns="0" anchor="ctr"/>
-          <a:p>
-            <a:pPr algn="ctr"/>
-            <a:fld id="{D33B86C1-C29A-4BFB-B12F-8CC400366CE1}" type="slidenum">
-              <a:rPr b="1" lang="en-US" sz="1800" spc="-1" strike="noStrike">
-                <a:solidFill>
-                  <a:srgbClr val="ffffff"/>
-                </a:solidFill>
-                <a:latin typeface="Source Sans Pro Black"/>
-              </a:rPr>
-              <a:t>&lt;number&gt;</a:t>
-            </a:fld>
-            <a:endParaRPr b="1" lang="en-US" sz="1800" spc="-1" strike="noStrike">
-              <a:solidFill>
-                <a:srgbClr val="ffffff"/>
-              </a:solidFill>
-              <a:latin typeface="Source Sans Pro Black"/>
+            <a:endParaRPr b="0" lang="en-US" sz="2000" spc="-1" strike="noStrike">
+              <a:latin typeface="Arial"/>
             </a:endParaRPr>
           </a:p>
         </p:txBody>
@@ -3378,14 +2980,14 @@
       </p:grpSpPr>
       <p:sp>
         <p:nvSpPr>
-          <p:cNvPr id="45" name="CustomShape 1"/>
+          <p:cNvPr id="39" name="CustomShape 1"/>
           <p:cNvSpPr/>
           <p:nvPr/>
         </p:nvSpPr>
         <p:spPr>
           <a:xfrm>
-            <a:off x="0" y="3150000"/>
-            <a:ext cx="9720000" cy="1260000"/>
+            <a:off x="0" y="180000"/>
+            <a:ext cx="9719640" cy="1259640"/>
           </a:xfrm>
           <a:prstGeom prst="rect">
             <a:avLst/>
@@ -3393,7 +2995,7 @@
           <a:solidFill>
             <a:srgbClr val="e74c3c"/>
           </a:solidFill>
-          <a:ln>
+          <a:ln w="72000">
             <a:noFill/>
           </a:ln>
         </p:spPr>
@@ -3406,7 +3008,89 @@
       </p:sp>
       <p:sp>
         <p:nvSpPr>
-          <p:cNvPr id="46" name="PlaceHolder 2"/>
+          <p:cNvPr id="40" name="CustomShape 2"/>
+          <p:cNvSpPr/>
+          <p:nvPr/>
+        </p:nvSpPr>
+        <p:spPr>
+          <a:xfrm>
+            <a:off x="7560000" y="6840000"/>
+            <a:ext cx="2519640" cy="539640"/>
+          </a:xfrm>
+          <a:prstGeom prst="rect">
+            <a:avLst/>
+          </a:prstGeom>
+          <a:solidFill>
+            <a:srgbClr val="e74c3c"/>
+          </a:solidFill>
+          <a:ln w="72000">
+            <a:noFill/>
+          </a:ln>
+        </p:spPr>
+        <p:style>
+          <a:lnRef idx="0"/>
+          <a:fillRef idx="0"/>
+          <a:effectRef idx="0"/>
+          <a:fontRef idx="minor"/>
+        </p:style>
+      </p:sp>
+      <p:sp>
+        <p:nvSpPr>
+          <p:cNvPr id="41" name="CustomShape 3"/>
+          <p:cNvSpPr/>
+          <p:nvPr/>
+        </p:nvSpPr>
+        <p:spPr>
+          <a:xfrm>
+            <a:off x="900000" y="6840000"/>
+            <a:ext cx="6479640" cy="539640"/>
+          </a:xfrm>
+          <a:prstGeom prst="rect">
+            <a:avLst/>
+          </a:prstGeom>
+          <a:solidFill>
+            <a:srgbClr val="bdc3c7"/>
+          </a:solidFill>
+          <a:ln w="72000">
+            <a:noFill/>
+          </a:ln>
+        </p:spPr>
+        <p:style>
+          <a:lnRef idx="0"/>
+          <a:fillRef idx="0"/>
+          <a:effectRef idx="0"/>
+          <a:fontRef idx="minor"/>
+        </p:style>
+      </p:sp>
+      <p:sp>
+        <p:nvSpPr>
+          <p:cNvPr id="42" name="CustomShape 4"/>
+          <p:cNvSpPr/>
+          <p:nvPr/>
+        </p:nvSpPr>
+        <p:spPr>
+          <a:xfrm>
+            <a:off x="180000" y="6840000"/>
+            <a:ext cx="539640" cy="539640"/>
+          </a:xfrm>
+          <a:prstGeom prst="rect">
+            <a:avLst/>
+          </a:prstGeom>
+          <a:noFill/>
+          <a:ln w="72000">
+            <a:noFill/>
+          </a:ln>
+        </p:spPr>
+        <p:style>
+          <a:lnRef idx="0"/>
+          <a:fillRef idx="0"/>
+          <a:effectRef idx="0"/>
+          <a:fontRef idx="minor"/>
+        </p:style>
+      </p:sp>
+      <p:sp>
+        <p:nvSpPr>
+          <p:cNvPr id="43" name="PlaceHolder 5"/>
           <p:cNvSpPr>
             <a:spLocks noGrp="1"/>
           </p:cNvSpPr>
@@ -3416,8 +3100,8 @@
         </p:nvSpPr>
         <p:spPr>
           <a:xfrm>
-            <a:off x="360000" y="3330000"/>
-            <a:ext cx="9360000" cy="900000"/>
+            <a:off x="360000" y="360000"/>
+            <a:ext cx="9359640" cy="899640"/>
           </a:xfrm>
           <a:prstGeom prst="rect">
             <a:avLst/>
@@ -3427,26 +3111,56 @@
           <a:bodyPr lIns="0" rIns="0" tIns="0" bIns="0" anchor="b"/>
           <a:p>
             <a:r>
-              <a:rPr b="1" lang="en-US" sz="3200" spc="-1" strike="noStrike">
-                <a:solidFill>
-                  <a:srgbClr val="ffffff"/>
-                </a:solidFill>
-                <a:latin typeface="Source Sans Pro Black"/>
-              </a:rPr>
-              <a:t>Click to edit the title text format</a:t>
-            </a:r>
-            <a:endParaRPr b="1" lang="en-US" sz="3200" spc="-1" strike="noStrike">
-              <a:solidFill>
-                <a:srgbClr val="ffffff"/>
-              </a:solidFill>
-              <a:latin typeface="Source Sans Pro Black"/>
-            </a:endParaRPr>
-          </a:p>
-        </p:txBody>
-      </p:sp>
-      <p:sp>
-        <p:nvSpPr>
-          <p:cNvPr id="47" name="PlaceHolder 3"/>
+              <a:rPr b="0" lang="en-US" sz="1800" spc="-1" strike="noStrike">
+                <a:latin typeface="Arial"/>
+              </a:rPr>
+              <a:t>Click </a:t>
+            </a:r>
+            <a:r>
+              <a:rPr b="0" lang="en-US" sz="1800" spc="-1" strike="noStrike">
+                <a:latin typeface="Arial"/>
+              </a:rPr>
+              <a:t>to edit </a:t>
+            </a:r>
+            <a:r>
+              <a:rPr b="0" lang="en-US" sz="1800" spc="-1" strike="noStrike">
+                <a:latin typeface="Arial"/>
+              </a:rPr>
+              <a:t>the </a:t>
+            </a:r>
+            <a:r>
+              <a:rPr b="0" lang="en-US" sz="1800" spc="-1" strike="noStrike">
+                <a:latin typeface="Arial"/>
+              </a:rPr>
+              <a:t>title </a:t>
+            </a:r>
+            <a:r>
+              <a:rPr b="0" lang="en-US" sz="1800" spc="-1" strike="noStrike">
+                <a:latin typeface="Arial"/>
+              </a:rPr>
+              <a:t>text </a:t>
+            </a:r>
+            <a:r>
+              <a:rPr b="0" lang="en-US" sz="1800" spc="-1" strike="noStrike">
+                <a:latin typeface="Arial"/>
+              </a:rPr>
+              <a:t>forma</a:t>
+            </a:r>
+            <a:r>
+              <a:rPr b="0" lang="en-US" sz="1800" spc="-1" strike="noStrike">
+                <a:latin typeface="Arial"/>
+              </a:rPr>
+              <a:t>t</a:t>
+            </a:r>
+            <a:endParaRPr b="0" lang="en-US" sz="1800" spc="-1" strike="noStrike">
+              <a:latin typeface="Arial"/>
+            </a:endParaRPr>
+          </a:p>
+        </p:txBody>
+      </p:sp>
+      <p:sp>
+        <p:nvSpPr>
+          <p:cNvPr id="44" name="PlaceHolder 6"/>
           <p:cNvSpPr>
             <a:spLocks noGrp="1"/>
           </p:cNvSpPr>
@@ -3456,8 +3170,8 @@
         </p:nvSpPr>
         <p:spPr>
           <a:xfrm>
-            <a:off x="540000" y="4680000"/>
-            <a:ext cx="9180000" cy="2520000"/>
+            <a:off x="360000" y="1980000"/>
+            <a:ext cx="9179640" cy="4679640"/>
           </a:xfrm>
           <a:prstGeom prst="rect">
             <a:avLst/>
@@ -3468,279 +3182,157 @@
             <a:normAutofit/>
           </a:bodyPr>
           <a:p>
-            <a:pPr>
-              <a:spcAft>
-                <a:spcPts val="1142"/>
-              </a:spcAft>
+            <a:pPr marL="432000" indent="-324000">
+              <a:spcBef>
+                <a:spcPts val="1417"/>
+              </a:spcBef>
+              <a:buClr>
+                <a:srgbClr val="000000"/>
+              </a:buClr>
+              <a:buSzPct val="45000"/>
+              <a:buFont typeface="Wingdings" charset="2"/>
+              <a:buChar char=""/>
             </a:pPr>
             <a:r>
-              <a:rPr b="1" lang="en-US" sz="2600" spc="-1" strike="noStrike">
-                <a:solidFill>
-                  <a:srgbClr val="1c1c1c"/>
-                </a:solidFill>
-                <a:latin typeface="Source Sans Pro Semibold"/>
+              <a:rPr b="0" lang="en-US" sz="1800" spc="-1" strike="noStrike">
+                <a:latin typeface="Arial"/>
               </a:rPr>
               <a:t>Click to edit the outline text format</a:t>
             </a:r>
-            <a:endParaRPr b="1" lang="en-US" sz="2600" spc="-1" strike="noStrike">
-              <a:solidFill>
-                <a:srgbClr val="1c1c1c"/>
-              </a:solidFill>
-              <a:latin typeface="Source Sans Pro Semibold"/>
-            </a:endParaRPr>
-          </a:p>
-          <a:p>
-            <a:pPr lvl="1" marL="288000">
-              <a:spcAft>
-                <a:spcPts val="1131"/>
-              </a:spcAft>
+            <a:endParaRPr b="0" lang="en-US" sz="1800" spc="-1" strike="noStrike">
+              <a:latin typeface="Arial"/>
+            </a:endParaRPr>
+          </a:p>
+          <a:p>
+            <a:pPr lvl="1" marL="864000" indent="-324000">
+              <a:spcBef>
+                <a:spcPts val="1134"/>
+              </a:spcBef>
+              <a:buClr>
+                <a:srgbClr val="000000"/>
+              </a:buClr>
+              <a:buSzPct val="75000"/>
+              <a:buFont typeface="Symbol" charset="2"/>
+              <a:buChar char=""/>
             </a:pPr>
             <a:r>
-              <a:rPr b="0" lang="en-US" sz="2200" spc="-1" strike="noStrike">
-                <a:solidFill>
-                  <a:srgbClr val="1c1c1c"/>
-                </a:solidFill>
-                <a:latin typeface="Source Sans Pro Light"/>
+              <a:rPr b="0" lang="en-US" sz="1800" spc="-1" strike="noStrike">
+                <a:latin typeface="Arial"/>
               </a:rPr>
               <a:t>Second Outline Level</a:t>
             </a:r>
-            <a:endParaRPr b="0" lang="en-US" sz="2200" spc="-1" strike="noStrike">
-              <a:solidFill>
-                <a:srgbClr val="1c1c1c"/>
-              </a:solidFill>
-              <a:latin typeface="Source Sans Pro Light"/>
-            </a:endParaRPr>
-          </a:p>
-          <a:p>
-            <a:pPr lvl="2" marL="576000">
-              <a:spcAft>
+            <a:endParaRPr b="0" lang="en-US" sz="1800" spc="-1" strike="noStrike">
+              <a:latin typeface="Arial"/>
+            </a:endParaRPr>
+          </a:p>
+          <a:p>
+            <a:pPr lvl="2" marL="1296000" indent="-288000">
+              <a:spcBef>
                 <a:spcPts val="850"/>
-              </a:spcAft>
+              </a:spcBef>
+              <a:buClr>
+                <a:srgbClr val="000000"/>
+              </a:buClr>
+              <a:buSzPct val="45000"/>
+              <a:buFont typeface="Wingdings" charset="2"/>
+              <a:buChar char=""/>
             </a:pPr>
             <a:r>
               <a:rPr b="0" lang="en-US" sz="1800" spc="-1" strike="noStrike">
-                <a:solidFill>
-                  <a:srgbClr val="1c1c1c"/>
-                </a:solidFill>
-                <a:latin typeface="Source Sans Pro Light"/>
+                <a:latin typeface="Arial"/>
               </a:rPr>
               <a:t>Third Outline Level</a:t>
             </a:r>
             <a:endParaRPr b="0" lang="en-US" sz="1800" spc="-1" strike="noStrike">
-              <a:solidFill>
-                <a:srgbClr val="1c1c1c"/>
-              </a:solidFill>
-              <a:latin typeface="Source Sans Pro Light"/>
-            </a:endParaRPr>
-          </a:p>
-          <a:p>
-            <a:pPr lvl="3" marL="864000">
-              <a:spcAft>
+              <a:latin typeface="Arial"/>
+            </a:endParaRPr>
+          </a:p>
+          <a:p>
+            <a:pPr lvl="3" marL="1728000" indent="-216000">
+              <a:spcBef>
                 <a:spcPts val="567"/>
-              </a:spcAft>
+              </a:spcBef>
+              <a:buClr>
+                <a:srgbClr val="000000"/>
+              </a:buClr>
+              <a:buSzPct val="75000"/>
+              <a:buFont typeface="Symbol" charset="2"/>
+              <a:buChar char=""/>
             </a:pPr>
             <a:r>
-              <a:rPr b="0" lang="en-US" sz="1600" spc="-1" strike="noStrike">
-                <a:solidFill>
-                  <a:srgbClr val="1c1c1c"/>
-                </a:solidFill>
-                <a:latin typeface="Source Sans Pro Light"/>
+              <a:rPr b="0" lang="en-US" sz="1800" spc="-1" strike="noStrike">
+                <a:latin typeface="Arial"/>
               </a:rPr>
               <a:t>Fourth Outline Level</a:t>
             </a:r>
-            <a:endParaRPr b="0" lang="en-US" sz="1600" spc="-1" strike="noStrike">
-              <a:solidFill>
-                <a:srgbClr val="1c1c1c"/>
-              </a:solidFill>
-              <a:latin typeface="Source Sans Pro Light"/>
-            </a:endParaRPr>
-          </a:p>
-          <a:p>
-            <a:pPr lvl="4" marL="1152000">
-              <a:spcAft>
+            <a:endParaRPr b="0" lang="en-US" sz="1800" spc="-1" strike="noStrike">
+              <a:latin typeface="Arial"/>
+            </a:endParaRPr>
+          </a:p>
+          <a:p>
+            <a:pPr lvl="4" marL="2160000" indent="-216000">
+              <a:spcBef>
                 <a:spcPts val="283"/>
-              </a:spcAft>
+              </a:spcBef>
+              <a:buClr>
+                <a:srgbClr val="000000"/>
+              </a:buClr>
+              <a:buSzPct val="45000"/>
+              <a:buFont typeface="Wingdings" charset="2"/>
+              <a:buChar char=""/>
             </a:pPr>
             <a:r>
-              <a:rPr b="0" lang="en-US" sz="1600" spc="-1" strike="noStrike">
-                <a:solidFill>
-                  <a:srgbClr val="1c1c1c"/>
-                </a:solidFill>
-                <a:latin typeface="Source Sans Pro Light"/>
+              <a:rPr b="0" lang="en-US" sz="1800" spc="-1" strike="noStrike">
+                <a:latin typeface="Arial"/>
               </a:rPr>
               <a:t>Fifth Outline Level</a:t>
             </a:r>
-            <a:endParaRPr b="0" lang="en-US" sz="1600" spc="-1" strike="noStrike">
-              <a:solidFill>
-                <a:srgbClr val="1c1c1c"/>
-              </a:solidFill>
-              <a:latin typeface="Source Sans Pro Light"/>
-            </a:endParaRPr>
-          </a:p>
-          <a:p>
-            <a:pPr lvl="5" marL="1440000">
-              <a:spcAft>
+            <a:endParaRPr b="0" lang="en-US" sz="1800" spc="-1" strike="noStrike">
+              <a:latin typeface="Arial"/>
+            </a:endParaRPr>
+          </a:p>
+          <a:p>
+            <a:pPr lvl="5" marL="2592000" indent="-216000">
+              <a:spcBef>
                 <a:spcPts val="283"/>
-              </a:spcAft>
+              </a:spcBef>
+              <a:buClr>
+                <a:srgbClr val="000000"/>
+              </a:buClr>
+              <a:buSzPct val="45000"/>
+              <a:buFont typeface="Wingdings" charset="2"/>
+              <a:buChar char=""/>
             </a:pPr>
             <a:r>
-              <a:rPr b="0" lang="en-US" sz="1600" spc="-1" strike="noStrike">
-                <a:solidFill>
-                  <a:srgbClr val="1c1c1c"/>
-                </a:solidFill>
-                <a:latin typeface="Source Sans Pro Light"/>
+              <a:rPr b="0" lang="en-US" sz="1800" spc="-1" strike="noStrike">
+                <a:latin typeface="Arial"/>
               </a:rPr>
               <a:t>Sixth Outline Level</a:t>
             </a:r>
-            <a:endParaRPr b="0" lang="en-US" sz="1600" spc="-1" strike="noStrike">
-              <a:solidFill>
-                <a:srgbClr val="1c1c1c"/>
-              </a:solidFill>
-              <a:latin typeface="Source Sans Pro Light"/>
-            </a:endParaRPr>
-          </a:p>
-          <a:p>
-            <a:pPr lvl="6" marL="1728000">
-              <a:spcAft>
+            <a:endParaRPr b="0" lang="en-US" sz="1800" spc="-1" strike="noStrike">
+              <a:latin typeface="Arial"/>
+            </a:endParaRPr>
+          </a:p>
+          <a:p>
+            <a:pPr lvl="6" marL="3024000" indent="-216000">
+              <a:spcBef>
                 <a:spcPts val="283"/>
-              </a:spcAft>
+              </a:spcBef>
+              <a:buClr>
+                <a:srgbClr val="000000"/>
+              </a:buClr>
+              <a:buSzPct val="45000"/>
+              <a:buFont typeface="Wingdings" charset="2"/>
+              <a:buChar char=""/>
             </a:pPr>
             <a:r>
-              <a:rPr b="0" lang="en-US" sz="1600" spc="-1" strike="noStrike">
-                <a:solidFill>
-                  <a:srgbClr val="1c1c1c"/>
-                </a:solidFill>
-                <a:latin typeface="Source Sans Pro Light"/>
+              <a:rPr b="0" lang="en-US" sz="1800" spc="-1" strike="noStrike">
+                <a:latin typeface="Arial"/>
               </a:rPr>
               <a:t>Seventh Outline Level</a:t>
             </a:r>
-            <a:endParaRPr b="0" lang="en-US" sz="1600" spc="-1" strike="noStrike">
-              <a:solidFill>
-                <a:srgbClr val="1c1c1c"/>
-              </a:solidFill>
-              <a:latin typeface="Source Sans Pro Light"/>
-            </a:endParaRPr>
-          </a:p>
-        </p:txBody>
-      </p:sp>
-      <p:sp>
-        <p:nvSpPr>
-          <p:cNvPr id="48" name="PlaceHolder 4"/>
-          <p:cNvSpPr>
-            <a:spLocks noGrp="1"/>
-          </p:cNvSpPr>
-          <p:nvPr>
-            <p:ph type="dt"/>
-          </p:nvPr>
-        </p:nvSpPr>
-        <p:spPr>
-          <a:xfrm>
-            <a:off x="7560000" y="6840000"/>
-            <a:ext cx="2340000" cy="540000"/>
-          </a:xfrm>
-          <a:prstGeom prst="rect">
-            <a:avLst/>
-          </a:prstGeom>
-        </p:spPr>
-        <p:txBody>
-          <a:bodyPr lIns="0" rIns="0" tIns="0" bIns="0" anchor="ctr"/>
-          <a:p>
-            <a:r>
-              <a:rPr b="1" lang="en-US" sz="1800" spc="-1" strike="noStrike">
-                <a:solidFill>
-                  <a:srgbClr val="e74c3c"/>
-                </a:solidFill>
-                <a:latin typeface="Source Sans Pro Black"/>
-              </a:rPr>
-              <a:t>&lt;date/time&gt;</a:t>
-            </a:r>
-            <a:endParaRPr b="1" lang="en-US" sz="1800" spc="-1" strike="noStrike">
-              <a:solidFill>
-                <a:srgbClr val="e74c3c"/>
-              </a:solidFill>
-              <a:latin typeface="Source Sans Pro Black"/>
-            </a:endParaRPr>
-          </a:p>
-        </p:txBody>
-      </p:sp>
-      <p:sp>
-        <p:nvSpPr>
-          <p:cNvPr id="49" name="PlaceHolder 5"/>
-          <p:cNvSpPr>
-            <a:spLocks noGrp="1"/>
-          </p:cNvSpPr>
-          <p:nvPr>
-            <p:ph type="ftr"/>
-          </p:nvPr>
-        </p:nvSpPr>
-        <p:spPr>
-          <a:xfrm>
-            <a:off x="1080000" y="6840000"/>
-            <a:ext cx="3240000" cy="540000"/>
-          </a:xfrm>
-          <a:prstGeom prst="rect">
-            <a:avLst/>
-          </a:prstGeom>
-        </p:spPr>
-        <p:txBody>
-          <a:bodyPr lIns="0" rIns="0" tIns="0" bIns="0" anchor="ctr"/>
-          <a:p>
-            <a:pPr algn="ctr"/>
-            <a:r>
-              <a:rPr b="1" lang="en-US" sz="1800" spc="-1" strike="noStrike">
-                <a:solidFill>
-                  <a:srgbClr val="e74c3c"/>
-                </a:solidFill>
-                <a:latin typeface="Source Sans Pro Black"/>
-              </a:rPr>
-              <a:t>&lt;footer&gt;</a:t>
-            </a:r>
-            <a:endParaRPr b="1" lang="en-US" sz="1800" spc="-1" strike="noStrike">
-              <a:solidFill>
-                <a:srgbClr val="e74c3c"/>
-              </a:solidFill>
-              <a:latin typeface="Source Sans Pro Black"/>
-            </a:endParaRPr>
-          </a:p>
-        </p:txBody>
-      </p:sp>
-      <p:sp>
-        <p:nvSpPr>
-          <p:cNvPr id="50" name="PlaceHolder 6"/>
-          <p:cNvSpPr>
-            <a:spLocks noGrp="1"/>
-          </p:cNvSpPr>
-          <p:nvPr>
-            <p:ph type="sldNum"/>
-          </p:nvPr>
-        </p:nvSpPr>
-        <p:spPr>
-          <a:xfrm>
-            <a:off x="180000" y="6840000"/>
-            <a:ext cx="540000" cy="540000"/>
-          </a:xfrm>
-          <a:prstGeom prst="rect">
-            <a:avLst/>
-          </a:prstGeom>
-        </p:spPr>
-        <p:txBody>
-          <a:bodyPr lIns="0" rIns="0" tIns="0" bIns="0"/>
-          <a:p>
-            <a:pPr algn="r"/>
-            <a:fld id="{6DC33BBF-230C-42EB-8F99-183FEE18152B}" type="slidenum">
-              <a:rPr b="1" lang="en-US" sz="1800" spc="-1" strike="noStrike">
-                <a:solidFill>
-                  <a:srgbClr val="e74c3c"/>
-                </a:solidFill>
-                <a:latin typeface="Source Sans Pro Black"/>
-              </a:rPr>
-              <a:t>&lt;number&gt;</a:t>
-            </a:fld>
-            <a:endParaRPr b="1" lang="en-US" sz="1800" spc="-1" strike="noStrike">
-              <a:solidFill>
-                <a:srgbClr val="e74c3c"/>
-              </a:solidFill>
-              <a:latin typeface="Source Sans Pro Black"/>
+            <a:endParaRPr b="0" lang="en-US" sz="1800" spc="-1" strike="noStrike">
+              <a:latin typeface="Arial"/>
             </a:endParaRPr>
           </a:p>
         </p:txBody>
@@ -3784,14 +3376,14 @@
       </p:grpSpPr>
       <p:sp>
         <p:nvSpPr>
-          <p:cNvPr id="87" name="TextShape 1"/>
-          <p:cNvSpPr txBox="1"/>
+          <p:cNvPr id="81" name="CustomShape 1"/>
+          <p:cNvSpPr/>
           <p:nvPr/>
         </p:nvSpPr>
         <p:spPr>
           <a:xfrm>
             <a:off x="360000" y="3330000"/>
-            <a:ext cx="9360000" cy="900000"/>
+            <a:ext cx="9359640" cy="899640"/>
           </a:xfrm>
           <a:prstGeom prst="rect">
             <a:avLst/>
@@ -3801,6 +3393,12 @@
             <a:noFill/>
           </a:ln>
         </p:spPr>
+        <p:style>
+          <a:lnRef idx="0"/>
+          <a:fillRef idx="0"/>
+          <a:effectRef idx="0"/>
+          <a:fontRef idx="minor"/>
+        </p:style>
         <p:txBody>
           <a:bodyPr lIns="0" rIns="0" tIns="0" bIns="0" anchor="b"/>
           <a:p>
@@ -3811,7 +3409,7 @@
                 </a:solidFill>
                 <a:latin typeface="Source Sans Pro Black"/>
               </a:rPr>
-              <a:t>ME 273 Autograder</a:t>
+              <a:t>ME 273 Autograder v4.0.1</a:t>
             </a:r>
             <a:br/>
             <a:r>
@@ -3821,27 +3419,24 @@
                 </a:solidFill>
                 <a:latin typeface="Source Sans Pro Black"/>
               </a:rPr>
-              <a:t>BASIC USER DOCUMENTATION (lvl grasshopper)</a:t>
-            </a:r>
-            <a:endParaRPr b="1" lang="en-US" sz="3200" spc="-1" strike="noStrike">
-              <a:solidFill>
-                <a:srgbClr val="ffffff"/>
-              </a:solidFill>
-              <a:latin typeface="Source Sans Pro Black"/>
-            </a:endParaRPr>
-          </a:p>
-        </p:txBody>
-      </p:sp>
-      <p:sp>
-        <p:nvSpPr>
-          <p:cNvPr id="88" name="TextShape 2"/>
-          <p:cNvSpPr txBox="1"/>
+              <a:t>USER DOCUMENTATION</a:t>
+            </a:r>
+            <a:endParaRPr b="0" lang="en-US" sz="3200" spc="-1" strike="noStrike">
+              <a:latin typeface="Arial"/>
+            </a:endParaRPr>
+          </a:p>
+        </p:txBody>
+      </p:sp>
+      <p:sp>
+        <p:nvSpPr>
+          <p:cNvPr id="82" name="CustomShape 2"/>
+          <p:cNvSpPr/>
           <p:nvPr/>
         </p:nvSpPr>
         <p:spPr>
           <a:xfrm>
             <a:off x="540000" y="4680000"/>
-            <a:ext cx="9180000" cy="2520000"/>
+            <a:ext cx="9179640" cy="2519640"/>
           </a:xfrm>
           <a:prstGeom prst="rect">
             <a:avLst/>
@@ -3851,29 +3446,42 @@
             <a:noFill/>
           </a:ln>
         </p:spPr>
-        <p:txBody>
-          <a:bodyPr lIns="0" rIns="0" tIns="0" bIns="0"/>
-          <a:p>
-            <a:r>
-              <a:rPr b="0" lang="en-US" sz="2200" spc="-1" strike="noStrike">
-                <a:solidFill>
-                  <a:srgbClr val="1c1c1c"/>
-                </a:solidFill>
-                <a:latin typeface="Source Sans Pro Light"/>
-              </a:rPr>
-              <a:t>This Powerpoint presentation should step new users through the basic process of running the ME 273 autograder. The operations described here are geared towards basic TA use.</a:t>
-            </a:r>
-            <a:endParaRPr b="0" lang="en-US" sz="2200" spc="-1" strike="noStrike">
-              <a:solidFill>
-                <a:srgbClr val="1c1c1c"/>
-              </a:solidFill>
-              <a:latin typeface="Source Sans Pro Light"/>
-            </a:endParaRPr>
-          </a:p>
-        </p:txBody>
+        <p:style>
+          <a:lnRef idx="0"/>
+          <a:fillRef idx="0"/>
+          <a:effectRef idx="0"/>
+          <a:fontRef idx="minor"/>
+        </p:style>
       </p:sp>
     </p:spTree>
   </p:cSld>
+  <p:timing>
+    <p:tnLst>
+      <p:par>
+        <p:cTn id="1" dur="indefinite" restart="never" nodeType="tmRoot">
+          <p:childTnLst>
+            <p:seq>
+              <p:cTn id="2" nodeType="mainSeq"/>
+              <p:prevCondLst>
+                <p:cond delay="0" evt="onPrev">
+                  <p:tgtEl>
+                    <p:sldTgt/>
+                  </p:tgtEl>
+                </p:cond>
+              </p:prevCondLst>
+              <p:nextCondLst>
+                <p:cond delay="0" evt="onNext">
+                  <p:tgtEl>
+                    <p:sldTgt/>
+                  </p:tgtEl>
+                </p:cond>
+              </p:nextCondLst>
+            </p:seq>
+          </p:childTnLst>
+        </p:cTn>
+      </p:par>
+    </p:tnLst>
+  </p:timing>
 </p:sld>
 </file>
 
@@ -3896,14 +3504,14 @@
       </p:grpSpPr>
       <p:sp>
         <p:nvSpPr>
-          <p:cNvPr id="89" name="TextShape 1"/>
-          <p:cNvSpPr txBox="1"/>
+          <p:cNvPr id="83" name="CustomShape 1"/>
+          <p:cNvSpPr/>
           <p:nvPr/>
         </p:nvSpPr>
         <p:spPr>
           <a:xfrm>
             <a:off x="360000" y="360000"/>
-            <a:ext cx="9360000" cy="900000"/>
+            <a:ext cx="9359640" cy="899640"/>
           </a:xfrm>
           <a:prstGeom prst="rect">
             <a:avLst/>
@@ -3913,28 +3521,40 @@
             <a:noFill/>
           </a:ln>
         </p:spPr>
+        <p:style>
+          <a:lnRef idx="0"/>
+          <a:fillRef idx="0"/>
+          <a:effectRef idx="0"/>
+          <a:fontRef idx="minor"/>
+        </p:style>
         <p:txBody>
           <a:bodyPr lIns="0" rIns="0" tIns="0" bIns="0" anchor="b"/>
           <a:p>
-            <a:endParaRPr b="1" lang="en-US" sz="3200" spc="-1" strike="noStrike">
-              <a:solidFill>
-                <a:srgbClr val="ffffff"/>
-              </a:solidFill>
-              <a:latin typeface="Source Sans Pro Black"/>
-            </a:endParaRPr>
-          </a:p>
-        </p:txBody>
-      </p:sp>
-      <p:sp>
-        <p:nvSpPr>
-          <p:cNvPr id="90" name="TextShape 2"/>
-          <p:cNvSpPr txBox="1"/>
+            <a:r>
+              <a:rPr b="1" lang="en-US" sz="3200" spc="-1" strike="noStrike">
+                <a:solidFill>
+                  <a:srgbClr val="ffffff"/>
+                </a:solidFill>
+                <a:latin typeface="Source Sans Pro Black"/>
+              </a:rPr>
+              <a:t>Tasks and Skill Levels</a:t>
+            </a:r>
+            <a:endParaRPr b="0" lang="en-US" sz="3200" spc="-1" strike="noStrike">
+              <a:latin typeface="Arial"/>
+            </a:endParaRPr>
+          </a:p>
+        </p:txBody>
+      </p:sp>
+      <p:sp>
+        <p:nvSpPr>
+          <p:cNvPr id="84" name="CustomShape 2"/>
+          <p:cNvSpPr/>
           <p:nvPr/>
         </p:nvSpPr>
         <p:spPr>
           <a:xfrm>
             <a:off x="360000" y="1980000"/>
-            <a:ext cx="9180000" cy="4680000"/>
+            <a:ext cx="9179640" cy="4679640"/>
           </a:xfrm>
           <a:prstGeom prst="rect">
             <a:avLst/>
@@ -3944,22 +3564,4911 @@
             <a:noFill/>
           </a:ln>
         </p:spPr>
-        <p:txBody>
-          <a:bodyPr lIns="0" rIns="0" tIns="0" bIns="0">
-            <a:normAutofit/>
-          </a:bodyPr>
-          <a:p>
-            <a:endParaRPr b="1" lang="en-US" sz="2600" spc="-1" strike="noStrike">
-              <a:solidFill>
-                <a:srgbClr val="1c1c1c"/>
-              </a:solidFill>
-              <a:latin typeface="Source Sans Pro Semibold"/>
-            </a:endParaRPr>
-          </a:p>
-        </p:txBody>
-      </p:sp>
+        <p:style>
+          <a:lnRef idx="0"/>
+          <a:fillRef idx="0"/>
+          <a:effectRef idx="0"/>
+          <a:fontRef idx="minor"/>
+        </p:style>
+      </p:sp>
+      <p:graphicFrame>
+        <p:nvGraphicFramePr>
+          <p:cNvPr id="85" name="Table 3"/>
+          <p:cNvGraphicFramePr/>
+          <p:nvPr/>
+        </p:nvGraphicFramePr>
+        <p:xfrm>
+          <a:off x="148320" y="1634400"/>
+          <a:ext cx="9545760" cy="4856760"/>
+        </p:xfrm>
+        <a:graphic>
+          <a:graphicData uri="http://schemas.openxmlformats.org/drawingml/2006/table">
+            <a:tbl>
+              <a:tblPr/>
+              <a:tblGrid>
+                <a:gridCol w="1519920"/>
+                <a:gridCol w="1540800"/>
+                <a:gridCol w="6485400"/>
+              </a:tblGrid>
+              <a:tr h="432360">
+                <a:tc>
+                  <a:txBody>
+                    <a:bodyPr lIns="90000" rIns="90000" tIns="46800" bIns="46800"/>
+                    <a:p>
+                      <a:r>
+                        <a:rPr b="0" lang="en-US" sz="1800" spc="-1" strike="noStrike">
+                          <a:latin typeface="Arial"/>
+                        </a:rPr>
+                        <a:t>Skill Level</a:t>
+                      </a:r>
+                      <a:endParaRPr b="0" lang="en-US" sz="1800" spc="-1" strike="noStrike">
+                        <a:latin typeface="Arial"/>
+                      </a:endParaRPr>
+                    </a:p>
+                  </a:txBody>
+                  <a:tcPr marL="90000" marR="90000">
+                    <a:lnL w="720">
+                      <a:solidFill>
+                        <a:srgbClr val="ffffff"/>
+                      </a:solidFill>
+                    </a:lnL>
+                    <a:lnR w="720">
+                      <a:solidFill>
+                        <a:srgbClr val="ffffff"/>
+                      </a:solidFill>
+                    </a:lnR>
+                    <a:lnT w="720">
+                      <a:solidFill>
+                        <a:srgbClr val="ffffff"/>
+                      </a:solidFill>
+                    </a:lnT>
+                    <a:lnB w="720">
+                      <a:solidFill>
+                        <a:srgbClr val="ffffff"/>
+                      </a:solidFill>
+                    </a:lnB>
+                    <a:solidFill>
+                      <a:srgbClr val="b3b3b3"/>
+                    </a:solidFill>
+                  </a:tcPr>
+                </a:tc>
+                <a:tc>
+                  <a:txBody>
+                    <a:bodyPr lIns="90000" rIns="90000" tIns="46800" bIns="46800"/>
+                    <a:p>
+                      <a:r>
+                        <a:rPr b="0" lang="en-US" sz="1800" spc="-1" strike="noStrike">
+                          <a:latin typeface="Arial"/>
+                        </a:rPr>
+                        <a:t>User</a:t>
+                      </a:r>
+                      <a:endParaRPr b="0" lang="en-US" sz="1800" spc="-1" strike="noStrike">
+                        <a:latin typeface="Arial"/>
+                      </a:endParaRPr>
+                    </a:p>
+                  </a:txBody>
+                  <a:tcPr marL="90000" marR="90000">
+                    <a:lnL w="720">
+                      <a:solidFill>
+                        <a:srgbClr val="ffffff"/>
+                      </a:solidFill>
+                    </a:lnL>
+                    <a:lnR w="720">
+                      <a:solidFill>
+                        <a:srgbClr val="ffffff"/>
+                      </a:solidFill>
+                    </a:lnR>
+                    <a:lnT w="720">
+                      <a:solidFill>
+                        <a:srgbClr val="ffffff"/>
+                      </a:solidFill>
+                    </a:lnT>
+                    <a:lnB w="720">
+                      <a:solidFill>
+                        <a:srgbClr val="ffffff"/>
+                      </a:solidFill>
+                    </a:lnB>
+                    <a:solidFill>
+                      <a:srgbClr val="b3b3b3"/>
+                    </a:solidFill>
+                  </a:tcPr>
+                </a:tc>
+                <a:tc>
+                  <a:txBody>
+                    <a:bodyPr lIns="90000" rIns="90000" tIns="46800" bIns="46800"/>
+                    <a:p>
+                      <a:r>
+                        <a:rPr b="0" lang="en-US" sz="1800" spc="-1" strike="noStrike">
+                          <a:latin typeface="Arial"/>
+                        </a:rPr>
+                        <a:t>Tasks</a:t>
+                      </a:r>
+                      <a:endParaRPr b="0" lang="en-US" sz="1800" spc="-1" strike="noStrike">
+                        <a:latin typeface="Arial"/>
+                      </a:endParaRPr>
+                    </a:p>
+                  </a:txBody>
+                  <a:tcPr marL="90000" marR="90000">
+                    <a:lnL w="720">
+                      <a:solidFill>
+                        <a:srgbClr val="ffffff"/>
+                      </a:solidFill>
+                    </a:lnL>
+                    <a:lnR w="720">
+                      <a:solidFill>
+                        <a:srgbClr val="ffffff"/>
+                      </a:solidFill>
+                    </a:lnR>
+                    <a:lnT w="720">
+                      <a:solidFill>
+                        <a:srgbClr val="ffffff"/>
+                      </a:solidFill>
+                    </a:lnT>
+                    <a:lnB w="720">
+                      <a:solidFill>
+                        <a:srgbClr val="ffffff"/>
+                      </a:solidFill>
+                    </a:lnB>
+                    <a:solidFill>
+                      <a:srgbClr val="b3b3b3"/>
+                    </a:solidFill>
+                  </a:tcPr>
+                </a:tc>
+              </a:tr>
+              <a:tr h="1473120">
+                <a:tc>
+                  <a:txBody>
+                    <a:bodyPr lIns="90000" rIns="90000" tIns="46800" bIns="46800"/>
+                    <a:p>
+                      <a:r>
+                        <a:rPr b="0" lang="en-US" sz="1800" spc="-1" strike="noStrike">
+                          <a:latin typeface="Arial"/>
+                        </a:rPr>
+                        <a:t>Basic</a:t>
+                      </a:r>
+                      <a:endParaRPr b="0" lang="en-US" sz="1800" spc="-1" strike="noStrike">
+                        <a:latin typeface="Arial"/>
+                      </a:endParaRPr>
+                    </a:p>
+                  </a:txBody>
+                  <a:tcPr marL="90000" marR="90000">
+                    <a:lnL w="720">
+                      <a:solidFill>
+                        <a:srgbClr val="ffffff"/>
+                      </a:solidFill>
+                    </a:lnL>
+                    <a:lnR w="720">
+                      <a:solidFill>
+                        <a:srgbClr val="ffffff"/>
+                      </a:solidFill>
+                    </a:lnR>
+                    <a:lnT w="720">
+                      <a:solidFill>
+                        <a:srgbClr val="ffffff"/>
+                      </a:solidFill>
+                    </a:lnT>
+                    <a:lnB w="720">
+                      <a:solidFill>
+                        <a:srgbClr val="ffffff"/>
+                      </a:solidFill>
+                    </a:lnB>
+                    <a:solidFill>
+                      <a:srgbClr val="cccccc"/>
+                    </a:solidFill>
+                  </a:tcPr>
+                </a:tc>
+                <a:tc>
+                  <a:txBody>
+                    <a:bodyPr lIns="90000" rIns="90000" tIns="46800" bIns="46800"/>
+                    <a:p>
+                      <a:r>
+                        <a:rPr b="0" lang="en-US" sz="1800" spc="-1" strike="noStrike">
+                          <a:latin typeface="Arial"/>
+                        </a:rPr>
+                        <a:t>TA</a:t>
+                      </a:r>
+                      <a:endParaRPr b="0" lang="en-US" sz="1800" spc="-1" strike="noStrike">
+                        <a:latin typeface="Arial"/>
+                      </a:endParaRPr>
+                    </a:p>
+                  </a:txBody>
+                  <a:tcPr marL="90000" marR="90000">
+                    <a:lnL w="720">
+                      <a:solidFill>
+                        <a:srgbClr val="ffffff"/>
+                      </a:solidFill>
+                    </a:lnL>
+                    <a:lnR w="720">
+                      <a:solidFill>
+                        <a:srgbClr val="ffffff"/>
+                      </a:solidFill>
+                    </a:lnR>
+                    <a:lnT w="720">
+                      <a:solidFill>
+                        <a:srgbClr val="ffffff"/>
+                      </a:solidFill>
+                    </a:lnT>
+                    <a:lnB w="720">
+                      <a:solidFill>
+                        <a:srgbClr val="ffffff"/>
+                      </a:solidFill>
+                    </a:lnB>
+                    <a:solidFill>
+                      <a:srgbClr val="cccccc"/>
+                    </a:solidFill>
+                  </a:tcPr>
+                </a:tc>
+                <a:tc>
+                  <a:txBody>
+                    <a:bodyPr lIns="90000" rIns="90000" tIns="46800" bIns="46800"/>
+                    <a:p>
+                      <a:r>
+                        <a:rPr b="0" lang="en-US" sz="1800" spc="-1" strike="noStrike">
+                          <a:latin typeface="Arial"/>
+                        </a:rPr>
+                        <a:t>* Running the </a:t>
+                      </a:r>
+                      <a:r>
+                        <a:rPr b="0" lang="en-US" sz="1800" spc="-1" strike="noStrike">
+                          <a:latin typeface="Arial"/>
+                        </a:rPr>
+                        <a:t>Autograder </a:t>
+                      </a:r>
+                      <a:r>
+                        <a:rPr b="0" lang="en-US" sz="1800" spc="-1" strike="noStrike">
+                          <a:latin typeface="Arial"/>
+                        </a:rPr>
+                        <a:t>(original/resub</a:t>
+                      </a:r>
+                      <a:r>
+                        <a:rPr b="0" lang="en-US" sz="1800" spc="-1" strike="noStrike">
+                          <a:latin typeface="Arial"/>
+                        </a:rPr>
+                        <a:t>mission/manu</a:t>
+                      </a:r>
+                      <a:r>
+                        <a:rPr b="0" lang="en-US" sz="1800" spc="-1" strike="noStrike">
+                          <a:latin typeface="Arial"/>
+                        </a:rPr>
+                        <a:t>al grading)</a:t>
+                      </a:r>
+                      <a:endParaRPr b="0" lang="en-US" sz="1800" spc="-1" strike="noStrike">
+                        <a:latin typeface="Arial"/>
+                      </a:endParaRPr>
+                    </a:p>
+                    <a:p>
+                      <a:r>
+                        <a:rPr b="0" lang="en-US" sz="1800" spc="-1" strike="noStrike">
+                          <a:latin typeface="Arial"/>
+                        </a:rPr>
+                        <a:t>* Learning </a:t>
+                      </a:r>
+                      <a:r>
+                        <a:rPr b="0" lang="en-US" sz="1800" spc="-1" strike="noStrike">
+                          <a:latin typeface="Arial"/>
+                        </a:rPr>
+                        <a:t>Suite and </a:t>
+                      </a:r>
+                      <a:r>
+                        <a:rPr b="0" lang="en-US" sz="1800" spc="-1" strike="noStrike">
+                          <a:latin typeface="Arial"/>
+                        </a:rPr>
+                        <a:t>Google Drive </a:t>
+                      </a:r>
+                      <a:r>
+                        <a:rPr b="0" lang="en-US" sz="1800" spc="-1" strike="noStrike">
+                          <a:latin typeface="Arial"/>
+                        </a:rPr>
+                        <a:t>uploads</a:t>
+                      </a:r>
+                      <a:endParaRPr b="0" lang="en-US" sz="1800" spc="-1" strike="noStrike">
+                        <a:latin typeface="Arial"/>
+                      </a:endParaRPr>
+                    </a:p>
+                    <a:p>
+                      <a:r>
+                        <a:rPr b="0" lang="en-US" sz="1800" spc="-1" strike="noStrike">
+                          <a:latin typeface="Arial"/>
+                        </a:rPr>
+                        <a:t>* Manual edits </a:t>
+                      </a:r>
+                      <a:r>
+                        <a:rPr b="0" lang="en-US" sz="1800" spc="-1" strike="noStrike">
+                          <a:latin typeface="Arial"/>
+                        </a:rPr>
+                        <a:t>to grading </a:t>
+                      </a:r>
+                      <a:r>
+                        <a:rPr b="0" lang="en-US" sz="1800" spc="-1" strike="noStrike">
+                          <a:latin typeface="Arial"/>
+                        </a:rPr>
+                        <a:t>documents</a:t>
+                      </a:r>
+                      <a:endParaRPr b="0" lang="en-US" sz="1800" spc="-1" strike="noStrike">
+                        <a:latin typeface="Arial"/>
+                      </a:endParaRPr>
+                    </a:p>
+                  </a:txBody>
+                  <a:tcPr marL="90000" marR="90000">
+                    <a:lnL w="720">
+                      <a:solidFill>
+                        <a:srgbClr val="ffffff"/>
+                      </a:solidFill>
+                    </a:lnL>
+                    <a:lnR w="720">
+                      <a:solidFill>
+                        <a:srgbClr val="ffffff"/>
+                      </a:solidFill>
+                    </a:lnR>
+                    <a:lnT w="720">
+                      <a:solidFill>
+                        <a:srgbClr val="ffffff"/>
+                      </a:solidFill>
+                    </a:lnT>
+                    <a:lnB w="720">
+                      <a:solidFill>
+                        <a:srgbClr val="ffffff"/>
+                      </a:solidFill>
+                    </a:lnB>
+                    <a:solidFill>
+                      <a:srgbClr val="cccccc"/>
+                    </a:solidFill>
+                  </a:tcPr>
+                </a:tc>
+              </a:tr>
+              <a:tr h="1473120">
+                <a:tc>
+                  <a:txBody>
+                    <a:bodyPr lIns="90000" rIns="90000" tIns="46800" bIns="46800"/>
+                    <a:p>
+                      <a:r>
+                        <a:rPr b="0" lang="en-US" sz="1800" spc="-1" strike="noStrike">
+                          <a:latin typeface="Arial"/>
+                        </a:rPr>
+                        <a:t>Intermediate</a:t>
+                      </a:r>
+                      <a:endParaRPr b="0" lang="en-US" sz="1800" spc="-1" strike="noStrike">
+                        <a:latin typeface="Arial"/>
+                      </a:endParaRPr>
+                    </a:p>
+                  </a:txBody>
+                  <a:tcPr marL="90000" marR="90000">
+                    <a:lnL w="720">
+                      <a:solidFill>
+                        <a:srgbClr val="ffffff"/>
+                      </a:solidFill>
+                    </a:lnL>
+                    <a:lnR w="720">
+                      <a:solidFill>
+                        <a:srgbClr val="ffffff"/>
+                      </a:solidFill>
+                    </a:lnR>
+                    <a:lnT w="720">
+                      <a:solidFill>
+                        <a:srgbClr val="ffffff"/>
+                      </a:solidFill>
+                    </a:lnT>
+                    <a:lnB w="720">
+                      <a:solidFill>
+                        <a:srgbClr val="ffffff"/>
+                      </a:solidFill>
+                    </a:lnB>
+                    <a:solidFill>
+                      <a:srgbClr val="e6e6e6"/>
+                    </a:solidFill>
+                  </a:tcPr>
+                </a:tc>
+                <a:tc>
+                  <a:txBody>
+                    <a:bodyPr lIns="90000" rIns="90000" tIns="46800" bIns="46800"/>
+                    <a:p>
+                      <a:r>
+                        <a:rPr b="0" lang="en-US" sz="1800" spc="-1" strike="noStrike">
+                          <a:latin typeface="Arial"/>
+                        </a:rPr>
+                        <a:t>Instructor</a:t>
+                      </a:r>
+                      <a:endParaRPr b="0" lang="en-US" sz="1800" spc="-1" strike="noStrike">
+                        <a:latin typeface="Arial"/>
+                      </a:endParaRPr>
+                    </a:p>
+                    <a:p>
+                      <a:r>
+                        <a:rPr b="0" lang="en-US" sz="1800" spc="-1" strike="noStrike">
+                          <a:latin typeface="Arial"/>
+                        </a:rPr>
+                        <a:t>Head TA</a:t>
+                      </a:r>
+                      <a:endParaRPr b="0" lang="en-US" sz="1800" spc="-1" strike="noStrike">
+                        <a:latin typeface="Arial"/>
+                      </a:endParaRPr>
+                    </a:p>
+                  </a:txBody>
+                  <a:tcPr marL="90000" marR="90000">
+                    <a:lnL w="720">
+                      <a:solidFill>
+                        <a:srgbClr val="ffffff"/>
+                      </a:solidFill>
+                    </a:lnL>
+                    <a:lnR w="720">
+                      <a:solidFill>
+                        <a:srgbClr val="ffffff"/>
+                      </a:solidFill>
+                    </a:lnR>
+                    <a:lnT w="720">
+                      <a:solidFill>
+                        <a:srgbClr val="ffffff"/>
+                      </a:solidFill>
+                    </a:lnT>
+                    <a:lnB w="720">
+                      <a:solidFill>
+                        <a:srgbClr val="ffffff"/>
+                      </a:solidFill>
+                    </a:lnB>
+                    <a:solidFill>
+                      <a:srgbClr val="e6e6e6"/>
+                    </a:solidFill>
+                  </a:tcPr>
+                </a:tc>
+                <a:tc>
+                  <a:txBody>
+                    <a:bodyPr lIns="90000" rIns="90000" tIns="46800" bIns="46800"/>
+                    <a:p>
+                      <a:r>
+                        <a:rPr b="0" lang="en-US" sz="1800" spc="-1" strike="noStrike">
+                          <a:latin typeface="Arial"/>
+                        </a:rPr>
+                        <a:t>* Adding labs</a:t>
+                      </a:r>
+                      <a:endParaRPr b="0" lang="en-US" sz="1800" spc="-1" strike="noStrike">
+                        <a:latin typeface="Arial"/>
+                      </a:endParaRPr>
+                    </a:p>
+                    <a:p>
+                      <a:r>
+                        <a:rPr b="0" lang="en-US" sz="1800" spc="-1" strike="noStrike">
+                          <a:latin typeface="Arial"/>
+                        </a:rPr>
+                        <a:t>* Changing section dates and grading weights</a:t>
+                      </a:r>
+                      <a:endParaRPr b="0" lang="en-US" sz="1800" spc="-1" strike="noStrike">
+                        <a:latin typeface="Arial"/>
+                      </a:endParaRPr>
+                    </a:p>
+                    <a:p>
+                      <a:r>
+                        <a:rPr b="0" lang="en-US" sz="1800" spc="-1" strike="noStrike">
+                          <a:latin typeface="Arial"/>
+                        </a:rPr>
+                        <a:t>* Pseudodate</a:t>
+                      </a:r>
+                      <a:endParaRPr b="0" lang="en-US" sz="1800" spc="-1" strike="noStrike">
+                        <a:latin typeface="Arial"/>
+                      </a:endParaRPr>
+                    </a:p>
+                    <a:p>
+                      <a:r>
+                        <a:rPr b="0" lang="en-US" sz="1800" spc="-1" strike="noStrike">
+                          <a:latin typeface="Arial"/>
+                        </a:rPr>
+                        <a:t>* Updating the roster</a:t>
+                      </a:r>
+                      <a:endParaRPr b="0" lang="en-US" sz="1800" spc="-1" strike="noStrike">
+                        <a:latin typeface="Arial"/>
+                      </a:endParaRPr>
+                    </a:p>
+                  </a:txBody>
+                  <a:tcPr marL="90000" marR="90000">
+                    <a:lnL w="720">
+                      <a:solidFill>
+                        <a:srgbClr val="ffffff"/>
+                      </a:solidFill>
+                    </a:lnL>
+                    <a:lnR w="720">
+                      <a:solidFill>
+                        <a:srgbClr val="ffffff"/>
+                      </a:solidFill>
+                    </a:lnR>
+                    <a:lnT w="720">
+                      <a:solidFill>
+                        <a:srgbClr val="ffffff"/>
+                      </a:solidFill>
+                    </a:lnT>
+                    <a:lnB w="720">
+                      <a:solidFill>
+                        <a:srgbClr val="ffffff"/>
+                      </a:solidFill>
+                    </a:lnB>
+                    <a:solidFill>
+                      <a:srgbClr val="e6e6e6"/>
+                    </a:solidFill>
+                  </a:tcPr>
+                </a:tc>
+              </a:tr>
+              <a:tr h="1478160">
+                <a:tc>
+                  <a:txBody>
+                    <a:bodyPr lIns="90000" rIns="90000" tIns="46800" bIns="46800"/>
+                    <a:p>
+                      <a:r>
+                        <a:rPr b="0" lang="en-US" sz="1800" spc="-1" strike="noStrike">
+                          <a:latin typeface="Arial"/>
+                        </a:rPr>
+                        <a:t>Advanced</a:t>
+                      </a:r>
+                      <a:endParaRPr b="0" lang="en-US" sz="1800" spc="-1" strike="noStrike">
+                        <a:latin typeface="Arial"/>
+                      </a:endParaRPr>
+                    </a:p>
+                  </a:txBody>
+                  <a:tcPr marL="90000" marR="90000">
+                    <a:lnL w="720">
+                      <a:solidFill>
+                        <a:srgbClr val="ffffff"/>
+                      </a:solidFill>
+                    </a:lnL>
+                    <a:lnR w="720">
+                      <a:solidFill>
+                        <a:srgbClr val="ffffff"/>
+                      </a:solidFill>
+                    </a:lnR>
+                    <a:lnT w="720">
+                      <a:solidFill>
+                        <a:srgbClr val="ffffff"/>
+                      </a:solidFill>
+                    </a:lnT>
+                    <a:lnB w="720">
+                      <a:solidFill>
+                        <a:srgbClr val="ffffff"/>
+                      </a:solidFill>
+                    </a:lnB>
+                    <a:solidFill>
+                      <a:srgbClr val="cccccc"/>
+                    </a:solidFill>
+                  </a:tcPr>
+                </a:tc>
+                <a:tc>
+                  <a:txBody>
+                    <a:bodyPr lIns="90000" rIns="90000" tIns="46800" bIns="46800"/>
+                    <a:p>
+                      <a:r>
+                        <a:rPr b="0" lang="en-US" sz="1800" spc="-1" strike="noStrike">
+                          <a:latin typeface="Arial"/>
+                        </a:rPr>
+                        <a:t>Some unlucky soul</a:t>
+                      </a:r>
+                      <a:endParaRPr b="0" lang="en-US" sz="1800" spc="-1" strike="noStrike">
+                        <a:latin typeface="Arial"/>
+                      </a:endParaRPr>
+                    </a:p>
+                  </a:txBody>
+                  <a:tcPr marL="90000" marR="90000">
+                    <a:lnL w="720">
+                      <a:solidFill>
+                        <a:srgbClr val="ffffff"/>
+                      </a:solidFill>
+                    </a:lnL>
+                    <a:lnR w="720">
+                      <a:solidFill>
+                        <a:srgbClr val="ffffff"/>
+                      </a:solidFill>
+                    </a:lnR>
+                    <a:lnT w="720">
+                      <a:solidFill>
+                        <a:srgbClr val="ffffff"/>
+                      </a:solidFill>
+                    </a:lnT>
+                    <a:lnB w="720">
+                      <a:solidFill>
+                        <a:srgbClr val="ffffff"/>
+                      </a:solidFill>
+                    </a:lnB>
+                    <a:solidFill>
+                      <a:srgbClr val="cccccc"/>
+                    </a:solidFill>
+                  </a:tcPr>
+                </a:tc>
+                <a:tc>
+                  <a:txBody>
+                    <a:bodyPr lIns="90000" rIns="90000" tIns="46800" bIns="46800"/>
+                    <a:p>
+                      <a:r>
+                        <a:rPr b="0" lang="en-US" sz="1800" spc="-1" strike="noStrike">
+                          <a:latin typeface="Arial"/>
+                        </a:rPr>
+                        <a:t>* Understanding the system architecture</a:t>
+                      </a:r>
+                      <a:endParaRPr b="0" lang="en-US" sz="1800" spc="-1" strike="noStrike">
+                        <a:latin typeface="Arial"/>
+                      </a:endParaRPr>
+                    </a:p>
+                  </a:txBody>
+                  <a:tcPr marL="90000" marR="90000">
+                    <a:lnL w="720">
+                      <a:solidFill>
+                        <a:srgbClr val="ffffff"/>
+                      </a:solidFill>
+                    </a:lnL>
+                    <a:lnR w="720">
+                      <a:solidFill>
+                        <a:srgbClr val="ffffff"/>
+                      </a:solidFill>
+                    </a:lnR>
+                    <a:lnT w="720">
+                      <a:solidFill>
+                        <a:srgbClr val="ffffff"/>
+                      </a:solidFill>
+                    </a:lnT>
+                    <a:lnB w="720">
+                      <a:solidFill>
+                        <a:srgbClr val="ffffff"/>
+                      </a:solidFill>
+                    </a:lnB>
+                    <a:solidFill>
+                      <a:srgbClr val="cccccc"/>
+                    </a:solidFill>
+                  </a:tcPr>
+                </a:tc>
+              </a:tr>
+            </a:tbl>
+          </a:graphicData>
+        </a:graphic>
+      </p:graphicFrame>
     </p:spTree>
   </p:cSld>
+  <p:timing>
+    <p:tnLst>
+      <p:par>
+        <p:cTn id="3" dur="indefinite" restart="never" nodeType="tmRoot">
+          <p:childTnLst>
+            <p:seq>
+              <p:cTn id="4" nodeType="mainSeq"/>
+              <p:prevCondLst>
+                <p:cond delay="0" evt="onPrev">
+                  <p:tgtEl>
+                    <p:sldTgt/>
+                  </p:tgtEl>
+                </p:cond>
+              </p:prevCondLst>
+              <p:nextCondLst>
+                <p:cond delay="0" evt="onNext">
+                  <p:tgtEl>
+                    <p:sldTgt/>
+                  </p:tgtEl>
+                </p:cond>
+              </p:nextCondLst>
+            </p:seq>
+          </p:childTnLst>
+        </p:cTn>
+      </p:par>
+    </p:tnLst>
+  </p:timing>
+</p:sld>
+</file>
+
+<file path=ppt/slides/slide3.xml><?xml version="1.0" encoding="utf-8"?>
+<p:sld xmlns:a="http://schemas.openxmlformats.org/drawingml/2006/main" xmlns:p="http://schemas.openxmlformats.org/presentationml/2006/main" xmlns:r="http://schemas.openxmlformats.org/officeDocument/2006/relationships" xmlns:p14="http://schemas.microsoft.com/office/powerpoint/2010/main" xmlns:p15="http://schemas.microsoft.com/office/powerpoint/2012/main" xmlns:mc="http://schemas.openxmlformats.org/markup-compatibility/2006">
+  <p:cSld>
+    <p:spTree>
+      <p:nvGrpSpPr>
+        <p:cNvPr id="1" name=""/>
+        <p:cNvGrpSpPr/>
+        <p:nvPr/>
+      </p:nvGrpSpPr>
+      <p:grpSpPr>
+        <a:xfrm>
+          <a:off x="0" y="0"/>
+          <a:ext cx="0" cy="0"/>
+          <a:chOff x="0" y="0"/>
+          <a:chExt cx="0" cy="0"/>
+        </a:xfrm>
+      </p:grpSpPr>
+      <p:sp>
+        <p:nvSpPr>
+          <p:cNvPr id="86" name="TextShape 1"/>
+          <p:cNvSpPr txBox="1"/>
+          <p:nvPr/>
+        </p:nvSpPr>
+        <p:spPr>
+          <a:xfrm>
+            <a:off x="360000" y="360000"/>
+            <a:ext cx="9359640" cy="899640"/>
+          </a:xfrm>
+          <a:prstGeom prst="rect">
+            <a:avLst/>
+          </a:prstGeom>
+          <a:noFill/>
+          <a:ln>
+            <a:noFill/>
+          </a:ln>
+        </p:spPr>
+        <p:txBody>
+          <a:bodyPr lIns="0" rIns="0" tIns="0" bIns="0" anchor="ctr"/>
+          <a:p>
+            <a:pPr algn="ctr"/>
+            <a:r>
+              <a:rPr b="0" lang="en-US" sz="4400" spc="-1" strike="noStrike">
+                <a:latin typeface="Arial"/>
+              </a:rPr>
+              <a:t>O</a:t>
+            </a:r>
+            <a:r>
+              <a:rPr b="0" lang="en-US" sz="4400" spc="-1" strike="noStrike">
+                <a:latin typeface="Arial"/>
+              </a:rPr>
+              <a:t>ve</a:t>
+            </a:r>
+            <a:r>
+              <a:rPr b="0" lang="en-US" sz="4400" spc="-1" strike="noStrike">
+                <a:latin typeface="Arial"/>
+              </a:rPr>
+              <a:t>rvi</a:t>
+            </a:r>
+            <a:r>
+              <a:rPr b="0" lang="en-US" sz="4400" spc="-1" strike="noStrike">
+                <a:latin typeface="Arial"/>
+              </a:rPr>
+              <a:t>e</a:t>
+            </a:r>
+            <a:r>
+              <a:rPr b="0" lang="en-US" sz="4400" spc="-1" strike="noStrike">
+                <a:latin typeface="Arial"/>
+              </a:rPr>
+              <a:t>w: </a:t>
+            </a:r>
+            <a:r>
+              <a:rPr b="0" lang="en-US" sz="4400" spc="-1" strike="noStrike">
+                <a:latin typeface="Arial"/>
+              </a:rPr>
+              <a:t>La</a:t>
+            </a:r>
+            <a:r>
+              <a:rPr b="0" lang="en-US" sz="4400" spc="-1" strike="noStrike">
+                <a:latin typeface="Arial"/>
+              </a:rPr>
+              <a:t>b </a:t>
+            </a:r>
+            <a:r>
+              <a:rPr b="0" lang="en-US" sz="4400" spc="-1" strike="noStrike">
+                <a:latin typeface="Arial"/>
+              </a:rPr>
+              <a:t>St</a:t>
+            </a:r>
+            <a:r>
+              <a:rPr b="0" lang="en-US" sz="4400" spc="-1" strike="noStrike">
+                <a:latin typeface="Arial"/>
+              </a:rPr>
+              <a:t>ru</a:t>
+            </a:r>
+            <a:r>
+              <a:rPr b="0" lang="en-US" sz="4400" spc="-1" strike="noStrike">
+                <a:latin typeface="Arial"/>
+              </a:rPr>
+              <a:t>ct</a:t>
+            </a:r>
+            <a:r>
+              <a:rPr b="0" lang="en-US" sz="4400" spc="-1" strike="noStrike">
+                <a:latin typeface="Arial"/>
+              </a:rPr>
+              <a:t>ur</a:t>
+            </a:r>
+            <a:r>
+              <a:rPr b="0" lang="en-US" sz="4400" spc="-1" strike="noStrike">
+                <a:latin typeface="Arial"/>
+              </a:rPr>
+              <a:t>e</a:t>
+            </a:r>
+            <a:endParaRPr b="0" lang="en-US" sz="4400" spc="-1" strike="noStrike">
+              <a:latin typeface="Arial"/>
+            </a:endParaRPr>
+          </a:p>
+        </p:txBody>
+      </p:sp>
+      <p:sp>
+        <p:nvSpPr>
+          <p:cNvPr id="87" name="CustomShape 2"/>
+          <p:cNvSpPr/>
+          <p:nvPr/>
+        </p:nvSpPr>
+        <p:spPr>
+          <a:xfrm>
+            <a:off x="4867920" y="1828800"/>
+            <a:ext cx="2103120" cy="1097280"/>
+          </a:xfrm>
+          <a:prstGeom prst="flowChartProcess">
+            <a:avLst/>
+          </a:prstGeom>
+          <a:solidFill>
+            <a:srgbClr val="729fcf"/>
+          </a:solidFill>
+          <a:ln>
+            <a:solidFill>
+              <a:srgbClr val="3465a4"/>
+            </a:solidFill>
+          </a:ln>
+        </p:spPr>
+        <p:style>
+          <a:lnRef idx="0"/>
+          <a:fillRef idx="0"/>
+          <a:effectRef idx="0"/>
+          <a:fontRef idx="minor"/>
+        </p:style>
+        <p:txBody>
+          <a:bodyPr wrap="none" lIns="90000" rIns="90000" tIns="45000" bIns="45000" anchor="ctr"/>
+          <a:p>
+            <a:pPr algn="ctr"/>
+            <a:r>
+              <a:rPr b="0" lang="en-US" sz="1800" spc="-1" strike="noStrike">
+                <a:latin typeface="Arial"/>
+              </a:rPr>
+              <a:t>Lab 9</a:t>
+            </a:r>
+            <a:br/>
+            <a:r>
+              <a:rPr b="0" lang="en-US" sz="1800" spc="-1" strike="noStrike">
+                <a:latin typeface="Arial"/>
+              </a:rPr>
+              <a:t>(Solving Differential</a:t>
+            </a:r>
+            <a:br/>
+            <a:r>
+              <a:rPr b="0" lang="en-US" sz="1800" spc="-1" strike="noStrike">
+                <a:latin typeface="Arial"/>
+              </a:rPr>
+              <a:t>Equations)</a:t>
+            </a:r>
+            <a:endParaRPr b="0" lang="en-US" sz="1800" spc="-1" strike="noStrike">
+              <a:latin typeface="Arial"/>
+            </a:endParaRPr>
+          </a:p>
+        </p:txBody>
+      </p:sp>
+      <p:sp>
+        <p:nvSpPr>
+          <p:cNvPr id="88" name="CustomShape 3"/>
+          <p:cNvSpPr/>
+          <p:nvPr/>
+        </p:nvSpPr>
+        <p:spPr>
+          <a:xfrm>
+            <a:off x="2790000" y="3383280"/>
+            <a:ext cx="1463040" cy="822960"/>
+          </a:xfrm>
+          <a:prstGeom prst="flowChartProcess">
+            <a:avLst/>
+          </a:prstGeom>
+          <a:solidFill>
+            <a:srgbClr val="8ccfb7"/>
+          </a:solidFill>
+          <a:ln>
+            <a:solidFill>
+              <a:srgbClr val="3465a4"/>
+            </a:solidFill>
+          </a:ln>
+        </p:spPr>
+        <p:style>
+          <a:lnRef idx="0"/>
+          <a:fillRef idx="0"/>
+          <a:effectRef idx="0"/>
+          <a:fontRef idx="minor"/>
+        </p:style>
+        <p:txBody>
+          <a:bodyPr wrap="none" lIns="90000" rIns="90000" tIns="45000" bIns="45000" anchor="ctr"/>
+          <a:p>
+            <a:pPr algn="ctr"/>
+            <a:r>
+              <a:rPr b="0" lang="en-US" sz="1800" spc="-1" strike="noStrike">
+                <a:latin typeface="Arial"/>
+              </a:rPr>
+              <a:t>Euler</a:t>
+            </a:r>
+            <a:endParaRPr b="0" lang="en-US" sz="1800" spc="-1" strike="noStrike">
+              <a:latin typeface="Arial"/>
+            </a:endParaRPr>
+          </a:p>
+        </p:txBody>
+      </p:sp>
+      <p:sp>
+        <p:nvSpPr>
+          <p:cNvPr id="89" name="CustomShape 4"/>
+          <p:cNvSpPr/>
+          <p:nvPr/>
+        </p:nvSpPr>
+        <p:spPr>
+          <a:xfrm>
+            <a:off x="5214240" y="3383640"/>
+            <a:ext cx="1463040" cy="822960"/>
+          </a:xfrm>
+          <a:prstGeom prst="flowChartProcess">
+            <a:avLst/>
+          </a:prstGeom>
+          <a:solidFill>
+            <a:srgbClr val="8ccfb7"/>
+          </a:solidFill>
+          <a:ln>
+            <a:solidFill>
+              <a:srgbClr val="3465a4"/>
+            </a:solidFill>
+          </a:ln>
+        </p:spPr>
+        <p:style>
+          <a:lnRef idx="0"/>
+          <a:fillRef idx="0"/>
+          <a:effectRef idx="0"/>
+          <a:fontRef idx="minor"/>
+        </p:style>
+        <p:txBody>
+          <a:bodyPr wrap="none" lIns="90000" rIns="90000" tIns="45000" bIns="45000" anchor="ctr"/>
+          <a:p>
+            <a:pPr algn="ctr"/>
+            <a:r>
+              <a:rPr b="0" lang="en-US" sz="1800" spc="-1" strike="noStrike">
+                <a:latin typeface="Arial"/>
+              </a:rPr>
+              <a:t>Heun</a:t>
+            </a:r>
+            <a:endParaRPr b="0" lang="en-US" sz="1800" spc="-1" strike="noStrike">
+              <a:latin typeface="Arial"/>
+            </a:endParaRPr>
+          </a:p>
+        </p:txBody>
+      </p:sp>
+      <p:sp>
+        <p:nvSpPr>
+          <p:cNvPr id="90" name="CustomShape 5"/>
+          <p:cNvSpPr/>
+          <p:nvPr/>
+        </p:nvSpPr>
+        <p:spPr>
+          <a:xfrm>
+            <a:off x="7614360" y="3383640"/>
+            <a:ext cx="1463040" cy="822960"/>
+          </a:xfrm>
+          <a:prstGeom prst="flowChartProcess">
+            <a:avLst/>
+          </a:prstGeom>
+          <a:solidFill>
+            <a:srgbClr val="8ccfb7"/>
+          </a:solidFill>
+          <a:ln>
+            <a:solidFill>
+              <a:srgbClr val="3465a4"/>
+            </a:solidFill>
+          </a:ln>
+        </p:spPr>
+        <p:style>
+          <a:lnRef idx="0"/>
+          <a:fillRef idx="0"/>
+          <a:effectRef idx="0"/>
+          <a:fontRef idx="minor"/>
+        </p:style>
+        <p:txBody>
+          <a:bodyPr wrap="none" lIns="90000" rIns="90000" tIns="45000" bIns="45000" anchor="ctr"/>
+          <a:p>
+            <a:pPr algn="ctr"/>
+            <a:r>
+              <a:rPr b="0" lang="en-US" sz="1800" spc="-1" strike="noStrike">
+                <a:latin typeface="Arial"/>
+              </a:rPr>
+              <a:t>RK4</a:t>
+            </a:r>
+            <a:endParaRPr b="0" lang="en-US" sz="1800" spc="-1" strike="noStrike">
+              <a:latin typeface="Arial"/>
+            </a:endParaRPr>
+          </a:p>
+        </p:txBody>
+      </p:sp>
+      <p:cxnSp>
+        <p:nvCxnSpPr>
+          <p:cNvPr id="91" name="Line 6"/>
+          <p:cNvCxnSpPr/>
+          <p:nvPr/>
+        </p:nvCxnSpPr>
+        <p:spPr>
+          <a:xfrm>
+            <a:off x="0" y="0"/>
+            <a:ext cx="360" cy="360"/>
+          </a:xfrm>
+          <a:prstGeom prst="line">
+            <a:avLst/>
+          </a:prstGeom>
+          <a:ln>
+            <a:solidFill>
+              <a:srgbClr val="3465a4"/>
+            </a:solidFill>
+          </a:ln>
+        </p:spPr>
+      </p:cxnSp>
+      <p:cxnSp>
+        <p:nvCxnSpPr>
+          <p:cNvPr id="92" name="Line 7"/>
+          <p:cNvCxnSpPr/>
+          <p:nvPr/>
+        </p:nvCxnSpPr>
+        <p:spPr>
+          <a:xfrm>
+            <a:off x="0" y="0"/>
+            <a:ext cx="360" cy="360"/>
+          </a:xfrm>
+          <a:prstGeom prst="line">
+            <a:avLst/>
+          </a:prstGeom>
+          <a:ln>
+            <a:solidFill>
+              <a:srgbClr val="3465a4"/>
+            </a:solidFill>
+          </a:ln>
+        </p:spPr>
+      </p:cxnSp>
+      <p:cxnSp>
+        <p:nvCxnSpPr>
+          <p:cNvPr id="93" name="Line 8"/>
+          <p:cNvCxnSpPr/>
+          <p:nvPr/>
+        </p:nvCxnSpPr>
+        <p:spPr>
+          <a:xfrm>
+            <a:off x="0" y="0"/>
+            <a:ext cx="360" cy="360"/>
+          </a:xfrm>
+          <a:prstGeom prst="line">
+            <a:avLst/>
+          </a:prstGeom>
+          <a:ln>
+            <a:solidFill>
+              <a:srgbClr val="3465a4"/>
+            </a:solidFill>
+          </a:ln>
+        </p:spPr>
+      </p:cxnSp>
+      <p:sp>
+        <p:nvSpPr>
+          <p:cNvPr id="94" name="CustomShape 9"/>
+          <p:cNvSpPr/>
+          <p:nvPr/>
+        </p:nvSpPr>
+        <p:spPr>
+          <a:xfrm>
+            <a:off x="3512880" y="4937760"/>
+            <a:ext cx="1571760" cy="1463040"/>
+          </a:xfrm>
+          <a:prstGeom prst="flowChartProcess">
+            <a:avLst/>
+          </a:prstGeom>
+          <a:solidFill>
+            <a:srgbClr val="f37b70"/>
+          </a:solidFill>
+          <a:ln>
+            <a:solidFill>
+              <a:srgbClr val="3465a4"/>
+            </a:solidFill>
+          </a:ln>
+        </p:spPr>
+        <p:style>
+          <a:lnRef idx="0"/>
+          <a:fillRef idx="0"/>
+          <a:effectRef idx="0"/>
+          <a:fontRef idx="minor"/>
+        </p:style>
+        <p:txBody>
+          <a:bodyPr wrap="none" lIns="90000" rIns="90000" tIns="45000" bIns="45000" anchor="ctr"/>
+          <a:p>
+            <a:pPr algn="ctr"/>
+            <a:r>
+              <a:rPr b="0" lang="en-US" sz="1800" spc="-1" strike="noStrike" u="sng">
+                <a:uFillTx/>
+                <a:latin typeface="Arial"/>
+              </a:rPr>
+              <a:t>Code</a:t>
+            </a:r>
+            <a:endParaRPr b="0" lang="en-US" sz="1800" spc="-1" strike="noStrike" u="sng">
+              <a:uFillTx/>
+              <a:latin typeface="Arial"/>
+            </a:endParaRPr>
+          </a:p>
+          <a:p>
+            <a:pPr algn="ctr"/>
+            <a:r>
+              <a:rPr b="0" lang="en-US" sz="1800" spc="-1" strike="noStrike">
+                <a:latin typeface="Arial"/>
+              </a:rPr>
+              <a:t>* Does it run?</a:t>
+            </a:r>
+            <a:br/>
+            <a:r>
+              <a:rPr b="0" lang="en-US" sz="1800" spc="-1" strike="noStrike">
+                <a:latin typeface="Arial"/>
+              </a:rPr>
+              <a:t>* Does it prod-</a:t>
+            </a:r>
+            <a:br/>
+            <a:r>
+              <a:rPr b="0" lang="en-US" sz="1800" spc="-1" strike="noStrike">
+                <a:latin typeface="Arial"/>
+              </a:rPr>
+              <a:t>uce the expec-</a:t>
+            </a:r>
+            <a:br/>
+            <a:r>
+              <a:rPr b="0" lang="en-US" sz="1800" spc="-1" strike="noStrike">
+                <a:latin typeface="Arial"/>
+              </a:rPr>
+              <a:t>ted outcome?</a:t>
+            </a:r>
+            <a:endParaRPr b="0" lang="en-US" sz="1800" spc="-1" strike="noStrike" u="sng">
+              <a:uFillTx/>
+              <a:latin typeface="Arial"/>
+            </a:endParaRPr>
+          </a:p>
+        </p:txBody>
+      </p:sp>
+      <p:sp>
+        <p:nvSpPr>
+          <p:cNvPr id="95" name="CustomShape 10"/>
+          <p:cNvSpPr/>
+          <p:nvPr/>
+        </p:nvSpPr>
+        <p:spPr>
+          <a:xfrm>
+            <a:off x="5194800" y="4937760"/>
+            <a:ext cx="1535760" cy="1463040"/>
+          </a:xfrm>
+          <a:prstGeom prst="flowChartProcess">
+            <a:avLst/>
+          </a:prstGeom>
+          <a:solidFill>
+            <a:srgbClr val="f37b70"/>
+          </a:solidFill>
+          <a:ln>
+            <a:solidFill>
+              <a:srgbClr val="3465a4"/>
+            </a:solidFill>
+          </a:ln>
+        </p:spPr>
+        <p:style>
+          <a:lnRef idx="0"/>
+          <a:fillRef idx="0"/>
+          <a:effectRef idx="0"/>
+          <a:fontRef idx="minor"/>
+        </p:style>
+        <p:txBody>
+          <a:bodyPr wrap="none" lIns="90000" rIns="90000" tIns="45000" bIns="45000" anchor="ctr"/>
+          <a:p>
+            <a:pPr algn="ctr"/>
+            <a:r>
+              <a:rPr b="0" lang="en-US" sz="1800" spc="-1" strike="noStrike" u="sng">
+                <a:uFillTx/>
+                <a:latin typeface="Arial"/>
+              </a:rPr>
+              <a:t>Header</a:t>
+            </a:r>
+            <a:endParaRPr b="0" lang="en-US" sz="1800" spc="-1" strike="noStrike" u="sng">
+              <a:uFillTx/>
+              <a:latin typeface="Arial"/>
+            </a:endParaRPr>
+          </a:p>
+          <a:p>
+            <a:pPr algn="ctr"/>
+            <a:r>
+              <a:rPr b="0" lang="en-US" sz="1800" spc="-1" strike="noStrike">
+                <a:latin typeface="Arial"/>
+              </a:rPr>
+              <a:t>* Does it exist?</a:t>
+            </a:r>
+            <a:br/>
+            <a:r>
+              <a:rPr b="0" lang="en-US" sz="1800" spc="-1" strike="noStrike">
+                <a:latin typeface="Arial"/>
+              </a:rPr>
+              <a:t>* Is it about</a:t>
+            </a:r>
+            <a:br/>
+            <a:r>
+              <a:rPr b="0" lang="en-US" sz="1800" spc="-1" strike="noStrike">
+                <a:latin typeface="Arial"/>
+              </a:rPr>
+              <a:t>the expected</a:t>
+            </a:r>
+            <a:br/>
+            <a:r>
+              <a:rPr b="0" lang="en-US" sz="1800" spc="-1" strike="noStrike">
+                <a:latin typeface="Arial"/>
+              </a:rPr>
+              <a:t>size?</a:t>
+            </a:r>
+            <a:endParaRPr b="0" lang="en-US" sz="1800" spc="-1" strike="noStrike" u="sng">
+              <a:uFillTx/>
+              <a:latin typeface="Arial"/>
+            </a:endParaRPr>
+          </a:p>
+        </p:txBody>
+      </p:sp>
+      <p:sp>
+        <p:nvSpPr>
+          <p:cNvPr id="96" name="CustomShape 11"/>
+          <p:cNvSpPr/>
+          <p:nvPr/>
+        </p:nvSpPr>
+        <p:spPr>
+          <a:xfrm>
+            <a:off x="6887160" y="4938120"/>
+            <a:ext cx="1433880" cy="1462680"/>
+          </a:xfrm>
+          <a:prstGeom prst="flowChartProcess">
+            <a:avLst/>
+          </a:prstGeom>
+          <a:solidFill>
+            <a:srgbClr val="f37b70"/>
+          </a:solidFill>
+          <a:ln>
+            <a:solidFill>
+              <a:srgbClr val="3465a4"/>
+            </a:solidFill>
+          </a:ln>
+        </p:spPr>
+        <p:style>
+          <a:lnRef idx="0"/>
+          <a:fillRef idx="0"/>
+          <a:effectRef idx="0"/>
+          <a:fontRef idx="minor"/>
+        </p:style>
+        <p:txBody>
+          <a:bodyPr wrap="none" lIns="90000" rIns="90000" tIns="45000" bIns="45000" anchor="ctr"/>
+          <a:p>
+            <a:pPr algn="ctr"/>
+            <a:r>
+              <a:rPr b="0" lang="en-US" sz="1800" spc="-1" strike="noStrike" u="sng">
+                <a:uFillTx/>
+                <a:latin typeface="Arial"/>
+              </a:rPr>
+              <a:t>Comments</a:t>
+            </a:r>
+            <a:endParaRPr b="0" lang="en-US" sz="1800" spc="-1" strike="noStrike" u="sng">
+              <a:uFillTx/>
+              <a:latin typeface="Arial"/>
+            </a:endParaRPr>
+          </a:p>
+          <a:p>
+            <a:pPr algn="ctr"/>
+            <a:r>
+              <a:rPr b="0" lang="en-US" sz="1800" spc="-1" strike="noStrike">
+                <a:latin typeface="Arial"/>
+              </a:rPr>
+              <a:t>* On almost</a:t>
+            </a:r>
+            <a:br/>
+            <a:r>
+              <a:rPr b="0" lang="en-US" sz="1800" spc="-1" strike="noStrike">
+                <a:latin typeface="Arial"/>
+              </a:rPr>
+              <a:t>every line?</a:t>
+            </a:r>
+            <a:endParaRPr b="0" lang="en-US" sz="1800" spc="-1" strike="noStrike" u="sng">
+              <a:uFillTx/>
+              <a:latin typeface="Arial"/>
+            </a:endParaRPr>
+          </a:p>
+        </p:txBody>
+      </p:sp>
+      <p:cxnSp>
+        <p:nvCxnSpPr>
+          <p:cNvPr id="97" name="Line 12"/>
+          <p:cNvCxnSpPr/>
+          <p:nvPr/>
+        </p:nvCxnSpPr>
+        <p:spPr>
+          <a:xfrm>
+            <a:off x="0" y="0"/>
+            <a:ext cx="360" cy="360"/>
+          </a:xfrm>
+          <a:prstGeom prst="line">
+            <a:avLst/>
+          </a:prstGeom>
+          <a:ln>
+            <a:solidFill>
+              <a:srgbClr val="3465a4"/>
+            </a:solidFill>
+          </a:ln>
+        </p:spPr>
+      </p:cxnSp>
+      <p:cxnSp>
+        <p:nvCxnSpPr>
+          <p:cNvPr id="98" name="Line 13"/>
+          <p:cNvCxnSpPr/>
+          <p:nvPr/>
+        </p:nvCxnSpPr>
+        <p:spPr>
+          <a:xfrm>
+            <a:off x="0" y="0"/>
+            <a:ext cx="360" cy="360"/>
+          </a:xfrm>
+          <a:prstGeom prst="line">
+            <a:avLst/>
+          </a:prstGeom>
+          <a:ln>
+            <a:solidFill>
+              <a:srgbClr val="3465a4"/>
+            </a:solidFill>
+          </a:ln>
+        </p:spPr>
+      </p:cxnSp>
+      <p:cxnSp>
+        <p:nvCxnSpPr>
+          <p:cNvPr id="99" name="Line 14"/>
+          <p:cNvCxnSpPr/>
+          <p:nvPr/>
+        </p:nvCxnSpPr>
+        <p:spPr>
+          <a:xfrm>
+            <a:off x="0" y="0"/>
+            <a:ext cx="360" cy="360"/>
+          </a:xfrm>
+          <a:prstGeom prst="line">
+            <a:avLst/>
+          </a:prstGeom>
+          <a:ln>
+            <a:solidFill>
+              <a:srgbClr val="3465a4"/>
+            </a:solidFill>
+          </a:ln>
+        </p:spPr>
+      </p:cxnSp>
+      <p:cxnSp>
+        <p:nvCxnSpPr>
+          <p:cNvPr id="100" name="Line 15"/>
+          <p:cNvCxnSpPr>
+            <a:stCxn id="88" idx="2"/>
+          </p:cNvCxnSpPr>
+          <p:nvPr/>
+        </p:nvCxnSpPr>
+        <p:spPr>
+          <a:xfrm flipH="1">
+            <a:off x="3519720" y="4206240"/>
+            <a:ext cx="2160" cy="387000"/>
+          </a:xfrm>
+          <a:prstGeom prst="straightConnector1">
+            <a:avLst/>
+          </a:prstGeom>
+          <a:ln>
+            <a:solidFill>
+              <a:srgbClr val="000000"/>
+            </a:solidFill>
+            <a:tailEnd len="med" type="triangle" w="med"/>
+          </a:ln>
+        </p:spPr>
+      </p:cxnSp>
+      <p:cxnSp>
+        <p:nvCxnSpPr>
+          <p:cNvPr id="101" name="Line 16"/>
+          <p:cNvCxnSpPr>
+            <a:stCxn id="90" idx="2"/>
+          </p:cNvCxnSpPr>
+          <p:nvPr/>
+        </p:nvCxnSpPr>
+        <p:spPr>
+          <a:xfrm>
+            <a:off x="8345880" y="4206600"/>
+            <a:ext cx="14760" cy="399600"/>
+          </a:xfrm>
+          <a:prstGeom prst="straightConnector1">
+            <a:avLst/>
+          </a:prstGeom>
+          <a:ln>
+            <a:solidFill>
+              <a:srgbClr val="000000"/>
+            </a:solidFill>
+            <a:tailEnd len="med" type="triangle" w="med"/>
+          </a:ln>
+        </p:spPr>
+      </p:cxnSp>
+      <p:sp>
+        <p:nvSpPr>
+          <p:cNvPr id="102" name="TextShape 17"/>
+          <p:cNvSpPr txBox="1"/>
+          <p:nvPr/>
+        </p:nvSpPr>
+        <p:spPr>
+          <a:xfrm>
+            <a:off x="382320" y="2288880"/>
+            <a:ext cx="1005840" cy="343440"/>
+          </a:xfrm>
+          <a:prstGeom prst="rect">
+            <a:avLst/>
+          </a:prstGeom>
+          <a:noFill/>
+          <a:ln>
+            <a:noFill/>
+          </a:ln>
+        </p:spPr>
+        <p:txBody>
+          <a:bodyPr lIns="90000" rIns="90000" tIns="45000" bIns="45000"/>
+          <a:p>
+            <a:r>
+              <a:rPr b="0" lang="en-US" sz="1800" spc="-1" strike="noStrike">
+                <a:latin typeface="Arial"/>
+              </a:rPr>
+              <a:t>Lab :</a:t>
+            </a:r>
+            <a:endParaRPr b="0" lang="en-US" sz="1800" spc="-1" strike="noStrike">
+              <a:latin typeface="Arial"/>
+            </a:endParaRPr>
+          </a:p>
+        </p:txBody>
+      </p:sp>
+      <p:sp>
+        <p:nvSpPr>
+          <p:cNvPr id="103" name="TextShape 18"/>
+          <p:cNvSpPr txBox="1"/>
+          <p:nvPr/>
+        </p:nvSpPr>
+        <p:spPr>
+          <a:xfrm>
+            <a:off x="382320" y="3520080"/>
+            <a:ext cx="1920240" cy="849600"/>
+          </a:xfrm>
+          <a:prstGeom prst="rect">
+            <a:avLst/>
+          </a:prstGeom>
+          <a:noFill/>
+          <a:ln>
+            <a:noFill/>
+          </a:ln>
+        </p:spPr>
+        <p:txBody>
+          <a:bodyPr lIns="90000" rIns="90000" tIns="45000" bIns="45000"/>
+          <a:p>
+            <a:r>
+              <a:rPr b="0" lang="en-US" sz="1800" spc="-1" strike="noStrike">
+                <a:latin typeface="Arial"/>
+              </a:rPr>
+              <a:t>Lab Part/</a:t>
+            </a:r>
+            <a:br/>
+            <a:r>
+              <a:rPr b="0" lang="en-US" sz="1800" spc="-1" strike="noStrike">
+                <a:latin typeface="Arial"/>
+              </a:rPr>
+              <a:t>Subassignment :</a:t>
+            </a:r>
+            <a:endParaRPr b="0" lang="en-US" sz="1800" spc="-1" strike="noStrike">
+              <a:latin typeface="Arial"/>
+            </a:endParaRPr>
+          </a:p>
+        </p:txBody>
+      </p:sp>
+      <p:sp>
+        <p:nvSpPr>
+          <p:cNvPr id="104" name="TextShape 19"/>
+          <p:cNvSpPr txBox="1"/>
+          <p:nvPr/>
+        </p:nvSpPr>
+        <p:spPr>
+          <a:xfrm>
+            <a:off x="382320" y="5419080"/>
+            <a:ext cx="1828800" cy="596520"/>
+          </a:xfrm>
+          <a:prstGeom prst="rect">
+            <a:avLst/>
+          </a:prstGeom>
+          <a:noFill/>
+          <a:ln>
+            <a:noFill/>
+          </a:ln>
+        </p:spPr>
+        <p:txBody>
+          <a:bodyPr lIns="90000" rIns="90000" tIns="45000" bIns="45000"/>
+          <a:p>
+            <a:r>
+              <a:rPr b="0" lang="en-US" sz="1800" spc="-1" strike="noStrike">
+                <a:latin typeface="Arial"/>
+              </a:rPr>
+              <a:t>Evaluated Components :</a:t>
+            </a:r>
+            <a:endParaRPr b="0" lang="en-US" sz="1800" spc="-1" strike="noStrike">
+              <a:latin typeface="Arial"/>
+            </a:endParaRPr>
+          </a:p>
+        </p:txBody>
+      </p:sp>
+    </p:spTree>
+  </p:cSld>
+  <p:timing>
+    <p:tnLst>
+      <p:par>
+        <p:cTn id="5" dur="indefinite" restart="never" nodeType="tmRoot">
+          <p:childTnLst>
+            <p:seq>
+              <p:cTn id="6" nodeType="mainSeq"/>
+              <p:prevCondLst>
+                <p:cond delay="0" evt="onPrev">
+                  <p:tgtEl>
+                    <p:sldTgt/>
+                  </p:tgtEl>
+                </p:cond>
+              </p:prevCondLst>
+              <p:nextCondLst>
+                <p:cond delay="0" evt="onNext">
+                  <p:tgtEl>
+                    <p:sldTgt/>
+                  </p:tgtEl>
+                </p:cond>
+              </p:nextCondLst>
+            </p:seq>
+          </p:childTnLst>
+        </p:cTn>
+      </p:par>
+    </p:tnLst>
+  </p:timing>
+</p:sld>
+</file>
+
+<file path=ppt/slides/slide4.xml><?xml version="1.0" encoding="utf-8"?>
+<p:sld xmlns:a="http://schemas.openxmlformats.org/drawingml/2006/main" xmlns:p="http://schemas.openxmlformats.org/presentationml/2006/main" xmlns:r="http://schemas.openxmlformats.org/officeDocument/2006/relationships" xmlns:p14="http://schemas.microsoft.com/office/powerpoint/2010/main" xmlns:p15="http://schemas.microsoft.com/office/powerpoint/2012/main" xmlns:mc="http://schemas.openxmlformats.org/markup-compatibility/2006">
+  <p:cSld>
+    <p:spTree>
+      <p:nvGrpSpPr>
+        <p:cNvPr id="1" name=""/>
+        <p:cNvGrpSpPr/>
+        <p:nvPr/>
+      </p:nvGrpSpPr>
+      <p:grpSpPr>
+        <a:xfrm>
+          <a:off x="0" y="0"/>
+          <a:ext cx="0" cy="0"/>
+          <a:chOff x="0" y="0"/>
+          <a:chExt cx="0" cy="0"/>
+        </a:xfrm>
+      </p:grpSpPr>
+      <p:sp>
+        <p:nvSpPr>
+          <p:cNvPr id="105" name="TextShape 1"/>
+          <p:cNvSpPr txBox="1"/>
+          <p:nvPr/>
+        </p:nvSpPr>
+        <p:spPr>
+          <a:xfrm>
+            <a:off x="360000" y="360000"/>
+            <a:ext cx="9359640" cy="899640"/>
+          </a:xfrm>
+          <a:prstGeom prst="rect">
+            <a:avLst/>
+          </a:prstGeom>
+          <a:noFill/>
+          <a:ln>
+            <a:noFill/>
+          </a:ln>
+        </p:spPr>
+        <p:txBody>
+          <a:bodyPr lIns="0" rIns="0" tIns="0" bIns="0" anchor="ctr"/>
+          <a:p>
+            <a:pPr algn="ctr"/>
+            <a:r>
+              <a:rPr b="0" lang="en-US" sz="4400" spc="-1" strike="noStrike">
+                <a:latin typeface="Arial"/>
+              </a:rPr>
+              <a:t>Overview: Grading Timeline</a:t>
+            </a:r>
+            <a:endParaRPr b="0" lang="en-US" sz="4400" spc="-1" strike="noStrike">
+              <a:latin typeface="Arial"/>
+            </a:endParaRPr>
+          </a:p>
+        </p:txBody>
+      </p:sp>
+      <p:graphicFrame>
+        <p:nvGraphicFramePr>
+          <p:cNvPr id="106" name="Table 2"/>
+          <p:cNvGraphicFramePr/>
+          <p:nvPr/>
+        </p:nvGraphicFramePr>
+        <p:xfrm>
+          <a:off x="3978000" y="1730520"/>
+          <a:ext cx="5679360" cy="4340160"/>
+        </p:xfrm>
+        <a:graphic>
+          <a:graphicData uri="http://schemas.openxmlformats.org/drawingml/2006/table">
+            <a:tbl>
+              <a:tblPr/>
+              <a:tblGrid>
+                <a:gridCol w="811080"/>
+                <a:gridCol w="811080"/>
+                <a:gridCol w="811080"/>
+                <a:gridCol w="811080"/>
+                <a:gridCol w="811080"/>
+                <a:gridCol w="811080"/>
+                <a:gridCol w="812880"/>
+              </a:tblGrid>
+              <a:tr h="405360">
+                <a:tc>
+                  <a:txBody>
+                    <a:bodyPr lIns="90000" rIns="90000" tIns="46800" bIns="46800" anchor="ctr"/>
+                    <a:p>
+                      <a:pPr algn="ctr"/>
+                      <a:r>
+                        <a:rPr b="0" lang="en-US" sz="1800" spc="-1" strike="noStrike">
+                          <a:latin typeface="Arial"/>
+                        </a:rPr>
+                        <a:t>S</a:t>
+                      </a:r>
+                      <a:endParaRPr b="0" lang="en-US" sz="1800" spc="-1" strike="noStrike">
+                        <a:latin typeface="Arial"/>
+                      </a:endParaRPr>
+                    </a:p>
+                  </a:txBody>
+                  <a:tcPr marL="90000" marR="90000">
+                    <a:lnL w="720">
+                      <a:solidFill>
+                        <a:srgbClr val="ffffff"/>
+                      </a:solidFill>
+                    </a:lnL>
+                    <a:lnR w="720">
+                      <a:solidFill>
+                        <a:srgbClr val="ffffff"/>
+                      </a:solidFill>
+                    </a:lnR>
+                    <a:lnT w="720">
+                      <a:solidFill>
+                        <a:srgbClr val="ffffff"/>
+                      </a:solidFill>
+                    </a:lnT>
+                    <a:lnB w="720">
+                      <a:solidFill>
+                        <a:srgbClr val="ffffff"/>
+                      </a:solidFill>
+                    </a:lnB>
+                    <a:solidFill>
+                      <a:srgbClr val="b3b3b3"/>
+                    </a:solidFill>
+                  </a:tcPr>
+                </a:tc>
+                <a:tc>
+                  <a:txBody>
+                    <a:bodyPr lIns="90000" rIns="90000" tIns="46800" bIns="46800" anchor="ctr"/>
+                    <a:p>
+                      <a:pPr algn="ctr"/>
+                      <a:r>
+                        <a:rPr b="0" lang="en-US" sz="1800" spc="-1" strike="noStrike">
+                          <a:latin typeface="Arial"/>
+                        </a:rPr>
+                        <a:t>M</a:t>
+                      </a:r>
+                      <a:endParaRPr b="0" lang="en-US" sz="1800" spc="-1" strike="noStrike">
+                        <a:latin typeface="Arial"/>
+                      </a:endParaRPr>
+                    </a:p>
+                  </a:txBody>
+                  <a:tcPr marL="90000" marR="90000">
+                    <a:lnL w="720">
+                      <a:solidFill>
+                        <a:srgbClr val="ffffff"/>
+                      </a:solidFill>
+                    </a:lnL>
+                    <a:lnR w="720">
+                      <a:solidFill>
+                        <a:srgbClr val="ffffff"/>
+                      </a:solidFill>
+                    </a:lnR>
+                    <a:lnT w="720">
+                      <a:solidFill>
+                        <a:srgbClr val="ffffff"/>
+                      </a:solidFill>
+                    </a:lnT>
+                    <a:lnB w="720">
+                      <a:solidFill>
+                        <a:srgbClr val="ffffff"/>
+                      </a:solidFill>
+                    </a:lnB>
+                    <a:solidFill>
+                      <a:srgbClr val="b3b3b3"/>
+                    </a:solidFill>
+                  </a:tcPr>
+                </a:tc>
+                <a:tc>
+                  <a:txBody>
+                    <a:bodyPr lIns="90000" rIns="90000" tIns="46800" bIns="46800" anchor="ctr"/>
+                    <a:p>
+                      <a:pPr algn="ctr"/>
+                      <a:r>
+                        <a:rPr b="0" lang="en-US" sz="1800" spc="-1" strike="noStrike">
+                          <a:latin typeface="Arial"/>
+                        </a:rPr>
+                        <a:t>T</a:t>
+                      </a:r>
+                      <a:endParaRPr b="0" lang="en-US" sz="1800" spc="-1" strike="noStrike">
+                        <a:latin typeface="Arial"/>
+                      </a:endParaRPr>
+                    </a:p>
+                  </a:txBody>
+                  <a:tcPr marL="90000" marR="90000">
+                    <a:lnL w="720">
+                      <a:solidFill>
+                        <a:srgbClr val="ffffff"/>
+                      </a:solidFill>
+                    </a:lnL>
+                    <a:lnR w="720">
+                      <a:solidFill>
+                        <a:srgbClr val="ffffff"/>
+                      </a:solidFill>
+                    </a:lnR>
+                    <a:lnT w="720">
+                      <a:solidFill>
+                        <a:srgbClr val="ffffff"/>
+                      </a:solidFill>
+                    </a:lnT>
+                    <a:lnB w="720">
+                      <a:solidFill>
+                        <a:srgbClr val="ffffff"/>
+                      </a:solidFill>
+                    </a:lnB>
+                    <a:solidFill>
+                      <a:srgbClr val="b3b3b3"/>
+                    </a:solidFill>
+                  </a:tcPr>
+                </a:tc>
+                <a:tc>
+                  <a:txBody>
+                    <a:bodyPr lIns="90000" rIns="90000" tIns="46800" bIns="46800" anchor="ctr"/>
+                    <a:p>
+                      <a:pPr algn="ctr"/>
+                      <a:r>
+                        <a:rPr b="0" lang="en-US" sz="1800" spc="-1" strike="noStrike">
+                          <a:latin typeface="Arial"/>
+                        </a:rPr>
+                        <a:t>W</a:t>
+                      </a:r>
+                      <a:endParaRPr b="0" lang="en-US" sz="1800" spc="-1" strike="noStrike">
+                        <a:latin typeface="Arial"/>
+                      </a:endParaRPr>
+                    </a:p>
+                  </a:txBody>
+                  <a:tcPr marL="90000" marR="90000">
+                    <a:lnL w="720">
+                      <a:solidFill>
+                        <a:srgbClr val="ffffff"/>
+                      </a:solidFill>
+                    </a:lnL>
+                    <a:lnR w="720">
+                      <a:solidFill>
+                        <a:srgbClr val="ffffff"/>
+                      </a:solidFill>
+                    </a:lnR>
+                    <a:lnT w="720">
+                      <a:solidFill>
+                        <a:srgbClr val="ffffff"/>
+                      </a:solidFill>
+                    </a:lnT>
+                    <a:lnB w="720">
+                      <a:solidFill>
+                        <a:srgbClr val="ffffff"/>
+                      </a:solidFill>
+                    </a:lnB>
+                    <a:solidFill>
+                      <a:srgbClr val="b3b3b3"/>
+                    </a:solidFill>
+                  </a:tcPr>
+                </a:tc>
+                <a:tc>
+                  <a:txBody>
+                    <a:bodyPr lIns="90000" rIns="90000" tIns="46800" bIns="46800" anchor="ctr"/>
+                    <a:p>
+                      <a:pPr algn="ctr"/>
+                      <a:r>
+                        <a:rPr b="0" lang="en-US" sz="1800" spc="-1" strike="noStrike">
+                          <a:latin typeface="Arial"/>
+                        </a:rPr>
+                        <a:t>Th</a:t>
+                      </a:r>
+                      <a:endParaRPr b="0" lang="en-US" sz="1800" spc="-1" strike="noStrike">
+                        <a:latin typeface="Arial"/>
+                      </a:endParaRPr>
+                    </a:p>
+                  </a:txBody>
+                  <a:tcPr marL="90000" marR="90000">
+                    <a:lnL w="720">
+                      <a:solidFill>
+                        <a:srgbClr val="ffffff"/>
+                      </a:solidFill>
+                    </a:lnL>
+                    <a:lnR w="720">
+                      <a:solidFill>
+                        <a:srgbClr val="ffffff"/>
+                      </a:solidFill>
+                    </a:lnR>
+                    <a:lnT w="720">
+                      <a:solidFill>
+                        <a:srgbClr val="ffffff"/>
+                      </a:solidFill>
+                    </a:lnT>
+                    <a:lnB w="720">
+                      <a:solidFill>
+                        <a:srgbClr val="ffffff"/>
+                      </a:solidFill>
+                    </a:lnB>
+                    <a:solidFill>
+                      <a:srgbClr val="b3b3b3"/>
+                    </a:solidFill>
+                  </a:tcPr>
+                </a:tc>
+                <a:tc>
+                  <a:txBody>
+                    <a:bodyPr lIns="90000" rIns="90000" tIns="46800" bIns="46800" anchor="ctr"/>
+                    <a:p>
+                      <a:pPr algn="ctr"/>
+                      <a:r>
+                        <a:rPr b="0" lang="en-US" sz="1800" spc="-1" strike="noStrike">
+                          <a:latin typeface="Arial"/>
+                        </a:rPr>
+                        <a:t>F</a:t>
+                      </a:r>
+                      <a:endParaRPr b="0" lang="en-US" sz="1800" spc="-1" strike="noStrike">
+                        <a:latin typeface="Arial"/>
+                      </a:endParaRPr>
+                    </a:p>
+                  </a:txBody>
+                  <a:tcPr marL="90000" marR="90000">
+                    <a:lnL w="720">
+                      <a:solidFill>
+                        <a:srgbClr val="ffffff"/>
+                      </a:solidFill>
+                    </a:lnL>
+                    <a:lnR w="720">
+                      <a:solidFill>
+                        <a:srgbClr val="ffffff"/>
+                      </a:solidFill>
+                    </a:lnR>
+                    <a:lnT w="720">
+                      <a:solidFill>
+                        <a:srgbClr val="ffffff"/>
+                      </a:solidFill>
+                    </a:lnT>
+                    <a:lnB w="720">
+                      <a:solidFill>
+                        <a:srgbClr val="ffffff"/>
+                      </a:solidFill>
+                    </a:lnB>
+                    <a:solidFill>
+                      <a:srgbClr val="b3b3b3"/>
+                    </a:solidFill>
+                  </a:tcPr>
+                </a:tc>
+                <a:tc>
+                  <a:txBody>
+                    <a:bodyPr lIns="90000" rIns="90000" tIns="46800" bIns="46800" anchor="ctr"/>
+                    <a:p>
+                      <a:pPr algn="ctr"/>
+                      <a:r>
+                        <a:rPr b="0" lang="en-US" sz="1800" spc="-1" strike="noStrike">
+                          <a:latin typeface="Arial"/>
+                        </a:rPr>
+                        <a:t>S</a:t>
+                      </a:r>
+                      <a:endParaRPr b="0" lang="en-US" sz="1800" spc="-1" strike="noStrike">
+                        <a:latin typeface="Arial"/>
+                      </a:endParaRPr>
+                    </a:p>
+                  </a:txBody>
+                  <a:tcPr marL="90000" marR="90000">
+                    <a:lnL w="720">
+                      <a:solidFill>
+                        <a:srgbClr val="ffffff"/>
+                      </a:solidFill>
+                    </a:lnL>
+                    <a:lnR w="720">
+                      <a:solidFill>
+                        <a:srgbClr val="ffffff"/>
+                      </a:solidFill>
+                    </a:lnR>
+                    <a:lnT w="720">
+                      <a:solidFill>
+                        <a:srgbClr val="ffffff"/>
+                      </a:solidFill>
+                    </a:lnT>
+                    <a:lnB w="720">
+                      <a:solidFill>
+                        <a:srgbClr val="ffffff"/>
+                      </a:solidFill>
+                    </a:lnB>
+                    <a:solidFill>
+                      <a:srgbClr val="b3b3b3"/>
+                    </a:solidFill>
+                  </a:tcPr>
+                </a:tc>
+              </a:tr>
+              <a:tr h="867600">
+                <a:tc>
+                  <a:txBody>
+                    <a:bodyPr lIns="90000" rIns="90000" tIns="46800" bIns="46800"/>
+                    <a:p>
+                      <a:r>
+                        <a:rPr b="0" lang="en-US" sz="1800" spc="-1" strike="noStrike">
+                          <a:latin typeface="Arial"/>
+                        </a:rPr>
+                        <a:t>1</a:t>
+                      </a:r>
+                      <a:endParaRPr b="0" lang="en-US" sz="1800" spc="-1" strike="noStrike">
+                        <a:latin typeface="Arial"/>
+                      </a:endParaRPr>
+                    </a:p>
+                  </a:txBody>
+                  <a:tcPr marL="90000" marR="90000">
+                    <a:lnL w="720">
+                      <a:solidFill>
+                        <a:srgbClr val="ffffff"/>
+                      </a:solidFill>
+                    </a:lnL>
+                    <a:lnR w="720">
+                      <a:solidFill>
+                        <a:srgbClr val="ffffff"/>
+                      </a:solidFill>
+                    </a:lnR>
+                    <a:lnT w="720">
+                      <a:solidFill>
+                        <a:srgbClr val="ffffff"/>
+                      </a:solidFill>
+                    </a:lnT>
+                    <a:lnB w="720">
+                      <a:solidFill>
+                        <a:srgbClr val="ffffff"/>
+                      </a:solidFill>
+                    </a:lnB>
+                    <a:solidFill>
+                      <a:srgbClr val="cccccc"/>
+                    </a:solidFill>
+                  </a:tcPr>
+                </a:tc>
+                <a:tc>
+                  <a:txBody>
+                    <a:bodyPr lIns="90000" rIns="90000" tIns="46800" bIns="46800"/>
+                    <a:p>
+                      <a:r>
+                        <a:rPr b="0" lang="en-US" sz="1800" spc="-1" strike="noStrike">
+                          <a:latin typeface="Arial"/>
+                        </a:rPr>
+                        <a:t>2</a:t>
+                      </a:r>
+                      <a:endParaRPr b="0" lang="en-US" sz="1800" spc="-1" strike="noStrike">
+                        <a:latin typeface="Arial"/>
+                      </a:endParaRPr>
+                    </a:p>
+                  </a:txBody>
+                  <a:tcPr marL="90000" marR="90000">
+                    <a:lnL w="720">
+                      <a:solidFill>
+                        <a:srgbClr val="ffffff"/>
+                      </a:solidFill>
+                    </a:lnL>
+                    <a:lnR w="720">
+                      <a:solidFill>
+                        <a:srgbClr val="ffffff"/>
+                      </a:solidFill>
+                    </a:lnR>
+                    <a:lnT w="720">
+                      <a:solidFill>
+                        <a:srgbClr val="ffffff"/>
+                      </a:solidFill>
+                    </a:lnT>
+                    <a:lnB w="720">
+                      <a:solidFill>
+                        <a:srgbClr val="ffffff"/>
+                      </a:solidFill>
+                    </a:lnB>
+                    <a:solidFill>
+                      <a:srgbClr val="cccccc"/>
+                    </a:solidFill>
+                  </a:tcPr>
+                </a:tc>
+                <a:tc>
+                  <a:txBody>
+                    <a:bodyPr lIns="90000" rIns="90000" tIns="46800" bIns="46800"/>
+                    <a:p>
+                      <a:r>
+                        <a:rPr b="0" lang="en-US" sz="1800" spc="-1" strike="noStrike">
+                          <a:latin typeface="Arial"/>
+                        </a:rPr>
+                        <a:t>3</a:t>
+                      </a:r>
+                      <a:endParaRPr b="0" lang="en-US" sz="1800" spc="-1" strike="noStrike">
+                        <a:latin typeface="Arial"/>
+                      </a:endParaRPr>
+                    </a:p>
+                  </a:txBody>
+                  <a:tcPr marL="90000" marR="90000">
+                    <a:lnL w="720">
+                      <a:solidFill>
+                        <a:srgbClr val="ffffff"/>
+                      </a:solidFill>
+                    </a:lnL>
+                    <a:lnR w="720">
+                      <a:solidFill>
+                        <a:srgbClr val="ffffff"/>
+                      </a:solidFill>
+                    </a:lnR>
+                    <a:lnT w="720">
+                      <a:solidFill>
+                        <a:srgbClr val="ffffff"/>
+                      </a:solidFill>
+                    </a:lnT>
+                    <a:lnB w="720">
+                      <a:solidFill>
+                        <a:srgbClr val="ffffff"/>
+                      </a:solidFill>
+                    </a:lnB>
+                    <a:solidFill>
+                      <a:srgbClr val="cccccc"/>
+                    </a:solidFill>
+                  </a:tcPr>
+                </a:tc>
+                <a:tc>
+                  <a:txBody>
+                    <a:bodyPr lIns="90000" rIns="90000" tIns="46800" bIns="46800"/>
+                    <a:p>
+                      <a:r>
+                        <a:rPr b="0" lang="en-US" sz="1800" spc="-1" strike="noStrike">
+                          <a:latin typeface="Arial"/>
+                        </a:rPr>
+                        <a:t>4</a:t>
+                      </a:r>
+                      <a:endParaRPr b="0" lang="en-US" sz="1800" spc="-1" strike="noStrike">
+                        <a:latin typeface="Arial"/>
+                      </a:endParaRPr>
+                    </a:p>
+                  </a:txBody>
+                  <a:tcPr marL="90000" marR="90000">
+                    <a:lnL w="720">
+                      <a:solidFill>
+                        <a:srgbClr val="ffffff"/>
+                      </a:solidFill>
+                    </a:lnL>
+                    <a:lnR w="720">
+                      <a:solidFill>
+                        <a:srgbClr val="ffffff"/>
+                      </a:solidFill>
+                    </a:lnR>
+                    <a:lnT w="720">
+                      <a:solidFill>
+                        <a:srgbClr val="ffffff"/>
+                      </a:solidFill>
+                    </a:lnT>
+                    <a:lnB w="720">
+                      <a:solidFill>
+                        <a:srgbClr val="ffffff"/>
+                      </a:solidFill>
+                    </a:lnB>
+                    <a:solidFill>
+                      <a:srgbClr val="cccccc"/>
+                    </a:solidFill>
+                  </a:tcPr>
+                </a:tc>
+                <a:tc>
+                  <a:txBody>
+                    <a:bodyPr lIns="90000" rIns="90000" tIns="46800" bIns="46800"/>
+                    <a:p>
+                      <a:r>
+                        <a:rPr b="0" lang="en-US" sz="1800" spc="-1" strike="noStrike">
+                          <a:latin typeface="Arial"/>
+                        </a:rPr>
+                        <a:t>5</a:t>
+                      </a:r>
+                      <a:endParaRPr b="0" lang="en-US" sz="1800" spc="-1" strike="noStrike">
+                        <a:latin typeface="Arial"/>
+                      </a:endParaRPr>
+                    </a:p>
+                  </a:txBody>
+                  <a:tcPr marL="90000" marR="90000">
+                    <a:lnL w="720">
+                      <a:solidFill>
+                        <a:srgbClr val="ffffff"/>
+                      </a:solidFill>
+                    </a:lnL>
+                    <a:lnR w="720">
+                      <a:solidFill>
+                        <a:srgbClr val="ffffff"/>
+                      </a:solidFill>
+                    </a:lnR>
+                    <a:lnT w="720">
+                      <a:solidFill>
+                        <a:srgbClr val="ffffff"/>
+                      </a:solidFill>
+                    </a:lnT>
+                    <a:lnB w="720">
+                      <a:solidFill>
+                        <a:srgbClr val="ffffff"/>
+                      </a:solidFill>
+                    </a:lnB>
+                    <a:solidFill>
+                      <a:srgbClr val="cccccc"/>
+                    </a:solidFill>
+                  </a:tcPr>
+                </a:tc>
+                <a:tc>
+                  <a:txBody>
+                    <a:bodyPr lIns="90000" rIns="90000" tIns="46800" bIns="46800"/>
+                    <a:p>
+                      <a:r>
+                        <a:rPr b="0" lang="en-US" sz="1800" spc="-1" strike="noStrike">
+                          <a:latin typeface="Arial"/>
+                        </a:rPr>
+                        <a:t>6</a:t>
+                      </a:r>
+                      <a:endParaRPr b="0" lang="en-US" sz="1800" spc="-1" strike="noStrike">
+                        <a:latin typeface="Arial"/>
+                      </a:endParaRPr>
+                    </a:p>
+                  </a:txBody>
+                  <a:tcPr marL="90000" marR="90000">
+                    <a:lnL w="720">
+                      <a:solidFill>
+                        <a:srgbClr val="ffffff"/>
+                      </a:solidFill>
+                    </a:lnL>
+                    <a:lnR w="720">
+                      <a:solidFill>
+                        <a:srgbClr val="ffffff"/>
+                      </a:solidFill>
+                    </a:lnR>
+                    <a:lnT w="720">
+                      <a:solidFill>
+                        <a:srgbClr val="ffffff"/>
+                      </a:solidFill>
+                    </a:lnT>
+                    <a:lnB w="720">
+                      <a:solidFill>
+                        <a:srgbClr val="ffffff"/>
+                      </a:solidFill>
+                    </a:lnB>
+                    <a:solidFill>
+                      <a:srgbClr val="cccccc"/>
+                    </a:solidFill>
+                  </a:tcPr>
+                </a:tc>
+                <a:tc>
+                  <a:txBody>
+                    <a:bodyPr lIns="90000" rIns="90000" tIns="46800" bIns="46800"/>
+                    <a:p>
+                      <a:r>
+                        <a:rPr b="0" lang="en-US" sz="1800" spc="-1" strike="noStrike">
+                          <a:latin typeface="Arial"/>
+                        </a:rPr>
+                        <a:t>7</a:t>
+                      </a:r>
+                      <a:endParaRPr b="0" lang="en-US" sz="1800" spc="-1" strike="noStrike">
+                        <a:latin typeface="Arial"/>
+                      </a:endParaRPr>
+                    </a:p>
+                  </a:txBody>
+                  <a:tcPr marL="90000" marR="90000">
+                    <a:lnL w="720">
+                      <a:solidFill>
+                        <a:srgbClr val="ffffff"/>
+                      </a:solidFill>
+                    </a:lnL>
+                    <a:lnR w="720">
+                      <a:solidFill>
+                        <a:srgbClr val="ffffff"/>
+                      </a:solidFill>
+                    </a:lnR>
+                    <a:lnT w="720">
+                      <a:solidFill>
+                        <a:srgbClr val="ffffff"/>
+                      </a:solidFill>
+                    </a:lnT>
+                    <a:lnB w="720">
+                      <a:solidFill>
+                        <a:srgbClr val="ffffff"/>
+                      </a:solidFill>
+                    </a:lnB>
+                    <a:solidFill>
+                      <a:srgbClr val="cccccc"/>
+                    </a:solidFill>
+                  </a:tcPr>
+                </a:tc>
+              </a:tr>
+              <a:tr h="867600">
+                <a:tc>
+                  <a:txBody>
+                    <a:bodyPr lIns="90000" rIns="90000" tIns="46800" bIns="46800"/>
+                    <a:p>
+                      <a:r>
+                        <a:rPr b="0" lang="en-US" sz="1800" spc="-1" strike="noStrike">
+                          <a:latin typeface="Arial"/>
+                        </a:rPr>
+                        <a:t>8</a:t>
+                      </a:r>
+                      <a:endParaRPr b="0" lang="en-US" sz="1800" spc="-1" strike="noStrike">
+                        <a:latin typeface="Arial"/>
+                      </a:endParaRPr>
+                    </a:p>
+                  </a:txBody>
+                  <a:tcPr marL="90000" marR="90000">
+                    <a:lnL w="720">
+                      <a:solidFill>
+                        <a:srgbClr val="ffffff"/>
+                      </a:solidFill>
+                    </a:lnL>
+                    <a:lnR w="720">
+                      <a:solidFill>
+                        <a:srgbClr val="ffffff"/>
+                      </a:solidFill>
+                    </a:lnR>
+                    <a:lnT w="720">
+                      <a:solidFill>
+                        <a:srgbClr val="ffffff"/>
+                      </a:solidFill>
+                    </a:lnT>
+                    <a:lnB w="720">
+                      <a:solidFill>
+                        <a:srgbClr val="ffffff"/>
+                      </a:solidFill>
+                    </a:lnB>
+                    <a:solidFill>
+                      <a:srgbClr val="e6e6e6"/>
+                    </a:solidFill>
+                  </a:tcPr>
+                </a:tc>
+                <a:tc>
+                  <a:txBody>
+                    <a:bodyPr lIns="90000" rIns="90000" tIns="46800" bIns="46800"/>
+                    <a:p>
+                      <a:r>
+                        <a:rPr b="0" lang="en-US" sz="1800" spc="-1" strike="noStrike">
+                          <a:latin typeface="Arial"/>
+                        </a:rPr>
+                        <a:t>9</a:t>
+                      </a:r>
+                      <a:endParaRPr b="0" lang="en-US" sz="1800" spc="-1" strike="noStrike">
+                        <a:latin typeface="Arial"/>
+                      </a:endParaRPr>
+                    </a:p>
+                  </a:txBody>
+                  <a:tcPr marL="90000" marR="90000">
+                    <a:lnL w="720">
+                      <a:solidFill>
+                        <a:srgbClr val="ffffff"/>
+                      </a:solidFill>
+                    </a:lnL>
+                    <a:lnR w="720">
+                      <a:solidFill>
+                        <a:srgbClr val="ffffff"/>
+                      </a:solidFill>
+                    </a:lnR>
+                    <a:lnT w="720">
+                      <a:solidFill>
+                        <a:srgbClr val="ffffff"/>
+                      </a:solidFill>
+                    </a:lnT>
+                    <a:lnB w="720">
+                      <a:solidFill>
+                        <a:srgbClr val="ffffff"/>
+                      </a:solidFill>
+                    </a:lnB>
+                    <a:solidFill>
+                      <a:srgbClr val="e6e6e6"/>
+                    </a:solidFill>
+                  </a:tcPr>
+                </a:tc>
+                <a:tc>
+                  <a:txBody>
+                    <a:bodyPr lIns="90000" rIns="90000" tIns="46800" bIns="46800"/>
+                    <a:p>
+                      <a:r>
+                        <a:rPr b="0" lang="en-US" sz="1800" spc="-1" strike="noStrike">
+                          <a:latin typeface="Arial"/>
+                        </a:rPr>
+                        <a:t>10</a:t>
+                      </a:r>
+                      <a:endParaRPr b="0" lang="en-US" sz="1800" spc="-1" strike="noStrike">
+                        <a:latin typeface="Arial"/>
+                      </a:endParaRPr>
+                    </a:p>
+                  </a:txBody>
+                  <a:tcPr marL="90000" marR="90000">
+                    <a:lnL w="720">
+                      <a:solidFill>
+                        <a:srgbClr val="ffffff"/>
+                      </a:solidFill>
+                    </a:lnL>
+                    <a:lnR w="720">
+                      <a:solidFill>
+                        <a:srgbClr val="ffffff"/>
+                      </a:solidFill>
+                    </a:lnR>
+                    <a:lnT w="720">
+                      <a:solidFill>
+                        <a:srgbClr val="ffffff"/>
+                      </a:solidFill>
+                    </a:lnT>
+                    <a:lnB w="720">
+                      <a:solidFill>
+                        <a:srgbClr val="ffffff"/>
+                      </a:solidFill>
+                    </a:lnB>
+                    <a:solidFill>
+                      <a:srgbClr val="e6e6e6"/>
+                    </a:solidFill>
+                  </a:tcPr>
+                </a:tc>
+                <a:tc>
+                  <a:txBody>
+                    <a:bodyPr lIns="90000" rIns="90000" tIns="46800" bIns="46800"/>
+                    <a:p>
+                      <a:r>
+                        <a:rPr b="0" lang="en-US" sz="1800" spc="-1" strike="noStrike">
+                          <a:latin typeface="Arial"/>
+                        </a:rPr>
+                        <a:t>11</a:t>
+                      </a:r>
+                      <a:endParaRPr b="0" lang="en-US" sz="1800" spc="-1" strike="noStrike">
+                        <a:latin typeface="Arial"/>
+                      </a:endParaRPr>
+                    </a:p>
+                  </a:txBody>
+                  <a:tcPr marL="90000" marR="90000">
+                    <a:lnL w="720">
+                      <a:solidFill>
+                        <a:srgbClr val="ffffff"/>
+                      </a:solidFill>
+                    </a:lnL>
+                    <a:lnR w="720">
+                      <a:solidFill>
+                        <a:srgbClr val="ffffff"/>
+                      </a:solidFill>
+                    </a:lnR>
+                    <a:lnT w="720">
+                      <a:solidFill>
+                        <a:srgbClr val="ffffff"/>
+                      </a:solidFill>
+                    </a:lnT>
+                    <a:lnB w="720">
+                      <a:solidFill>
+                        <a:srgbClr val="ffffff"/>
+                      </a:solidFill>
+                    </a:lnB>
+                    <a:solidFill>
+                      <a:srgbClr val="e6e6e6"/>
+                    </a:solidFill>
+                  </a:tcPr>
+                </a:tc>
+                <a:tc>
+                  <a:txBody>
+                    <a:bodyPr lIns="90000" rIns="90000" tIns="46800" bIns="46800"/>
+                    <a:p>
+                      <a:r>
+                        <a:rPr b="0" lang="en-US" sz="1800" spc="-1" strike="noStrike">
+                          <a:latin typeface="Arial"/>
+                        </a:rPr>
+                        <a:t>12</a:t>
+                      </a:r>
+                      <a:endParaRPr b="0" lang="en-US" sz="1800" spc="-1" strike="noStrike">
+                        <a:latin typeface="Arial"/>
+                      </a:endParaRPr>
+                    </a:p>
+                  </a:txBody>
+                  <a:tcPr marL="90000" marR="90000">
+                    <a:lnL w="720">
+                      <a:solidFill>
+                        <a:srgbClr val="ffffff"/>
+                      </a:solidFill>
+                    </a:lnL>
+                    <a:lnR w="720">
+                      <a:solidFill>
+                        <a:srgbClr val="ffffff"/>
+                      </a:solidFill>
+                    </a:lnR>
+                    <a:lnT w="720">
+                      <a:solidFill>
+                        <a:srgbClr val="ffffff"/>
+                      </a:solidFill>
+                    </a:lnT>
+                    <a:lnB w="720">
+                      <a:solidFill>
+                        <a:srgbClr val="ffffff"/>
+                      </a:solidFill>
+                    </a:lnB>
+                    <a:solidFill>
+                      <a:srgbClr val="e6e6e6"/>
+                    </a:solidFill>
+                  </a:tcPr>
+                </a:tc>
+                <a:tc>
+                  <a:txBody>
+                    <a:bodyPr lIns="90000" rIns="90000" tIns="46800" bIns="46800"/>
+                    <a:p>
+                      <a:r>
+                        <a:rPr b="0" lang="en-US" sz="1800" spc="-1" strike="noStrike">
+                          <a:latin typeface="Arial"/>
+                        </a:rPr>
+                        <a:t>13</a:t>
+                      </a:r>
+                      <a:endParaRPr b="0" lang="en-US" sz="1800" spc="-1" strike="noStrike">
+                        <a:latin typeface="Arial"/>
+                      </a:endParaRPr>
+                    </a:p>
+                  </a:txBody>
+                  <a:tcPr marL="90000" marR="90000">
+                    <a:lnL w="720">
+                      <a:solidFill>
+                        <a:srgbClr val="ffffff"/>
+                      </a:solidFill>
+                    </a:lnL>
+                    <a:lnR w="720">
+                      <a:solidFill>
+                        <a:srgbClr val="ffffff"/>
+                      </a:solidFill>
+                    </a:lnR>
+                    <a:lnT w="720">
+                      <a:solidFill>
+                        <a:srgbClr val="ffffff"/>
+                      </a:solidFill>
+                    </a:lnT>
+                    <a:lnB w="720">
+                      <a:solidFill>
+                        <a:srgbClr val="ffffff"/>
+                      </a:solidFill>
+                    </a:lnB>
+                    <a:solidFill>
+                      <a:srgbClr val="e6e6e6"/>
+                    </a:solidFill>
+                  </a:tcPr>
+                </a:tc>
+                <a:tc>
+                  <a:txBody>
+                    <a:bodyPr lIns="90000" rIns="90000" tIns="46800" bIns="46800"/>
+                    <a:p>
+                      <a:r>
+                        <a:rPr b="0" lang="en-US" sz="1800" spc="-1" strike="noStrike">
+                          <a:latin typeface="Arial"/>
+                        </a:rPr>
+                        <a:t>14</a:t>
+                      </a:r>
+                      <a:endParaRPr b="0" lang="en-US" sz="1800" spc="-1" strike="noStrike">
+                        <a:latin typeface="Arial"/>
+                      </a:endParaRPr>
+                    </a:p>
+                  </a:txBody>
+                  <a:tcPr marL="90000" marR="90000">
+                    <a:lnL w="720">
+                      <a:solidFill>
+                        <a:srgbClr val="ffffff"/>
+                      </a:solidFill>
+                    </a:lnL>
+                    <a:lnR w="720">
+                      <a:solidFill>
+                        <a:srgbClr val="ffffff"/>
+                      </a:solidFill>
+                    </a:lnR>
+                    <a:lnT w="720">
+                      <a:solidFill>
+                        <a:srgbClr val="ffffff"/>
+                      </a:solidFill>
+                    </a:lnT>
+                    <a:lnB w="720">
+                      <a:solidFill>
+                        <a:srgbClr val="ffffff"/>
+                      </a:solidFill>
+                    </a:lnB>
+                    <a:solidFill>
+                      <a:srgbClr val="e6e6e6"/>
+                    </a:solidFill>
+                  </a:tcPr>
+                </a:tc>
+              </a:tr>
+              <a:tr h="867600">
+                <a:tc>
+                  <a:txBody>
+                    <a:bodyPr lIns="90000" rIns="90000" tIns="46800" bIns="46800"/>
+                    <a:p>
+                      <a:r>
+                        <a:rPr b="0" lang="en-US" sz="1800" spc="-1" strike="noStrike">
+                          <a:latin typeface="Arial"/>
+                        </a:rPr>
+                        <a:t>15</a:t>
+                      </a:r>
+                      <a:endParaRPr b="0" lang="en-US" sz="1800" spc="-1" strike="noStrike">
+                        <a:latin typeface="Arial"/>
+                      </a:endParaRPr>
+                    </a:p>
+                  </a:txBody>
+                  <a:tcPr marL="90000" marR="90000">
+                    <a:lnL w="720">
+                      <a:solidFill>
+                        <a:srgbClr val="ffffff"/>
+                      </a:solidFill>
+                    </a:lnL>
+                    <a:lnR w="720">
+                      <a:solidFill>
+                        <a:srgbClr val="ffffff"/>
+                      </a:solidFill>
+                    </a:lnR>
+                    <a:lnT w="720">
+                      <a:solidFill>
+                        <a:srgbClr val="ffffff"/>
+                      </a:solidFill>
+                    </a:lnT>
+                    <a:lnB w="720">
+                      <a:solidFill>
+                        <a:srgbClr val="ffffff"/>
+                      </a:solidFill>
+                    </a:lnB>
+                    <a:solidFill>
+                      <a:srgbClr val="cccccc"/>
+                    </a:solidFill>
+                  </a:tcPr>
+                </a:tc>
+                <a:tc>
+                  <a:txBody>
+                    <a:bodyPr lIns="90000" rIns="90000" tIns="46800" bIns="46800"/>
+                    <a:p>
+                      <a:r>
+                        <a:rPr b="0" lang="en-US" sz="1800" spc="-1" strike="noStrike">
+                          <a:latin typeface="Arial"/>
+                        </a:rPr>
+                        <a:t>16</a:t>
+                      </a:r>
+                      <a:endParaRPr b="0" lang="en-US" sz="1800" spc="-1" strike="noStrike">
+                        <a:latin typeface="Arial"/>
+                      </a:endParaRPr>
+                    </a:p>
+                  </a:txBody>
+                  <a:tcPr marL="90000" marR="90000">
+                    <a:lnL w="720">
+                      <a:solidFill>
+                        <a:srgbClr val="ffffff"/>
+                      </a:solidFill>
+                    </a:lnL>
+                    <a:lnR w="720">
+                      <a:solidFill>
+                        <a:srgbClr val="ffffff"/>
+                      </a:solidFill>
+                    </a:lnR>
+                    <a:lnT w="720">
+                      <a:solidFill>
+                        <a:srgbClr val="ffffff"/>
+                      </a:solidFill>
+                    </a:lnT>
+                    <a:lnB w="720">
+                      <a:solidFill>
+                        <a:srgbClr val="ffffff"/>
+                      </a:solidFill>
+                    </a:lnB>
+                    <a:solidFill>
+                      <a:srgbClr val="cccccc"/>
+                    </a:solidFill>
+                  </a:tcPr>
+                </a:tc>
+                <a:tc>
+                  <a:txBody>
+                    <a:bodyPr lIns="90000" rIns="90000" tIns="46800" bIns="46800"/>
+                    <a:p>
+                      <a:r>
+                        <a:rPr b="0" lang="en-US" sz="1800" spc="-1" strike="noStrike">
+                          <a:latin typeface="Arial"/>
+                        </a:rPr>
+                        <a:t>17</a:t>
+                      </a:r>
+                      <a:endParaRPr b="0" lang="en-US" sz="1800" spc="-1" strike="noStrike">
+                        <a:latin typeface="Arial"/>
+                      </a:endParaRPr>
+                    </a:p>
+                  </a:txBody>
+                  <a:tcPr marL="90000" marR="90000">
+                    <a:lnL w="720">
+                      <a:solidFill>
+                        <a:srgbClr val="ffffff"/>
+                      </a:solidFill>
+                    </a:lnL>
+                    <a:lnR w="720">
+                      <a:solidFill>
+                        <a:srgbClr val="ffffff"/>
+                      </a:solidFill>
+                    </a:lnR>
+                    <a:lnT w="720">
+                      <a:solidFill>
+                        <a:srgbClr val="ffffff"/>
+                      </a:solidFill>
+                    </a:lnT>
+                    <a:lnB w="720">
+                      <a:solidFill>
+                        <a:srgbClr val="ffffff"/>
+                      </a:solidFill>
+                    </a:lnB>
+                    <a:solidFill>
+                      <a:srgbClr val="cccccc"/>
+                    </a:solidFill>
+                  </a:tcPr>
+                </a:tc>
+                <a:tc>
+                  <a:txBody>
+                    <a:bodyPr lIns="90000" rIns="90000" tIns="46800" bIns="46800"/>
+                    <a:p>
+                      <a:r>
+                        <a:rPr b="0" lang="en-US" sz="1800" spc="-1" strike="noStrike">
+                          <a:latin typeface="Arial"/>
+                        </a:rPr>
+                        <a:t>18</a:t>
+                      </a:r>
+                      <a:endParaRPr b="0" lang="en-US" sz="1800" spc="-1" strike="noStrike">
+                        <a:latin typeface="Arial"/>
+                      </a:endParaRPr>
+                    </a:p>
+                  </a:txBody>
+                  <a:tcPr marL="90000" marR="90000">
+                    <a:lnL w="720">
+                      <a:solidFill>
+                        <a:srgbClr val="ffffff"/>
+                      </a:solidFill>
+                    </a:lnL>
+                    <a:lnR w="720">
+                      <a:solidFill>
+                        <a:srgbClr val="ffffff"/>
+                      </a:solidFill>
+                    </a:lnR>
+                    <a:lnT w="720">
+                      <a:solidFill>
+                        <a:srgbClr val="ffffff"/>
+                      </a:solidFill>
+                    </a:lnT>
+                    <a:lnB w="720">
+                      <a:solidFill>
+                        <a:srgbClr val="ffffff"/>
+                      </a:solidFill>
+                    </a:lnB>
+                    <a:solidFill>
+                      <a:srgbClr val="cccccc"/>
+                    </a:solidFill>
+                  </a:tcPr>
+                </a:tc>
+                <a:tc>
+                  <a:txBody>
+                    <a:bodyPr lIns="90000" rIns="90000" tIns="46800" bIns="46800"/>
+                    <a:p>
+                      <a:r>
+                        <a:rPr b="0" lang="en-US" sz="1800" spc="-1" strike="noStrike">
+                          <a:latin typeface="Arial"/>
+                        </a:rPr>
+                        <a:t>19</a:t>
+                      </a:r>
+                      <a:endParaRPr b="0" lang="en-US" sz="1800" spc="-1" strike="noStrike">
+                        <a:latin typeface="Arial"/>
+                      </a:endParaRPr>
+                    </a:p>
+                  </a:txBody>
+                  <a:tcPr marL="90000" marR="90000">
+                    <a:lnL w="720">
+                      <a:solidFill>
+                        <a:srgbClr val="ffffff"/>
+                      </a:solidFill>
+                    </a:lnL>
+                    <a:lnR w="720">
+                      <a:solidFill>
+                        <a:srgbClr val="ffffff"/>
+                      </a:solidFill>
+                    </a:lnR>
+                    <a:lnT w="720">
+                      <a:solidFill>
+                        <a:srgbClr val="ffffff"/>
+                      </a:solidFill>
+                    </a:lnT>
+                    <a:lnB w="720">
+                      <a:solidFill>
+                        <a:srgbClr val="ffffff"/>
+                      </a:solidFill>
+                    </a:lnB>
+                    <a:solidFill>
+                      <a:srgbClr val="cccccc"/>
+                    </a:solidFill>
+                  </a:tcPr>
+                </a:tc>
+                <a:tc>
+                  <a:txBody>
+                    <a:bodyPr lIns="90000" rIns="90000" tIns="46800" bIns="46800"/>
+                    <a:p>
+                      <a:r>
+                        <a:rPr b="0" lang="en-US" sz="1800" spc="-1" strike="noStrike">
+                          <a:latin typeface="Arial"/>
+                        </a:rPr>
+                        <a:t>20</a:t>
+                      </a:r>
+                      <a:endParaRPr b="0" lang="en-US" sz="1800" spc="-1" strike="noStrike">
+                        <a:latin typeface="Arial"/>
+                      </a:endParaRPr>
+                    </a:p>
+                  </a:txBody>
+                  <a:tcPr marL="90000" marR="90000">
+                    <a:lnL w="720">
+                      <a:solidFill>
+                        <a:srgbClr val="ffffff"/>
+                      </a:solidFill>
+                    </a:lnL>
+                    <a:lnR w="720">
+                      <a:solidFill>
+                        <a:srgbClr val="ffffff"/>
+                      </a:solidFill>
+                    </a:lnR>
+                    <a:lnT w="720">
+                      <a:solidFill>
+                        <a:srgbClr val="ffffff"/>
+                      </a:solidFill>
+                    </a:lnT>
+                    <a:lnB w="720">
+                      <a:solidFill>
+                        <a:srgbClr val="ffffff"/>
+                      </a:solidFill>
+                    </a:lnB>
+                    <a:solidFill>
+                      <a:srgbClr val="cccccc"/>
+                    </a:solidFill>
+                  </a:tcPr>
+                </a:tc>
+                <a:tc>
+                  <a:txBody>
+                    <a:bodyPr lIns="90000" rIns="90000" tIns="46800" bIns="46800"/>
+                    <a:p>
+                      <a:r>
+                        <a:rPr b="0" lang="en-US" sz="1800" spc="-1" strike="noStrike">
+                          <a:latin typeface="Arial"/>
+                        </a:rPr>
+                        <a:t>21</a:t>
+                      </a:r>
+                      <a:endParaRPr b="0" lang="en-US" sz="1800" spc="-1" strike="noStrike">
+                        <a:latin typeface="Arial"/>
+                      </a:endParaRPr>
+                    </a:p>
+                  </a:txBody>
+                  <a:tcPr marL="90000" marR="90000">
+                    <a:lnL w="720">
+                      <a:solidFill>
+                        <a:srgbClr val="ffffff"/>
+                      </a:solidFill>
+                    </a:lnL>
+                    <a:lnR w="720">
+                      <a:solidFill>
+                        <a:srgbClr val="ffffff"/>
+                      </a:solidFill>
+                    </a:lnR>
+                    <a:lnT w="720">
+                      <a:solidFill>
+                        <a:srgbClr val="ffffff"/>
+                      </a:solidFill>
+                    </a:lnT>
+                    <a:lnB w="720">
+                      <a:solidFill>
+                        <a:srgbClr val="ffffff"/>
+                      </a:solidFill>
+                    </a:lnB>
+                    <a:solidFill>
+                      <a:srgbClr val="cccccc"/>
+                    </a:solidFill>
+                  </a:tcPr>
+                </a:tc>
+              </a:tr>
+              <a:tr h="869760">
+                <a:tc>
+                  <a:txBody>
+                    <a:bodyPr lIns="90000" rIns="90000" tIns="46800" bIns="46800"/>
+                    <a:p>
+                      <a:r>
+                        <a:rPr b="0" lang="en-US" sz="1800" spc="-1" strike="noStrike">
+                          <a:latin typeface="Arial"/>
+                        </a:rPr>
+                        <a:t>22</a:t>
+                      </a:r>
+                      <a:endParaRPr b="0" lang="en-US" sz="1800" spc="-1" strike="noStrike">
+                        <a:latin typeface="Arial"/>
+                      </a:endParaRPr>
+                    </a:p>
+                  </a:txBody>
+                  <a:tcPr marL="90000" marR="90000">
+                    <a:lnL w="720">
+                      <a:solidFill>
+                        <a:srgbClr val="ffffff"/>
+                      </a:solidFill>
+                    </a:lnL>
+                    <a:lnR w="720">
+                      <a:solidFill>
+                        <a:srgbClr val="ffffff"/>
+                      </a:solidFill>
+                    </a:lnR>
+                    <a:lnT w="720">
+                      <a:solidFill>
+                        <a:srgbClr val="ffffff"/>
+                      </a:solidFill>
+                    </a:lnT>
+                    <a:lnB w="720">
+                      <a:solidFill>
+                        <a:srgbClr val="ffffff"/>
+                      </a:solidFill>
+                    </a:lnB>
+                    <a:solidFill>
+                      <a:srgbClr val="e6e6e6"/>
+                    </a:solidFill>
+                  </a:tcPr>
+                </a:tc>
+                <a:tc>
+                  <a:txBody>
+                    <a:bodyPr lIns="90000" rIns="90000" tIns="46800" bIns="46800"/>
+                    <a:p>
+                      <a:r>
+                        <a:rPr b="0" lang="en-US" sz="1800" spc="-1" strike="noStrike">
+                          <a:latin typeface="Arial"/>
+                        </a:rPr>
+                        <a:t>23</a:t>
+                      </a:r>
+                      <a:endParaRPr b="0" lang="en-US" sz="1800" spc="-1" strike="noStrike">
+                        <a:latin typeface="Arial"/>
+                      </a:endParaRPr>
+                    </a:p>
+                  </a:txBody>
+                  <a:tcPr marL="90000" marR="90000">
+                    <a:lnL w="720">
+                      <a:solidFill>
+                        <a:srgbClr val="ffffff"/>
+                      </a:solidFill>
+                    </a:lnL>
+                    <a:lnR w="720">
+                      <a:solidFill>
+                        <a:srgbClr val="ffffff"/>
+                      </a:solidFill>
+                    </a:lnR>
+                    <a:lnT w="720">
+                      <a:solidFill>
+                        <a:srgbClr val="ffffff"/>
+                      </a:solidFill>
+                    </a:lnT>
+                    <a:lnB w="720">
+                      <a:solidFill>
+                        <a:srgbClr val="ffffff"/>
+                      </a:solidFill>
+                    </a:lnB>
+                    <a:solidFill>
+                      <a:srgbClr val="e6e6e6"/>
+                    </a:solidFill>
+                  </a:tcPr>
+                </a:tc>
+                <a:tc>
+                  <a:txBody>
+                    <a:bodyPr lIns="90000" rIns="90000" tIns="46800" bIns="46800"/>
+                    <a:p>
+                      <a:r>
+                        <a:rPr b="0" lang="en-US" sz="1800" spc="-1" strike="noStrike">
+                          <a:latin typeface="Arial"/>
+                        </a:rPr>
+                        <a:t>24</a:t>
+                      </a:r>
+                      <a:endParaRPr b="0" lang="en-US" sz="1800" spc="-1" strike="noStrike">
+                        <a:latin typeface="Arial"/>
+                      </a:endParaRPr>
+                    </a:p>
+                  </a:txBody>
+                  <a:tcPr marL="90000" marR="90000">
+                    <a:lnL w="720">
+                      <a:solidFill>
+                        <a:srgbClr val="ffffff"/>
+                      </a:solidFill>
+                    </a:lnL>
+                    <a:lnR w="720">
+                      <a:solidFill>
+                        <a:srgbClr val="ffffff"/>
+                      </a:solidFill>
+                    </a:lnR>
+                    <a:lnT w="720">
+                      <a:solidFill>
+                        <a:srgbClr val="ffffff"/>
+                      </a:solidFill>
+                    </a:lnT>
+                    <a:lnB w="720">
+                      <a:solidFill>
+                        <a:srgbClr val="ffffff"/>
+                      </a:solidFill>
+                    </a:lnB>
+                    <a:solidFill>
+                      <a:srgbClr val="e6e6e6"/>
+                    </a:solidFill>
+                  </a:tcPr>
+                </a:tc>
+                <a:tc>
+                  <a:txBody>
+                    <a:bodyPr lIns="90000" rIns="90000" tIns="46800" bIns="46800"/>
+                    <a:p>
+                      <a:r>
+                        <a:rPr b="0" lang="en-US" sz="1800" spc="-1" strike="noStrike">
+                          <a:latin typeface="Arial"/>
+                        </a:rPr>
+                        <a:t>25</a:t>
+                      </a:r>
+                      <a:endParaRPr b="0" lang="en-US" sz="1800" spc="-1" strike="noStrike">
+                        <a:latin typeface="Arial"/>
+                      </a:endParaRPr>
+                    </a:p>
+                  </a:txBody>
+                  <a:tcPr marL="90000" marR="90000">
+                    <a:lnL w="720">
+                      <a:solidFill>
+                        <a:srgbClr val="ffffff"/>
+                      </a:solidFill>
+                    </a:lnL>
+                    <a:lnR w="720">
+                      <a:solidFill>
+                        <a:srgbClr val="ffffff"/>
+                      </a:solidFill>
+                    </a:lnR>
+                    <a:lnT w="720">
+                      <a:solidFill>
+                        <a:srgbClr val="ffffff"/>
+                      </a:solidFill>
+                    </a:lnT>
+                    <a:lnB w="720">
+                      <a:solidFill>
+                        <a:srgbClr val="ffffff"/>
+                      </a:solidFill>
+                    </a:lnB>
+                    <a:solidFill>
+                      <a:srgbClr val="e6e6e6"/>
+                    </a:solidFill>
+                  </a:tcPr>
+                </a:tc>
+                <a:tc>
+                  <a:txBody>
+                    <a:bodyPr lIns="90000" rIns="90000" tIns="46800" bIns="46800"/>
+                    <a:p>
+                      <a:r>
+                        <a:rPr b="0" lang="en-US" sz="1800" spc="-1" strike="noStrike">
+                          <a:latin typeface="Arial"/>
+                        </a:rPr>
+                        <a:t>26</a:t>
+                      </a:r>
+                      <a:endParaRPr b="0" lang="en-US" sz="1800" spc="-1" strike="noStrike">
+                        <a:latin typeface="Arial"/>
+                      </a:endParaRPr>
+                    </a:p>
+                  </a:txBody>
+                  <a:tcPr marL="90000" marR="90000">
+                    <a:lnL w="720">
+                      <a:solidFill>
+                        <a:srgbClr val="ffffff"/>
+                      </a:solidFill>
+                    </a:lnL>
+                    <a:lnR w="720">
+                      <a:solidFill>
+                        <a:srgbClr val="ffffff"/>
+                      </a:solidFill>
+                    </a:lnR>
+                    <a:lnT w="720">
+                      <a:solidFill>
+                        <a:srgbClr val="ffffff"/>
+                      </a:solidFill>
+                    </a:lnT>
+                    <a:lnB w="720">
+                      <a:solidFill>
+                        <a:srgbClr val="ffffff"/>
+                      </a:solidFill>
+                    </a:lnB>
+                    <a:solidFill>
+                      <a:srgbClr val="e6e6e6"/>
+                    </a:solidFill>
+                  </a:tcPr>
+                </a:tc>
+                <a:tc>
+                  <a:txBody>
+                    <a:bodyPr lIns="90000" rIns="90000" tIns="46800" bIns="46800"/>
+                    <a:p>
+                      <a:r>
+                        <a:rPr b="0" lang="en-US" sz="1800" spc="-1" strike="noStrike">
+                          <a:latin typeface="Arial"/>
+                        </a:rPr>
+                        <a:t>27</a:t>
+                      </a:r>
+                      <a:endParaRPr b="0" lang="en-US" sz="1800" spc="-1" strike="noStrike">
+                        <a:latin typeface="Arial"/>
+                      </a:endParaRPr>
+                    </a:p>
+                  </a:txBody>
+                  <a:tcPr marL="90000" marR="90000">
+                    <a:lnL w="720">
+                      <a:solidFill>
+                        <a:srgbClr val="ffffff"/>
+                      </a:solidFill>
+                    </a:lnL>
+                    <a:lnR w="720">
+                      <a:solidFill>
+                        <a:srgbClr val="ffffff"/>
+                      </a:solidFill>
+                    </a:lnR>
+                    <a:lnT w="720">
+                      <a:solidFill>
+                        <a:srgbClr val="ffffff"/>
+                      </a:solidFill>
+                    </a:lnT>
+                    <a:lnB w="720">
+                      <a:solidFill>
+                        <a:srgbClr val="ffffff"/>
+                      </a:solidFill>
+                    </a:lnB>
+                    <a:solidFill>
+                      <a:srgbClr val="e6e6e6"/>
+                    </a:solidFill>
+                  </a:tcPr>
+                </a:tc>
+                <a:tc>
+                  <a:txBody>
+                    <a:bodyPr lIns="90000" rIns="90000" tIns="46800" bIns="46800"/>
+                    <a:p>
+                      <a:r>
+                        <a:rPr b="0" lang="en-US" sz="1800" spc="-1" strike="noStrike">
+                          <a:latin typeface="Arial"/>
+                        </a:rPr>
+                        <a:t>28</a:t>
+                      </a:r>
+                      <a:endParaRPr b="0" lang="en-US" sz="1800" spc="-1" strike="noStrike">
+                        <a:latin typeface="Arial"/>
+                      </a:endParaRPr>
+                    </a:p>
+                  </a:txBody>
+                  <a:tcPr marL="90000" marR="90000">
+                    <a:lnL w="720">
+                      <a:solidFill>
+                        <a:srgbClr val="ffffff"/>
+                      </a:solidFill>
+                    </a:lnL>
+                    <a:lnR w="720">
+                      <a:solidFill>
+                        <a:srgbClr val="ffffff"/>
+                      </a:solidFill>
+                    </a:lnR>
+                    <a:lnT w="720">
+                      <a:solidFill>
+                        <a:srgbClr val="ffffff"/>
+                      </a:solidFill>
+                    </a:lnT>
+                    <a:lnB w="720">
+                      <a:solidFill>
+                        <a:srgbClr val="ffffff"/>
+                      </a:solidFill>
+                    </a:lnB>
+                    <a:solidFill>
+                      <a:srgbClr val="e6e6e6"/>
+                    </a:solidFill>
+                  </a:tcPr>
+                </a:tc>
+              </a:tr>
+              <a:tr h="869760">
+                <a:tc>
+                  <a:txBody>
+                    <a:bodyPr lIns="90000" rIns="90000" tIns="46800" bIns="46800"/>
+                    <a:p>
+                      <a:r>
+                        <a:rPr b="0" lang="en-US" sz="1800" spc="-1" strike="noStrike">
+                          <a:latin typeface="Arial"/>
+                        </a:rPr>
+                        <a:t>29</a:t>
+                      </a:r>
+                      <a:endParaRPr b="0" lang="en-US" sz="1800" spc="-1" strike="noStrike">
+                        <a:latin typeface="Arial"/>
+                      </a:endParaRPr>
+                    </a:p>
+                  </a:txBody>
+                  <a:tcPr marL="90000" marR="90000">
+                    <a:lnL w="720">
+                      <a:solidFill>
+                        <a:srgbClr val="ffffff"/>
+                      </a:solidFill>
+                    </a:lnL>
+                    <a:lnR w="720">
+                      <a:solidFill>
+                        <a:srgbClr val="ffffff"/>
+                      </a:solidFill>
+                    </a:lnR>
+                    <a:lnT w="720">
+                      <a:solidFill>
+                        <a:srgbClr val="ffffff"/>
+                      </a:solidFill>
+                    </a:lnT>
+                    <a:lnB w="720">
+                      <a:solidFill>
+                        <a:srgbClr val="ffffff"/>
+                      </a:solidFill>
+                    </a:lnB>
+                    <a:solidFill>
+                      <a:srgbClr val="cccccc"/>
+                    </a:solidFill>
+                  </a:tcPr>
+                </a:tc>
+                <a:tc>
+                  <a:txBody>
+                    <a:bodyPr lIns="90000" rIns="90000" tIns="46800" bIns="46800"/>
+                    <a:p>
+                      <a:r>
+                        <a:rPr b="0" lang="en-US" sz="1800" spc="-1" strike="noStrike">
+                          <a:latin typeface="Arial"/>
+                        </a:rPr>
+                        <a:t>30</a:t>
+                      </a:r>
+                      <a:endParaRPr b="0" lang="en-US" sz="1800" spc="-1" strike="noStrike">
+                        <a:latin typeface="Arial"/>
+                      </a:endParaRPr>
+                    </a:p>
+                  </a:txBody>
+                  <a:tcPr marL="90000" marR="90000">
+                    <a:lnL w="720">
+                      <a:solidFill>
+                        <a:srgbClr val="ffffff"/>
+                      </a:solidFill>
+                    </a:lnL>
+                    <a:lnR w="720">
+                      <a:solidFill>
+                        <a:srgbClr val="ffffff"/>
+                      </a:solidFill>
+                    </a:lnR>
+                    <a:lnT w="720">
+                      <a:solidFill>
+                        <a:srgbClr val="ffffff"/>
+                      </a:solidFill>
+                    </a:lnT>
+                    <a:lnB w="720">
+                      <a:solidFill>
+                        <a:srgbClr val="ffffff"/>
+                      </a:solidFill>
+                    </a:lnB>
+                    <a:solidFill>
+                      <a:srgbClr val="cccccc"/>
+                    </a:solidFill>
+                  </a:tcPr>
+                </a:tc>
+                <a:tc>
+                  <a:txBody>
+                    <a:bodyPr lIns="90000" rIns="90000" tIns="46800" bIns="46800"/>
+                    <a:p>
+                      <a:r>
+                        <a:rPr b="0" lang="en-US" sz="1800" spc="-1" strike="noStrike">
+                          <a:latin typeface="Arial"/>
+                        </a:rPr>
+                        <a:t>31</a:t>
+                      </a:r>
+                      <a:endParaRPr b="0" lang="en-US" sz="1800" spc="-1" strike="noStrike">
+                        <a:latin typeface="Arial"/>
+                      </a:endParaRPr>
+                    </a:p>
+                  </a:txBody>
+                  <a:tcPr marL="90000" marR="90000">
+                    <a:lnL w="720">
+                      <a:solidFill>
+                        <a:srgbClr val="ffffff"/>
+                      </a:solidFill>
+                    </a:lnL>
+                    <a:lnR w="720">
+                      <a:solidFill>
+                        <a:srgbClr val="ffffff"/>
+                      </a:solidFill>
+                    </a:lnR>
+                    <a:lnT w="720">
+                      <a:solidFill>
+                        <a:srgbClr val="ffffff"/>
+                      </a:solidFill>
+                    </a:lnT>
+                    <a:lnB w="720">
+                      <a:solidFill>
+                        <a:srgbClr val="ffffff"/>
+                      </a:solidFill>
+                    </a:lnB>
+                    <a:solidFill>
+                      <a:srgbClr val="cccccc"/>
+                    </a:solidFill>
+                  </a:tcPr>
+                </a:tc>
+                <a:tc>
+                  <a:tcPr marL="90000" marR="90000">
+                    <a:lnL w="720">
+                      <a:solidFill>
+                        <a:srgbClr val="ffffff"/>
+                      </a:solidFill>
+                    </a:lnL>
+                    <a:lnR w="720">
+                      <a:solidFill>
+                        <a:srgbClr val="ffffff"/>
+                      </a:solidFill>
+                    </a:lnR>
+                    <a:lnT w="720">
+                      <a:solidFill>
+                        <a:srgbClr val="ffffff"/>
+                      </a:solidFill>
+                    </a:lnT>
+                    <a:lnB w="720">
+                      <a:solidFill>
+                        <a:srgbClr val="ffffff"/>
+                      </a:solidFill>
+                    </a:lnB>
+                    <a:solidFill>
+                      <a:srgbClr val="cccccc"/>
+                    </a:solidFill>
+                  </a:tcPr>
+                </a:tc>
+                <a:tc>
+                  <a:tcPr marL="90000" marR="90000">
+                    <a:lnL w="720">
+                      <a:solidFill>
+                        <a:srgbClr val="ffffff"/>
+                      </a:solidFill>
+                    </a:lnL>
+                    <a:lnR w="720">
+                      <a:solidFill>
+                        <a:srgbClr val="ffffff"/>
+                      </a:solidFill>
+                    </a:lnR>
+                    <a:lnT w="720">
+                      <a:solidFill>
+                        <a:srgbClr val="ffffff"/>
+                      </a:solidFill>
+                    </a:lnT>
+                    <a:lnB w="720">
+                      <a:solidFill>
+                        <a:srgbClr val="ffffff"/>
+                      </a:solidFill>
+                    </a:lnB>
+                    <a:solidFill>
+                      <a:srgbClr val="cccccc"/>
+                    </a:solidFill>
+                  </a:tcPr>
+                </a:tc>
+                <a:tc>
+                  <a:tcPr marL="90000" marR="90000">
+                    <a:lnL w="720">
+                      <a:solidFill>
+                        <a:srgbClr val="ffffff"/>
+                      </a:solidFill>
+                    </a:lnL>
+                    <a:lnR w="720">
+                      <a:solidFill>
+                        <a:srgbClr val="ffffff"/>
+                      </a:solidFill>
+                    </a:lnR>
+                    <a:lnT w="720">
+                      <a:solidFill>
+                        <a:srgbClr val="ffffff"/>
+                      </a:solidFill>
+                    </a:lnT>
+                    <a:lnB w="720">
+                      <a:solidFill>
+                        <a:srgbClr val="ffffff"/>
+                      </a:solidFill>
+                    </a:lnB>
+                    <a:solidFill>
+                      <a:srgbClr val="cccccc"/>
+                    </a:solidFill>
+                  </a:tcPr>
+                </a:tc>
+                <a:tc>
+                  <a:tcPr marL="90000" marR="90000">
+                    <a:lnL w="720">
+                      <a:solidFill>
+                        <a:srgbClr val="ffffff"/>
+                      </a:solidFill>
+                    </a:lnL>
+                    <a:lnR w="720">
+                      <a:solidFill>
+                        <a:srgbClr val="ffffff"/>
+                      </a:solidFill>
+                    </a:lnR>
+                    <a:lnT w="720">
+                      <a:solidFill>
+                        <a:srgbClr val="ffffff"/>
+                      </a:solidFill>
+                    </a:lnT>
+                    <a:lnB w="720">
+                      <a:solidFill>
+                        <a:srgbClr val="ffffff"/>
+                      </a:solidFill>
+                    </a:lnB>
+                    <a:solidFill>
+                      <a:srgbClr val="cccccc"/>
+                    </a:solidFill>
+                  </a:tcPr>
+                </a:tc>
+              </a:tr>
+            </a:tbl>
+          </a:graphicData>
+        </a:graphic>
+      </p:graphicFrame>
+      <p:sp>
+        <p:nvSpPr>
+          <p:cNvPr id="107" name="CustomShape 3"/>
+          <p:cNvSpPr/>
+          <p:nvPr/>
+        </p:nvSpPr>
+        <p:spPr>
+          <a:xfrm>
+            <a:off x="5394960" y="2286000"/>
+            <a:ext cx="4206240" cy="548640"/>
+          </a:xfrm>
+          <a:custGeom>
+            <a:avLst/>
+            <a:gdLst/>
+            <a:ahLst/>
+            <a:rect l="0" t="0" r="r" b="b"/>
+            <a:pathLst>
+              <a:path w="11686" h="1525">
+                <a:moveTo>
+                  <a:pt x="0" y="464"/>
+                </a:moveTo>
+                <a:lnTo>
+                  <a:pt x="10278" y="464"/>
+                </a:lnTo>
+                <a:lnTo>
+                  <a:pt x="10278" y="0"/>
+                </a:lnTo>
+                <a:lnTo>
+                  <a:pt x="11685" y="762"/>
+                </a:lnTo>
+                <a:lnTo>
+                  <a:pt x="10278" y="1524"/>
+                </a:lnTo>
+                <a:lnTo>
+                  <a:pt x="10278" y="1061"/>
+                </a:lnTo>
+                <a:lnTo>
+                  <a:pt x="0" y="1061"/>
+                </a:lnTo>
+                <a:lnTo>
+                  <a:pt x="0" y="464"/>
+                </a:lnTo>
+              </a:path>
+            </a:pathLst>
+          </a:custGeom>
+          <a:solidFill>
+            <a:srgbClr val="72bf44"/>
+          </a:solidFill>
+          <a:ln>
+            <a:solidFill>
+              <a:srgbClr val="3465a4"/>
+            </a:solidFill>
+          </a:ln>
+        </p:spPr>
+        <p:style>
+          <a:lnRef idx="0"/>
+          <a:fillRef idx="0"/>
+          <a:effectRef idx="0"/>
+          <a:fontRef idx="minor"/>
+        </p:style>
+      </p:sp>
+      <p:sp>
+        <p:nvSpPr>
+          <p:cNvPr id="108" name="CustomShape 4"/>
+          <p:cNvSpPr/>
+          <p:nvPr/>
+        </p:nvSpPr>
+        <p:spPr>
+          <a:xfrm>
+            <a:off x="3978000" y="3291840"/>
+            <a:ext cx="1416960" cy="365760"/>
+          </a:xfrm>
+          <a:custGeom>
+            <a:avLst/>
+            <a:gdLst/>
+            <a:ahLst/>
+            <a:rect l="0" t="0" r="r" b="b"/>
+            <a:pathLst>
+              <a:path w="3938" h="1018">
+                <a:moveTo>
+                  <a:pt x="0" y="254"/>
+                </a:moveTo>
+                <a:lnTo>
+                  <a:pt x="2952" y="254"/>
+                </a:lnTo>
+                <a:lnTo>
+                  <a:pt x="2952" y="0"/>
+                </a:lnTo>
+                <a:lnTo>
+                  <a:pt x="3937" y="508"/>
+                </a:lnTo>
+                <a:lnTo>
+                  <a:pt x="2952" y="1017"/>
+                </a:lnTo>
+                <a:lnTo>
+                  <a:pt x="2952" y="762"/>
+                </a:lnTo>
+                <a:lnTo>
+                  <a:pt x="0" y="762"/>
+                </a:lnTo>
+                <a:lnTo>
+                  <a:pt x="0" y="254"/>
+                </a:lnTo>
+              </a:path>
+            </a:pathLst>
+          </a:custGeom>
+          <a:solidFill>
+            <a:srgbClr val="72bf44"/>
+          </a:solidFill>
+          <a:ln>
+            <a:solidFill>
+              <a:srgbClr val="3465a4"/>
+            </a:solidFill>
+          </a:ln>
+        </p:spPr>
+        <p:style>
+          <a:lnRef idx="0"/>
+          <a:fillRef idx="0"/>
+          <a:effectRef idx="0"/>
+          <a:fontRef idx="minor"/>
+        </p:style>
+      </p:sp>
+      <p:sp>
+        <p:nvSpPr>
+          <p:cNvPr id="109" name="CustomShape 5"/>
+          <p:cNvSpPr/>
+          <p:nvPr/>
+        </p:nvSpPr>
+        <p:spPr>
+          <a:xfrm>
+            <a:off x="5395320" y="3150360"/>
+            <a:ext cx="4206240" cy="548640"/>
+          </a:xfrm>
+          <a:custGeom>
+            <a:avLst/>
+            <a:gdLst/>
+            <a:ahLst/>
+            <a:rect l="0" t="0" r="r" b="b"/>
+            <a:pathLst>
+              <a:path w="11686" h="1525">
+                <a:moveTo>
+                  <a:pt x="0" y="464"/>
+                </a:moveTo>
+                <a:lnTo>
+                  <a:pt x="10278" y="464"/>
+                </a:lnTo>
+                <a:lnTo>
+                  <a:pt x="10278" y="0"/>
+                </a:lnTo>
+                <a:lnTo>
+                  <a:pt x="11685" y="762"/>
+                </a:lnTo>
+                <a:lnTo>
+                  <a:pt x="10278" y="1524"/>
+                </a:lnTo>
+                <a:lnTo>
+                  <a:pt x="10278" y="1061"/>
+                </a:lnTo>
+                <a:lnTo>
+                  <a:pt x="0" y="1061"/>
+                </a:lnTo>
+                <a:lnTo>
+                  <a:pt x="0" y="464"/>
+                </a:lnTo>
+              </a:path>
+            </a:pathLst>
+          </a:custGeom>
+          <a:solidFill>
+            <a:srgbClr val="ef413d"/>
+          </a:solidFill>
+          <a:ln>
+            <a:solidFill>
+              <a:srgbClr val="3465a4"/>
+            </a:solidFill>
+          </a:ln>
+        </p:spPr>
+        <p:style>
+          <a:lnRef idx="0"/>
+          <a:fillRef idx="0"/>
+          <a:effectRef idx="0"/>
+          <a:fontRef idx="minor"/>
+        </p:style>
+      </p:sp>
+      <p:sp>
+        <p:nvSpPr>
+          <p:cNvPr id="110" name="CustomShape 6"/>
+          <p:cNvSpPr/>
+          <p:nvPr/>
+        </p:nvSpPr>
+        <p:spPr>
+          <a:xfrm>
+            <a:off x="3978360" y="4192200"/>
+            <a:ext cx="1416960" cy="365760"/>
+          </a:xfrm>
+          <a:custGeom>
+            <a:avLst/>
+            <a:gdLst/>
+            <a:ahLst/>
+            <a:rect l="0" t="0" r="r" b="b"/>
+            <a:pathLst>
+              <a:path w="3938" h="1018">
+                <a:moveTo>
+                  <a:pt x="0" y="254"/>
+                </a:moveTo>
+                <a:lnTo>
+                  <a:pt x="2952" y="254"/>
+                </a:lnTo>
+                <a:lnTo>
+                  <a:pt x="2952" y="0"/>
+                </a:lnTo>
+                <a:lnTo>
+                  <a:pt x="3937" y="508"/>
+                </a:lnTo>
+                <a:lnTo>
+                  <a:pt x="2952" y="1017"/>
+                </a:lnTo>
+                <a:lnTo>
+                  <a:pt x="2952" y="762"/>
+                </a:lnTo>
+                <a:lnTo>
+                  <a:pt x="0" y="762"/>
+                </a:lnTo>
+                <a:lnTo>
+                  <a:pt x="0" y="254"/>
+                </a:lnTo>
+              </a:path>
+            </a:pathLst>
+          </a:custGeom>
+          <a:solidFill>
+            <a:srgbClr val="ef413d"/>
+          </a:solidFill>
+          <a:ln>
+            <a:solidFill>
+              <a:srgbClr val="3465a4"/>
+            </a:solidFill>
+          </a:ln>
+        </p:spPr>
+        <p:style>
+          <a:lnRef idx="0"/>
+          <a:fillRef idx="0"/>
+          <a:effectRef idx="0"/>
+          <a:fontRef idx="minor"/>
+        </p:style>
+      </p:sp>
+      <p:sp>
+        <p:nvSpPr>
+          <p:cNvPr id="111" name="TextShape 7"/>
+          <p:cNvSpPr txBox="1"/>
+          <p:nvPr/>
+        </p:nvSpPr>
+        <p:spPr>
+          <a:xfrm>
+            <a:off x="6457680" y="2399760"/>
+            <a:ext cx="1954800" cy="343440"/>
+          </a:xfrm>
+          <a:prstGeom prst="rect">
+            <a:avLst/>
+          </a:prstGeom>
+          <a:noFill/>
+          <a:ln>
+            <a:noFill/>
+          </a:ln>
+        </p:spPr>
+        <p:txBody>
+          <a:bodyPr lIns="90000" rIns="90000" tIns="45000" bIns="45000"/>
+          <a:p>
+            <a:r>
+              <a:rPr b="0" lang="en-US" sz="1800" spc="-1" strike="noStrike">
+                <a:latin typeface="Arial"/>
+              </a:rPr>
+              <a:t>Full-Credit Period</a:t>
+            </a:r>
+            <a:endParaRPr b="0" lang="en-US" sz="1800" spc="-1" strike="noStrike">
+              <a:latin typeface="Arial"/>
+            </a:endParaRPr>
+          </a:p>
+        </p:txBody>
+      </p:sp>
+      <p:sp>
+        <p:nvSpPr>
+          <p:cNvPr id="112" name="TextShape 8"/>
+          <p:cNvSpPr txBox="1"/>
+          <p:nvPr/>
+        </p:nvSpPr>
+        <p:spPr>
+          <a:xfrm>
+            <a:off x="6289920" y="3258720"/>
+            <a:ext cx="2334240" cy="343440"/>
+          </a:xfrm>
+          <a:prstGeom prst="rect">
+            <a:avLst/>
+          </a:prstGeom>
+          <a:noFill/>
+          <a:ln>
+            <a:noFill/>
+          </a:ln>
+        </p:spPr>
+        <p:txBody>
+          <a:bodyPr lIns="90000" rIns="90000" tIns="45000" bIns="45000"/>
+          <a:p>
+            <a:r>
+              <a:rPr b="0" lang="en-US" sz="1800" spc="-1" strike="noStrike">
+                <a:latin typeface="Arial"/>
+              </a:rPr>
+              <a:t>Resubmission Period</a:t>
+            </a:r>
+            <a:endParaRPr b="0" lang="en-US" sz="1800" spc="-1" strike="noStrike">
+              <a:latin typeface="Arial"/>
+            </a:endParaRPr>
+          </a:p>
+        </p:txBody>
+      </p:sp>
+      <p:sp>
+        <p:nvSpPr>
+          <p:cNvPr id="113" name="TextShape 9"/>
+          <p:cNvSpPr txBox="1"/>
+          <p:nvPr/>
+        </p:nvSpPr>
+        <p:spPr>
+          <a:xfrm>
+            <a:off x="274320" y="1737360"/>
+            <a:ext cx="3291840" cy="4645800"/>
+          </a:xfrm>
+          <a:prstGeom prst="rect">
+            <a:avLst/>
+          </a:prstGeom>
+          <a:noFill/>
+          <a:ln>
+            <a:noFill/>
+          </a:ln>
+        </p:spPr>
+        <p:txBody>
+          <a:bodyPr lIns="90000" rIns="90000" tIns="45000" bIns="45000"/>
+          <a:p>
+            <a:r>
+              <a:rPr b="0" lang="en-US" sz="1800" spc="-1" strike="noStrike">
+                <a:latin typeface="Arial"/>
+              </a:rPr>
+              <a:t>Lab assignments will typically be assigned a week before they are due.</a:t>
+            </a:r>
+            <a:endParaRPr b="0" lang="en-US" sz="1800" spc="-1" strike="noStrike">
+              <a:latin typeface="Arial"/>
+            </a:endParaRPr>
+          </a:p>
+          <a:p>
+            <a:endParaRPr b="0" lang="en-US" sz="1800" spc="-1" strike="noStrike">
+              <a:latin typeface="Arial"/>
+            </a:endParaRPr>
+          </a:p>
+          <a:p>
+            <a:r>
+              <a:rPr b="0" lang="en-US" sz="1800" spc="-1" strike="noStrike">
+                <a:latin typeface="Arial"/>
+              </a:rPr>
+              <a:t>During the week before they are due, the student can submit as many tries as he/she desires.</a:t>
+            </a:r>
+            <a:endParaRPr b="0" lang="en-US" sz="1800" spc="-1" strike="noStrike">
+              <a:latin typeface="Arial"/>
+            </a:endParaRPr>
+          </a:p>
+          <a:p>
+            <a:endParaRPr b="0" lang="en-US" sz="1800" spc="-1" strike="noStrike">
+              <a:latin typeface="Arial"/>
+            </a:endParaRPr>
+          </a:p>
+          <a:p>
+            <a:r>
+              <a:rPr b="0" lang="en-US" sz="1800" spc="-1" strike="noStrike">
+                <a:latin typeface="Arial"/>
+              </a:rPr>
+              <a:t>After the due date, the TA for that student’s lab section will run the autograder, which will only grade the latest submission before the cutoff.</a:t>
+            </a:r>
+            <a:endParaRPr b="0" lang="en-US" sz="1800" spc="-1" strike="noStrike">
+              <a:latin typeface="Arial"/>
+            </a:endParaRPr>
+          </a:p>
+          <a:p>
+            <a:endParaRPr b="0" lang="en-US" sz="1800" spc="-1" strike="noStrike">
+              <a:latin typeface="Arial"/>
+            </a:endParaRPr>
+          </a:p>
+          <a:p>
+            <a:r>
+              <a:rPr b="0" lang="en-US" sz="1800" spc="-1" strike="noStrike">
+                <a:latin typeface="Arial"/>
+              </a:rPr>
+              <a:t>During the week following the due date, students can resubmit for up to 80% credit.</a:t>
+            </a:r>
+            <a:endParaRPr b="0" lang="en-US" sz="1800" spc="-1" strike="noStrike">
+              <a:latin typeface="Arial"/>
+            </a:endParaRPr>
+          </a:p>
+        </p:txBody>
+      </p:sp>
+    </p:spTree>
+  </p:cSld>
+  <p:timing>
+    <p:tnLst>
+      <p:par>
+        <p:cTn id="7" dur="indefinite" restart="never" nodeType="tmRoot">
+          <p:childTnLst>
+            <p:seq>
+              <p:cTn id="8" nodeType="mainSeq"/>
+              <p:prevCondLst>
+                <p:cond delay="0" evt="onPrev">
+                  <p:tgtEl>
+                    <p:sldTgt/>
+                  </p:tgtEl>
+                </p:cond>
+              </p:prevCondLst>
+              <p:nextCondLst>
+                <p:cond delay="0" evt="onNext">
+                  <p:tgtEl>
+                    <p:sldTgt/>
+                  </p:tgtEl>
+                </p:cond>
+              </p:nextCondLst>
+            </p:seq>
+          </p:childTnLst>
+        </p:cTn>
+      </p:par>
+    </p:tnLst>
+  </p:timing>
+</p:sld>
+</file>
+
+<file path=ppt/slides/slide5.xml><?xml version="1.0" encoding="utf-8"?>
+<p:sld xmlns:a="http://schemas.openxmlformats.org/drawingml/2006/main" xmlns:p="http://schemas.openxmlformats.org/presentationml/2006/main" xmlns:r="http://schemas.openxmlformats.org/officeDocument/2006/relationships" xmlns:p14="http://schemas.microsoft.com/office/powerpoint/2010/main" xmlns:p15="http://schemas.microsoft.com/office/powerpoint/2012/main" xmlns:mc="http://schemas.openxmlformats.org/markup-compatibility/2006">
+  <p:cSld>
+    <p:spTree>
+      <p:nvGrpSpPr>
+        <p:cNvPr id="1" name=""/>
+        <p:cNvGrpSpPr/>
+        <p:nvPr/>
+      </p:nvGrpSpPr>
+      <p:grpSpPr>
+        <a:xfrm>
+          <a:off x="0" y="0"/>
+          <a:ext cx="0" cy="0"/>
+          <a:chOff x="0" y="0"/>
+          <a:chExt cx="0" cy="0"/>
+        </a:xfrm>
+      </p:grpSpPr>
+      <p:sp>
+        <p:nvSpPr>
+          <p:cNvPr id="114" name="TextShape 1"/>
+          <p:cNvSpPr txBox="1"/>
+          <p:nvPr/>
+        </p:nvSpPr>
+        <p:spPr>
+          <a:xfrm>
+            <a:off x="360000" y="360000"/>
+            <a:ext cx="9359640" cy="899640"/>
+          </a:xfrm>
+          <a:prstGeom prst="rect">
+            <a:avLst/>
+          </a:prstGeom>
+          <a:noFill/>
+          <a:ln>
+            <a:noFill/>
+          </a:ln>
+        </p:spPr>
+        <p:txBody>
+          <a:bodyPr lIns="0" rIns="0" tIns="0" bIns="0" anchor="ctr"/>
+          <a:p>
+            <a:pPr algn="ctr"/>
+            <a:r>
+              <a:rPr b="0" lang="en-US" sz="4400" spc="-1" strike="noStrike">
+                <a:latin typeface="Arial"/>
+              </a:rPr>
+              <a:t>Overview: File Flow (What You’ll Do)</a:t>
+            </a:r>
+            <a:endParaRPr b="0" lang="en-US" sz="4400" spc="-1" strike="noStrike">
+              <a:latin typeface="Arial"/>
+            </a:endParaRPr>
+          </a:p>
+        </p:txBody>
+      </p:sp>
+      <p:pic>
+        <p:nvPicPr>
+          <p:cNvPr id="115" name="" descr=""/>
+          <p:cNvPicPr/>
+          <p:nvPr/>
+        </p:nvPicPr>
+        <p:blipFill>
+          <a:blip r:embed="rId1"/>
+          <a:srcRect l="34891" t="23169" r="35169" b="24987"/>
+          <a:stretch/>
+        </p:blipFill>
+        <p:spPr>
+          <a:xfrm>
+            <a:off x="4408560" y="1668240"/>
+            <a:ext cx="1554480" cy="1413000"/>
+          </a:xfrm>
+          <a:prstGeom prst="rect">
+            <a:avLst/>
+          </a:prstGeom>
+          <a:ln>
+            <a:noFill/>
+          </a:ln>
+        </p:spPr>
+      </p:pic>
+      <p:sp>
+        <p:nvSpPr>
+          <p:cNvPr id="116" name="TextShape 2"/>
+          <p:cNvSpPr txBox="1"/>
+          <p:nvPr/>
+        </p:nvSpPr>
+        <p:spPr>
+          <a:xfrm>
+            <a:off x="4039200" y="3131280"/>
+            <a:ext cx="2361600" cy="343440"/>
+          </a:xfrm>
+          <a:prstGeom prst="rect">
+            <a:avLst/>
+          </a:prstGeom>
+          <a:noFill/>
+          <a:ln>
+            <a:noFill/>
+          </a:ln>
+        </p:spPr>
+        <p:txBody>
+          <a:bodyPr lIns="90000" rIns="90000" tIns="45000" bIns="45000"/>
+          <a:p>
+            <a:r>
+              <a:rPr b="0" lang="en-US" sz="1800" spc="-1" strike="noStrike">
+                <a:latin typeface="Arial"/>
+              </a:rPr>
+              <a:t>ME 273 Google Drive</a:t>
+            </a:r>
+            <a:endParaRPr b="0" lang="en-US" sz="1800" spc="-1" strike="noStrike">
+              <a:latin typeface="Arial"/>
+            </a:endParaRPr>
+          </a:p>
+        </p:txBody>
+      </p:sp>
+      <p:pic>
+        <p:nvPicPr>
+          <p:cNvPr id="117" name="" descr=""/>
+          <p:cNvPicPr/>
+          <p:nvPr/>
+        </p:nvPicPr>
+        <p:blipFill>
+          <a:blip r:embed="rId2"/>
+          <a:srcRect l="0" t="31465" r="0" b="32852"/>
+          <a:stretch/>
+        </p:blipFill>
+        <p:spPr>
+          <a:xfrm>
+            <a:off x="7129440" y="2194560"/>
+            <a:ext cx="2563200" cy="914040"/>
+          </a:xfrm>
+          <a:prstGeom prst="rect">
+            <a:avLst/>
+          </a:prstGeom>
+          <a:ln>
+            <a:noFill/>
+          </a:ln>
+        </p:spPr>
+      </p:pic>
+      <p:pic>
+        <p:nvPicPr>
+          <p:cNvPr id="118" name="" descr=""/>
+          <p:cNvPicPr/>
+          <p:nvPr/>
+        </p:nvPicPr>
+        <p:blipFill>
+          <a:blip r:embed="rId3"/>
+          <a:stretch/>
+        </p:blipFill>
+        <p:spPr>
+          <a:xfrm>
+            <a:off x="735480" y="5069520"/>
+            <a:ext cx="2286000" cy="1523880"/>
+          </a:xfrm>
+          <a:prstGeom prst="rect">
+            <a:avLst/>
+          </a:prstGeom>
+          <a:ln>
+            <a:noFill/>
+          </a:ln>
+        </p:spPr>
+      </p:pic>
+      <p:pic>
+        <p:nvPicPr>
+          <p:cNvPr id="119" name="" descr=""/>
+          <p:cNvPicPr/>
+          <p:nvPr/>
+        </p:nvPicPr>
+        <p:blipFill>
+          <a:blip r:embed="rId4"/>
+          <a:srcRect l="0" t="13175" r="0" b="10869"/>
+          <a:stretch/>
+        </p:blipFill>
+        <p:spPr>
+          <a:xfrm>
+            <a:off x="5852160" y="4846320"/>
+            <a:ext cx="2857320" cy="1279800"/>
+          </a:xfrm>
+          <a:prstGeom prst="rect">
+            <a:avLst/>
+          </a:prstGeom>
+          <a:ln>
+            <a:noFill/>
+          </a:ln>
+        </p:spPr>
+      </p:pic>
+      <p:sp>
+        <p:nvSpPr>
+          <p:cNvPr id="120" name="CustomShape 3"/>
+          <p:cNvSpPr/>
+          <p:nvPr/>
+        </p:nvSpPr>
+        <p:spPr>
+          <a:xfrm>
+            <a:off x="2743200" y="2011680"/>
+            <a:ext cx="1371600" cy="4206240"/>
+          </a:xfrm>
+          <a:custGeom>
+            <a:avLst/>
+            <a:gdLst/>
+            <a:ahLst/>
+            <a:rect l="l" t="t" r="r" b="b"/>
+            <a:pathLst>
+              <a:path w="142" h="147">
+                <a:moveTo>
+                  <a:pt x="98" y="21"/>
+                </a:moveTo>
+                <a:cubicBezTo>
+                  <a:pt x="64" y="21"/>
+                  <a:pt x="36" y="50"/>
+                  <a:pt x="36" y="84"/>
+                </a:cubicBezTo>
+                <a:cubicBezTo>
+                  <a:pt x="36" y="102"/>
+                  <a:pt x="22" y="116"/>
+                  <a:pt x="4" y="116"/>
+                </a:cubicBezTo>
+                <a:cubicBezTo>
+                  <a:pt x="0" y="116"/>
+                  <a:pt x="0" y="116"/>
+                  <a:pt x="0" y="116"/>
+                </a:cubicBezTo>
+                <a:cubicBezTo>
+                  <a:pt x="0" y="147"/>
+                  <a:pt x="0" y="147"/>
+                  <a:pt x="0" y="147"/>
+                </a:cubicBezTo>
+                <a:cubicBezTo>
+                  <a:pt x="4" y="147"/>
+                  <a:pt x="4" y="147"/>
+                  <a:pt x="4" y="147"/>
+                </a:cubicBezTo>
+                <a:cubicBezTo>
+                  <a:pt x="39" y="147"/>
+                  <a:pt x="67" y="119"/>
+                  <a:pt x="67" y="84"/>
+                </a:cubicBezTo>
+                <a:cubicBezTo>
+                  <a:pt x="67" y="67"/>
+                  <a:pt x="81" y="53"/>
+                  <a:pt x="98" y="53"/>
+                </a:cubicBezTo>
+                <a:cubicBezTo>
+                  <a:pt x="103" y="53"/>
+                  <a:pt x="103" y="53"/>
+                  <a:pt x="103" y="53"/>
+                </a:cubicBezTo>
+                <a:cubicBezTo>
+                  <a:pt x="103" y="73"/>
+                  <a:pt x="103" y="73"/>
+                  <a:pt x="103" y="73"/>
+                </a:cubicBezTo>
+                <a:cubicBezTo>
+                  <a:pt x="142" y="37"/>
+                  <a:pt x="142" y="37"/>
+                  <a:pt x="142" y="37"/>
+                </a:cubicBezTo>
+                <a:cubicBezTo>
+                  <a:pt x="103" y="0"/>
+                  <a:pt x="103" y="0"/>
+                  <a:pt x="103" y="0"/>
+                </a:cubicBezTo>
+                <a:cubicBezTo>
+                  <a:pt x="103" y="21"/>
+                  <a:pt x="103" y="21"/>
+                  <a:pt x="103" y="21"/>
+                </a:cubicBezTo>
+                <a:lnTo>
+                  <a:pt x="98" y="21"/>
+                </a:lnTo>
+                <a:close/>
+              </a:path>
+            </a:pathLst>
+          </a:custGeom>
+          <a:solidFill>
+            <a:srgbClr val="ef413d"/>
+          </a:solidFill>
+          <a:ln>
+            <a:solidFill>
+              <a:srgbClr val="3465a4"/>
+            </a:solidFill>
+          </a:ln>
+        </p:spPr>
+        <p:style>
+          <a:lnRef idx="0"/>
+          <a:fillRef idx="0"/>
+          <a:effectRef idx="0"/>
+          <a:fontRef idx="minor"/>
+        </p:style>
+      </p:sp>
+      <p:sp>
+        <p:nvSpPr>
+          <p:cNvPr id="121" name="CustomShape 4"/>
+          <p:cNvSpPr/>
+          <p:nvPr/>
+        </p:nvSpPr>
+        <p:spPr>
+          <a:xfrm rot="3908400">
+            <a:off x="4743720" y="4141440"/>
+            <a:ext cx="1728720" cy="274320"/>
+          </a:xfrm>
+          <a:custGeom>
+            <a:avLst/>
+            <a:gdLst/>
+            <a:ahLst/>
+            <a:rect l="0" t="0" r="r" b="b"/>
+            <a:pathLst>
+              <a:path w="4804" h="765">
+                <a:moveTo>
+                  <a:pt x="0" y="194"/>
+                </a:moveTo>
+                <a:lnTo>
+                  <a:pt x="3602" y="191"/>
+                </a:lnTo>
+                <a:lnTo>
+                  <a:pt x="3603" y="0"/>
+                </a:lnTo>
+                <a:lnTo>
+                  <a:pt x="4803" y="380"/>
+                </a:lnTo>
+                <a:lnTo>
+                  <a:pt x="3603" y="764"/>
+                </a:lnTo>
+                <a:lnTo>
+                  <a:pt x="3603" y="572"/>
+                </a:lnTo>
+                <a:lnTo>
+                  <a:pt x="1" y="577"/>
+                </a:lnTo>
+                <a:lnTo>
+                  <a:pt x="0" y="194"/>
+                </a:lnTo>
+              </a:path>
+            </a:pathLst>
+          </a:custGeom>
+          <a:solidFill>
+            <a:srgbClr val="454fa1"/>
+          </a:solidFill>
+          <a:ln>
+            <a:solidFill>
+              <a:srgbClr val="3465a4"/>
+            </a:solidFill>
+          </a:ln>
+        </p:spPr>
+        <p:style>
+          <a:lnRef idx="0"/>
+          <a:fillRef idx="0"/>
+          <a:effectRef idx="0"/>
+          <a:fontRef idx="minor"/>
+        </p:style>
+      </p:sp>
+      <p:sp>
+        <p:nvSpPr>
+          <p:cNvPr id="122" name="CustomShape 5"/>
+          <p:cNvSpPr/>
+          <p:nvPr/>
+        </p:nvSpPr>
+        <p:spPr>
+          <a:xfrm rot="17332200">
+            <a:off x="7309800" y="3686760"/>
+            <a:ext cx="1747800" cy="465480"/>
+          </a:xfrm>
+          <a:custGeom>
+            <a:avLst/>
+            <a:gdLst/>
+            <a:ahLst/>
+            <a:rect l="0" t="0" r="r" b="b"/>
+            <a:pathLst>
+              <a:path w="4858" h="1296">
+                <a:moveTo>
+                  <a:pt x="0" y="325"/>
+                </a:moveTo>
+                <a:lnTo>
+                  <a:pt x="3643" y="323"/>
+                </a:lnTo>
+                <a:lnTo>
+                  <a:pt x="3642" y="0"/>
+                </a:lnTo>
+                <a:lnTo>
+                  <a:pt x="4857" y="646"/>
+                </a:lnTo>
+                <a:lnTo>
+                  <a:pt x="3643" y="1295"/>
+                </a:lnTo>
+                <a:lnTo>
+                  <a:pt x="3642" y="970"/>
+                </a:lnTo>
+                <a:lnTo>
+                  <a:pt x="1" y="972"/>
+                </a:lnTo>
+                <a:lnTo>
+                  <a:pt x="0" y="325"/>
+                </a:lnTo>
+              </a:path>
+            </a:pathLst>
+          </a:custGeom>
+          <a:solidFill>
+            <a:srgbClr val="72bf44"/>
+          </a:solidFill>
+          <a:ln>
+            <a:solidFill>
+              <a:srgbClr val="3465a4"/>
+            </a:solidFill>
+          </a:ln>
+        </p:spPr>
+        <p:style>
+          <a:lnRef idx="0"/>
+          <a:fillRef idx="0"/>
+          <a:effectRef idx="0"/>
+          <a:fontRef idx="minor"/>
+        </p:style>
+      </p:sp>
+      <p:sp>
+        <p:nvSpPr>
+          <p:cNvPr id="123" name="CustomShape 6"/>
+          <p:cNvSpPr/>
+          <p:nvPr/>
+        </p:nvSpPr>
+        <p:spPr>
+          <a:xfrm rot="14244000">
+            <a:off x="5859360" y="3838320"/>
+            <a:ext cx="1550160" cy="461160"/>
+          </a:xfrm>
+          <a:custGeom>
+            <a:avLst/>
+            <a:gdLst/>
+            <a:ahLst/>
+            <a:rect l="0" t="0" r="r" b="b"/>
+            <a:pathLst>
+              <a:path w="4309" h="1283">
+                <a:moveTo>
+                  <a:pt x="0" y="320"/>
+                </a:moveTo>
+                <a:lnTo>
+                  <a:pt x="3230" y="319"/>
+                </a:lnTo>
+                <a:lnTo>
+                  <a:pt x="3230" y="0"/>
+                </a:lnTo>
+                <a:lnTo>
+                  <a:pt x="4308" y="640"/>
+                </a:lnTo>
+                <a:lnTo>
+                  <a:pt x="3230" y="1282"/>
+                </a:lnTo>
+                <a:lnTo>
+                  <a:pt x="3231" y="961"/>
+                </a:lnTo>
+                <a:lnTo>
+                  <a:pt x="0" y="961"/>
+                </a:lnTo>
+                <a:lnTo>
+                  <a:pt x="0" y="320"/>
+                </a:lnTo>
+              </a:path>
+            </a:pathLst>
+          </a:custGeom>
+          <a:solidFill>
+            <a:srgbClr val="72bf44"/>
+          </a:solidFill>
+          <a:ln>
+            <a:solidFill>
+              <a:srgbClr val="3465a4"/>
+            </a:solidFill>
+          </a:ln>
+        </p:spPr>
+        <p:style>
+          <a:lnRef idx="0"/>
+          <a:fillRef idx="0"/>
+          <a:effectRef idx="0"/>
+          <a:fontRef idx="minor"/>
+        </p:style>
+      </p:sp>
+      <p:sp>
+        <p:nvSpPr>
+          <p:cNvPr id="124" name="TextShape 7"/>
+          <p:cNvSpPr txBox="1"/>
+          <p:nvPr/>
+        </p:nvSpPr>
+        <p:spPr>
+          <a:xfrm>
+            <a:off x="274320" y="1645920"/>
+            <a:ext cx="2560320" cy="3127320"/>
+          </a:xfrm>
+          <a:prstGeom prst="rect">
+            <a:avLst/>
+          </a:prstGeom>
+          <a:noFill/>
+          <a:ln>
+            <a:noFill/>
+          </a:ln>
+        </p:spPr>
+        <p:txBody>
+          <a:bodyPr lIns="90000" rIns="90000" tIns="45000" bIns="45000"/>
+          <a:p>
+            <a:r>
+              <a:rPr b="0" lang="en-US" sz="1800" spc="-1" strike="noStrike">
+                <a:latin typeface="Arial"/>
+              </a:rPr>
+              <a:t>1. Students upload files to Google Drive</a:t>
+            </a:r>
+            <a:endParaRPr b="0" lang="en-US" sz="1800" spc="-1" strike="noStrike">
+              <a:latin typeface="Arial"/>
+            </a:endParaRPr>
+          </a:p>
+          <a:p>
+            <a:endParaRPr b="0" lang="en-US" sz="1800" spc="-1" strike="noStrike">
+              <a:latin typeface="Arial"/>
+            </a:endParaRPr>
+          </a:p>
+          <a:p>
+            <a:r>
+              <a:rPr b="0" lang="en-US" sz="1800" spc="-1" strike="noStrike">
+                <a:latin typeface="Arial"/>
+              </a:rPr>
+              <a:t>2. TA’s download files and run autograder.</a:t>
+            </a:r>
+            <a:endParaRPr b="0" lang="en-US" sz="1800" spc="-1" strike="noStrike">
+              <a:latin typeface="Arial"/>
+            </a:endParaRPr>
+          </a:p>
+          <a:p>
+            <a:endParaRPr b="0" lang="en-US" sz="1800" spc="-1" strike="noStrike">
+              <a:latin typeface="Arial"/>
+            </a:endParaRPr>
+          </a:p>
+          <a:p>
+            <a:r>
+              <a:rPr b="0" lang="en-US" sz="1800" spc="-1" strike="noStrike">
+                <a:latin typeface="Arial"/>
+              </a:rPr>
+              <a:t>3. TA uploads grades Learning Suite.</a:t>
+            </a:r>
+            <a:endParaRPr b="0" lang="en-US" sz="1800" spc="-1" strike="noStrike">
+              <a:latin typeface="Arial"/>
+            </a:endParaRPr>
+          </a:p>
+          <a:p>
+            <a:endParaRPr b="0" lang="en-US" sz="1800" spc="-1" strike="noStrike">
+              <a:latin typeface="Arial"/>
+            </a:endParaRPr>
+          </a:p>
+          <a:p>
+            <a:r>
+              <a:rPr b="0" lang="en-US" sz="1800" spc="-1" strike="noStrike">
+                <a:latin typeface="Arial"/>
+              </a:rPr>
+              <a:t>4. TA uploads grades to Google Drive and sends out feedback.</a:t>
+            </a:r>
+            <a:endParaRPr b="0" lang="en-US" sz="1800" spc="-1" strike="noStrike">
+              <a:latin typeface="Arial"/>
+            </a:endParaRPr>
+          </a:p>
+        </p:txBody>
+      </p:sp>
+      <p:sp>
+        <p:nvSpPr>
+          <p:cNvPr id="125" name="TextShape 8"/>
+          <p:cNvSpPr txBox="1"/>
+          <p:nvPr/>
+        </p:nvSpPr>
+        <p:spPr>
+          <a:xfrm>
+            <a:off x="3092400" y="4134240"/>
+            <a:ext cx="371160" cy="343440"/>
+          </a:xfrm>
+          <a:prstGeom prst="rect">
+            <a:avLst/>
+          </a:prstGeom>
+          <a:noFill/>
+          <a:ln>
+            <a:noFill/>
+          </a:ln>
+        </p:spPr>
+        <p:txBody>
+          <a:bodyPr lIns="90000" rIns="90000" tIns="45000" bIns="45000"/>
+          <a:p>
+            <a:r>
+              <a:rPr b="0" lang="en-US" sz="1800" spc="-1" strike="noStrike">
+                <a:latin typeface="Arial"/>
+              </a:rPr>
+              <a:t>1.</a:t>
+            </a:r>
+            <a:endParaRPr b="0" lang="en-US" sz="1800" spc="-1" strike="noStrike">
+              <a:latin typeface="Arial"/>
+            </a:endParaRPr>
+          </a:p>
+        </p:txBody>
+      </p:sp>
+      <p:sp>
+        <p:nvSpPr>
+          <p:cNvPr id="126" name="TextShape 9"/>
+          <p:cNvSpPr txBox="1"/>
+          <p:nvPr/>
+        </p:nvSpPr>
+        <p:spPr>
+          <a:xfrm>
+            <a:off x="5303520" y="4206240"/>
+            <a:ext cx="371160" cy="343440"/>
+          </a:xfrm>
+          <a:prstGeom prst="rect">
+            <a:avLst/>
+          </a:prstGeom>
+          <a:noFill/>
+          <a:ln>
+            <a:noFill/>
+          </a:ln>
+        </p:spPr>
+        <p:txBody>
+          <a:bodyPr lIns="90000" rIns="90000" tIns="45000" bIns="45000"/>
+          <a:p>
+            <a:r>
+              <a:rPr b="0" lang="en-US" sz="1800" spc="-1" strike="noStrike">
+                <a:latin typeface="Arial"/>
+              </a:rPr>
+              <a:t>2.</a:t>
+            </a:r>
+            <a:endParaRPr b="0" lang="en-US" sz="1800" spc="-1" strike="noStrike">
+              <a:latin typeface="Arial"/>
+            </a:endParaRPr>
+          </a:p>
+        </p:txBody>
+      </p:sp>
+      <p:sp>
+        <p:nvSpPr>
+          <p:cNvPr id="127" name="TextShape 10"/>
+          <p:cNvSpPr txBox="1"/>
+          <p:nvPr/>
+        </p:nvSpPr>
+        <p:spPr>
+          <a:xfrm>
+            <a:off x="7994160" y="3879360"/>
+            <a:ext cx="371160" cy="343440"/>
+          </a:xfrm>
+          <a:prstGeom prst="rect">
+            <a:avLst/>
+          </a:prstGeom>
+          <a:noFill/>
+          <a:ln>
+            <a:noFill/>
+          </a:ln>
+        </p:spPr>
+        <p:txBody>
+          <a:bodyPr lIns="90000" rIns="90000" tIns="45000" bIns="45000"/>
+          <a:p>
+            <a:r>
+              <a:rPr b="0" lang="en-US" sz="1800" spc="-1" strike="noStrike">
+                <a:latin typeface="Arial"/>
+              </a:rPr>
+              <a:t>3.</a:t>
+            </a:r>
+            <a:endParaRPr b="0" lang="en-US" sz="1800" spc="-1" strike="noStrike">
+              <a:latin typeface="Arial"/>
+            </a:endParaRPr>
+          </a:p>
+        </p:txBody>
+      </p:sp>
+      <p:sp>
+        <p:nvSpPr>
+          <p:cNvPr id="128" name="TextShape 11"/>
+          <p:cNvSpPr txBox="1"/>
+          <p:nvPr/>
+        </p:nvSpPr>
+        <p:spPr>
+          <a:xfrm>
+            <a:off x="6531120" y="3970800"/>
+            <a:ext cx="371160" cy="343440"/>
+          </a:xfrm>
+          <a:prstGeom prst="rect">
+            <a:avLst/>
+          </a:prstGeom>
+          <a:noFill/>
+          <a:ln>
+            <a:noFill/>
+          </a:ln>
+        </p:spPr>
+        <p:txBody>
+          <a:bodyPr lIns="90000" rIns="90000" tIns="45000" bIns="45000"/>
+          <a:p>
+            <a:r>
+              <a:rPr b="0" lang="en-US" sz="1800" spc="-1" strike="noStrike">
+                <a:latin typeface="Arial"/>
+              </a:rPr>
+              <a:t>4.</a:t>
+            </a:r>
+            <a:endParaRPr b="0" lang="en-US" sz="1800" spc="-1" strike="noStrike">
+              <a:latin typeface="Arial"/>
+            </a:endParaRPr>
+          </a:p>
+        </p:txBody>
+      </p:sp>
+      <p:sp>
+        <p:nvSpPr>
+          <p:cNvPr id="129" name="TextShape 12"/>
+          <p:cNvSpPr txBox="1"/>
+          <p:nvPr/>
+        </p:nvSpPr>
+        <p:spPr>
+          <a:xfrm>
+            <a:off x="1188720" y="6514560"/>
+            <a:ext cx="1463040" cy="343440"/>
+          </a:xfrm>
+          <a:prstGeom prst="rect">
+            <a:avLst/>
+          </a:prstGeom>
+          <a:noFill/>
+          <a:ln>
+            <a:noFill/>
+          </a:ln>
+        </p:spPr>
+        <p:txBody>
+          <a:bodyPr lIns="90000" rIns="90000" tIns="45000" bIns="45000"/>
+          <a:p>
+            <a:pPr algn="ctr"/>
+            <a:r>
+              <a:rPr b="0" lang="en-US" sz="1800" spc="-1" strike="noStrike">
+                <a:latin typeface="Arial"/>
+              </a:rPr>
+              <a:t>Students</a:t>
+            </a:r>
+            <a:endParaRPr b="0" lang="en-US" sz="1800" spc="-1" strike="noStrike">
+              <a:latin typeface="Arial"/>
+            </a:endParaRPr>
+          </a:p>
+        </p:txBody>
+      </p:sp>
+    </p:spTree>
+  </p:cSld>
+  <p:timing>
+    <p:tnLst>
+      <p:par>
+        <p:cTn id="9" dur="indefinite" restart="never" nodeType="tmRoot">
+          <p:childTnLst>
+            <p:seq>
+              <p:cTn id="10" nodeType="mainSeq"/>
+              <p:prevCondLst>
+                <p:cond delay="0" evt="onPrev">
+                  <p:tgtEl>
+                    <p:sldTgt/>
+                  </p:tgtEl>
+                </p:cond>
+              </p:prevCondLst>
+              <p:nextCondLst>
+                <p:cond delay="0" evt="onNext">
+                  <p:tgtEl>
+                    <p:sldTgt/>
+                  </p:tgtEl>
+                </p:cond>
+              </p:nextCondLst>
+            </p:seq>
+          </p:childTnLst>
+        </p:cTn>
+      </p:par>
+    </p:tnLst>
+  </p:timing>
+</p:sld>
+</file>
+
+<file path=ppt/slides/slide6.xml><?xml version="1.0" encoding="utf-8"?>
+<p:sld xmlns:a="http://schemas.openxmlformats.org/drawingml/2006/main" xmlns:p="http://schemas.openxmlformats.org/presentationml/2006/main" xmlns:r="http://schemas.openxmlformats.org/officeDocument/2006/relationships" xmlns:p14="http://schemas.microsoft.com/office/powerpoint/2010/main" xmlns:p15="http://schemas.microsoft.com/office/powerpoint/2012/main" xmlns:mc="http://schemas.openxmlformats.org/markup-compatibility/2006">
+  <p:cSld>
+    <p:spTree>
+      <p:nvGrpSpPr>
+        <p:cNvPr id="1" name=""/>
+        <p:cNvGrpSpPr/>
+        <p:nvPr/>
+      </p:nvGrpSpPr>
+      <p:grpSpPr>
+        <a:xfrm>
+          <a:off x="0" y="0"/>
+          <a:ext cx="0" cy="0"/>
+          <a:chOff x="0" y="0"/>
+          <a:chExt cx="0" cy="0"/>
+        </a:xfrm>
+      </p:grpSpPr>
+      <p:sp>
+        <p:nvSpPr>
+          <p:cNvPr id="130" name="TextShape 1"/>
+          <p:cNvSpPr txBox="1"/>
+          <p:nvPr/>
+        </p:nvSpPr>
+        <p:spPr>
+          <a:xfrm>
+            <a:off x="360000" y="360000"/>
+            <a:ext cx="9359640" cy="899640"/>
+          </a:xfrm>
+          <a:prstGeom prst="rect">
+            <a:avLst/>
+          </a:prstGeom>
+          <a:noFill/>
+          <a:ln>
+            <a:noFill/>
+          </a:ln>
+        </p:spPr>
+        <p:txBody>
+          <a:bodyPr lIns="0" rIns="0" tIns="0" bIns="0" anchor="ctr"/>
+          <a:p>
+            <a:pPr algn="ctr"/>
+            <a:r>
+              <a:rPr b="0" lang="en-US" sz="4400" spc="-1" strike="noStrike">
+                <a:latin typeface="Arial"/>
+              </a:rPr>
+              <a:t>Running the Autograder: Start</a:t>
+            </a:r>
+            <a:endParaRPr b="0" lang="en-US" sz="4400" spc="-1" strike="noStrike">
+              <a:latin typeface="Arial"/>
+            </a:endParaRPr>
+          </a:p>
+        </p:txBody>
+      </p:sp>
+      <p:sp>
+        <p:nvSpPr>
+          <p:cNvPr id="131" name="TextShape 2"/>
+          <p:cNvSpPr txBox="1"/>
+          <p:nvPr/>
+        </p:nvSpPr>
+        <p:spPr>
+          <a:xfrm>
+            <a:off x="365760" y="1645920"/>
+            <a:ext cx="9326880" cy="1608840"/>
+          </a:xfrm>
+          <a:prstGeom prst="rect">
+            <a:avLst/>
+          </a:prstGeom>
+          <a:noFill/>
+          <a:ln>
+            <a:noFill/>
+          </a:ln>
+        </p:spPr>
+        <p:txBody>
+          <a:bodyPr lIns="90000" rIns="90000" tIns="45000" bIns="45000"/>
+          <a:p>
+            <a:r>
+              <a:rPr b="1" lang="en-US" sz="1800" spc="-1" strike="noStrike">
+                <a:latin typeface="Arial"/>
+              </a:rPr>
+              <a:t>Where can I run the autograder program from?</a:t>
+            </a:r>
+            <a:endParaRPr b="0" lang="en-US" sz="1800" spc="-1" strike="noStrike">
+              <a:latin typeface="Arial"/>
+            </a:endParaRPr>
+          </a:p>
+          <a:p>
+            <a:endParaRPr b="0" lang="en-US" sz="1800" spc="-1" strike="noStrike">
+              <a:latin typeface="Arial"/>
+            </a:endParaRPr>
+          </a:p>
+          <a:p>
+            <a:r>
+              <a:rPr b="0" lang="en-US" sz="1800" spc="-1" strike="noStrike">
+                <a:latin typeface="Arial"/>
+              </a:rPr>
+              <a:t>* The autograder program will need to be run from its location in the folder your instructor shares with you on your CAEDM J: drive. This gives you three options:</a:t>
+            </a:r>
+            <a:endParaRPr b="0" lang="en-US" sz="1800" spc="-1" strike="noStrike">
+              <a:latin typeface="Arial"/>
+            </a:endParaRPr>
+          </a:p>
+          <a:p>
+            <a:endParaRPr b="0" lang="en-US" sz="1800" spc="-1" strike="noStrike">
+              <a:latin typeface="Arial"/>
+            </a:endParaRPr>
+          </a:p>
+          <a:p>
+            <a:endParaRPr b="0" lang="en-US" sz="1800" spc="-1" strike="noStrike">
+              <a:latin typeface="Arial"/>
+            </a:endParaRPr>
+          </a:p>
+        </p:txBody>
+      </p:sp>
+      <p:sp>
+        <p:nvSpPr>
+          <p:cNvPr id="132" name="TextShape 3"/>
+          <p:cNvSpPr txBox="1"/>
+          <p:nvPr/>
+        </p:nvSpPr>
+        <p:spPr>
+          <a:xfrm>
+            <a:off x="1188720" y="2834640"/>
+            <a:ext cx="7772400" cy="1861920"/>
+          </a:xfrm>
+          <a:prstGeom prst="rect">
+            <a:avLst/>
+          </a:prstGeom>
+          <a:noFill/>
+          <a:ln>
+            <a:noFill/>
+          </a:ln>
+        </p:spPr>
+        <p:txBody>
+          <a:bodyPr lIns="90000" rIns="90000" tIns="45000" bIns="45000"/>
+          <a:p>
+            <a:r>
+              <a:rPr b="0" lang="en-US" sz="1800" spc="-1" strike="noStrike">
+                <a:latin typeface="Arial"/>
+              </a:rPr>
+              <a:t>1. (</a:t>
+            </a:r>
+            <a:r>
+              <a:rPr b="0" i="1" lang="en-US" sz="1800" spc="-1" strike="noStrike">
+                <a:latin typeface="Arial"/>
+              </a:rPr>
+              <a:t>Recommended</a:t>
+            </a:r>
+            <a:r>
+              <a:rPr b="0" lang="en-US" sz="1800" spc="-1" strike="noStrike">
+                <a:latin typeface="Arial"/>
+              </a:rPr>
+              <a:t>) Login to a CAEDM computer on-campus and run the program from your J: drive there.</a:t>
+            </a:r>
+            <a:endParaRPr b="0" lang="en-US" sz="1800" spc="-1" strike="noStrike">
+              <a:latin typeface="Arial"/>
+            </a:endParaRPr>
+          </a:p>
+          <a:p>
+            <a:r>
+              <a:rPr b="0" lang="en-US" sz="1800" spc="-1" strike="noStrike">
+                <a:latin typeface="Arial"/>
+              </a:rPr>
+              <a:t>2. (Windows users) Map your J: drive to your computer (see </a:t>
+            </a:r>
+            <a:r>
+              <a:rPr b="0" lang="en-US" sz="1800" spc="-1" strike="noStrike">
+                <a:latin typeface="Arial"/>
+                <a:hlinkClick r:id="rId1"/>
+              </a:rPr>
+              <a:t>https://caedm.et.byu.edu/wiki/index.php/J_Drive#Accessing_the_J_Drive_from_Off_Campus</a:t>
+            </a:r>
+            <a:r>
+              <a:rPr b="0" lang="en-US" sz="1800" spc="-1" strike="noStrike">
+                <a:latin typeface="Arial"/>
+              </a:rPr>
+              <a:t> _x0001_) and then run the program remotely through your computer connection.</a:t>
+            </a:r>
+            <a:endParaRPr b="0" lang="en-US" sz="1800" spc="-1" strike="noStrike">
+              <a:latin typeface="Arial"/>
+            </a:endParaRPr>
+          </a:p>
+          <a:p>
+            <a:r>
+              <a:rPr b="0" lang="en-US" sz="1800" spc="-1" strike="noStrike">
+                <a:latin typeface="Arial"/>
+              </a:rPr>
+              <a:t>3. Use Citrix to run Matlab and remotely run the autograder program (guaranteed headache).</a:t>
+            </a:r>
+            <a:endParaRPr b="0" lang="en-US" sz="1800" spc="-1" strike="noStrike">
+              <a:latin typeface="Arial"/>
+            </a:endParaRPr>
+          </a:p>
+        </p:txBody>
+      </p:sp>
+    </p:spTree>
+  </p:cSld>
+  <p:timing>
+    <p:tnLst>
+      <p:par>
+        <p:cTn id="11" dur="indefinite" restart="never" nodeType="tmRoot">
+          <p:childTnLst>
+            <p:seq>
+              <p:cTn id="12" nodeType="mainSeq"/>
+              <p:prevCondLst>
+                <p:cond delay="0" evt="onPrev">
+                  <p:tgtEl>
+                    <p:sldTgt/>
+                  </p:tgtEl>
+                </p:cond>
+              </p:prevCondLst>
+              <p:nextCondLst>
+                <p:cond delay="0" evt="onNext">
+                  <p:tgtEl>
+                    <p:sldTgt/>
+                  </p:tgtEl>
+                </p:cond>
+              </p:nextCondLst>
+            </p:seq>
+          </p:childTnLst>
+        </p:cTn>
+      </p:par>
+    </p:tnLst>
+  </p:timing>
+</p:sld>
+</file>
+
+<file path=ppt/slides/slide7.xml><?xml version="1.0" encoding="utf-8"?>
+<p:sld xmlns:a="http://schemas.openxmlformats.org/drawingml/2006/main" xmlns:p="http://schemas.openxmlformats.org/presentationml/2006/main" xmlns:r="http://schemas.openxmlformats.org/officeDocument/2006/relationships" xmlns:p14="http://schemas.microsoft.com/office/powerpoint/2010/main" xmlns:p15="http://schemas.microsoft.com/office/powerpoint/2012/main" xmlns:mc="http://schemas.openxmlformats.org/markup-compatibility/2006">
+  <p:cSld>
+    <p:spTree>
+      <p:nvGrpSpPr>
+        <p:cNvPr id="1" name=""/>
+        <p:cNvGrpSpPr/>
+        <p:nvPr/>
+      </p:nvGrpSpPr>
+      <p:grpSpPr>
+        <a:xfrm>
+          <a:off x="0" y="0"/>
+          <a:ext cx="0" cy="0"/>
+          <a:chOff x="0" y="0"/>
+          <a:chExt cx="0" cy="0"/>
+        </a:xfrm>
+      </p:grpSpPr>
+      <p:sp>
+        <p:nvSpPr>
+          <p:cNvPr id="133" name="TextShape 1"/>
+          <p:cNvSpPr txBox="1"/>
+          <p:nvPr/>
+        </p:nvSpPr>
+        <p:spPr>
+          <a:xfrm>
+            <a:off x="360000" y="360000"/>
+            <a:ext cx="9359640" cy="899640"/>
+          </a:xfrm>
+          <a:prstGeom prst="rect">
+            <a:avLst/>
+          </a:prstGeom>
+          <a:noFill/>
+          <a:ln>
+            <a:noFill/>
+          </a:ln>
+        </p:spPr>
+        <p:txBody>
+          <a:bodyPr lIns="0" rIns="0" tIns="0" bIns="0" anchor="ctr"/>
+          <a:p>
+            <a:pPr algn="ctr"/>
+            <a:r>
+              <a:rPr b="0" lang="en-US" sz="4400" spc="-1" strike="noStrike">
+                <a:latin typeface="Arial"/>
+              </a:rPr>
+              <a:t>Running the Autograder: Run</a:t>
+            </a:r>
+            <a:endParaRPr b="0" lang="en-US" sz="4400" spc="-1" strike="noStrike">
+              <a:latin typeface="Arial"/>
+            </a:endParaRPr>
+          </a:p>
+        </p:txBody>
+      </p:sp>
+      <p:pic>
+        <p:nvPicPr>
+          <p:cNvPr id="134" name="" descr=""/>
+          <p:cNvPicPr/>
+          <p:nvPr/>
+        </p:nvPicPr>
+        <p:blipFill>
+          <a:blip r:embed="rId1"/>
+          <a:stretch/>
+        </p:blipFill>
+        <p:spPr>
+          <a:xfrm>
+            <a:off x="2768040" y="1593360"/>
+            <a:ext cx="6924600" cy="3893040"/>
+          </a:xfrm>
+          <a:prstGeom prst="rect">
+            <a:avLst/>
+          </a:prstGeom>
+          <a:ln>
+            <a:noFill/>
+          </a:ln>
+        </p:spPr>
+      </p:pic>
+      <p:pic>
+        <p:nvPicPr>
+          <p:cNvPr id="135" name="" descr=""/>
+          <p:cNvPicPr/>
+          <p:nvPr/>
+        </p:nvPicPr>
+        <p:blipFill>
+          <a:blip r:embed="rId2"/>
+          <a:srcRect l="0" t="0" r="19282" b="0"/>
+          <a:stretch/>
+        </p:blipFill>
+        <p:spPr>
+          <a:xfrm>
+            <a:off x="3931920" y="2690640"/>
+            <a:ext cx="5851800" cy="4075920"/>
+          </a:xfrm>
+          <a:prstGeom prst="rect">
+            <a:avLst/>
+          </a:prstGeom>
+          <a:ln>
+            <a:noFill/>
+          </a:ln>
+        </p:spPr>
+      </p:pic>
+      <p:sp>
+        <p:nvSpPr>
+          <p:cNvPr id="136" name="TextShape 2"/>
+          <p:cNvSpPr txBox="1"/>
+          <p:nvPr/>
+        </p:nvSpPr>
+        <p:spPr>
+          <a:xfrm>
+            <a:off x="365760" y="2103120"/>
+            <a:ext cx="2103120" cy="4572000"/>
+          </a:xfrm>
+          <a:prstGeom prst="rect">
+            <a:avLst/>
+          </a:prstGeom>
+          <a:noFill/>
+          <a:ln>
+            <a:noFill/>
+          </a:ln>
+        </p:spPr>
+        <p:txBody>
+          <a:bodyPr lIns="90000" rIns="90000" tIns="45000" bIns="45000"/>
+          <a:p>
+            <a:r>
+              <a:rPr b="0" lang="en-US" sz="1800" spc="-1" strike="noStrike">
+                <a:latin typeface="Arial"/>
+              </a:rPr>
+              <a:t>1. Navigate</a:t>
+            </a:r>
+            <a:br/>
+            <a:r>
+              <a:rPr b="0" lang="en-US" sz="1800" spc="-1" strike="noStrike">
+                <a:latin typeface="Arial"/>
+              </a:rPr>
+              <a:t>to the</a:t>
+            </a:r>
+            <a:br/>
+            <a:r>
+              <a:rPr b="0" lang="en-US" sz="1800" spc="-1" strike="noStrike">
+                <a:latin typeface="Arial"/>
+              </a:rPr>
+              <a:t>autograder_core</a:t>
+            </a:r>
+            <a:br/>
+            <a:r>
+              <a:rPr b="0" lang="en-US" sz="1800" spc="-1" strike="noStrike">
+                <a:latin typeface="Arial"/>
+              </a:rPr>
+              <a:t>directory.</a:t>
+            </a:r>
+            <a:endParaRPr b="0" lang="en-US" sz="1800" spc="-1" strike="noStrike">
+              <a:latin typeface="Arial"/>
+            </a:endParaRPr>
+          </a:p>
+          <a:p>
+            <a:endParaRPr b="0" lang="en-US" sz="1800" spc="-1" strike="noStrike">
+              <a:latin typeface="Arial"/>
+            </a:endParaRPr>
+          </a:p>
+          <a:p>
+            <a:r>
+              <a:rPr b="0" lang="en-US" sz="1800" spc="-1" strike="noStrike">
+                <a:latin typeface="Arial"/>
+              </a:rPr>
+              <a:t>2. Open and run ‘main.m’.</a:t>
+            </a:r>
+            <a:endParaRPr b="0" lang="en-US" sz="1800" spc="-1" strike="noStrike">
+              <a:latin typeface="Arial"/>
+            </a:endParaRPr>
+          </a:p>
+        </p:txBody>
+      </p:sp>
+    </p:spTree>
+  </p:cSld>
+  <p:timing>
+    <p:tnLst>
+      <p:par>
+        <p:cTn id="13" dur="indefinite" restart="never" nodeType="tmRoot">
+          <p:childTnLst>
+            <p:seq>
+              <p:cTn id="14" nodeType="mainSeq"/>
+              <p:prevCondLst>
+                <p:cond delay="0" evt="onPrev">
+                  <p:tgtEl>
+                    <p:sldTgt/>
+                  </p:tgtEl>
+                </p:cond>
+              </p:prevCondLst>
+              <p:nextCondLst>
+                <p:cond delay="0" evt="onNext">
+                  <p:tgtEl>
+                    <p:sldTgt/>
+                  </p:tgtEl>
+                </p:cond>
+              </p:nextCondLst>
+            </p:seq>
+          </p:childTnLst>
+        </p:cTn>
+      </p:par>
+    </p:tnLst>
+  </p:timing>
 </p:sld>
 </file>
 
